--- a/Presentation.pptx
+++ b/Presentation.pptx
@@ -2,18 +2,21 @@
 <file path=ppt/presentation.xml><?xml version="1.0" encoding="utf-8"?>
 <p:presentation xmlns:a="http://schemas.openxmlformats.org/drawingml/2006/main" xmlns:r="http://schemas.openxmlformats.org/officeDocument/2006/relationships" xmlns:p="http://schemas.openxmlformats.org/presentationml/2006/main" saveSubsetFonts="1">
   <p:sldMasterIdLst>
-    <p:sldMasterId id="2147483648" r:id="rId1"/>
+    <p:sldMasterId id="2147483660" r:id="rId1"/>
   </p:sldMasterIdLst>
   <p:sldIdLst>
     <p:sldId id="256" r:id="rId2"/>
+    <p:sldId id="257" r:id="rId3"/>
+    <p:sldId id="258" r:id="rId4"/>
+    <p:sldId id="259" r:id="rId5"/>
   </p:sldIdLst>
   <p:sldSz cx="12192000" cy="6858000"/>
   <p:notesSz cx="6858000" cy="9144000"/>
   <p:defaultTextStyle>
     <a:defPPr>
-      <a:defRPr lang="ru-RU"/>
+      <a:defRPr lang="en-US"/>
     </a:defPPr>
-    <a:lvl1pPr marL="0" algn="l" defTabSz="914400" rtl="0" eaLnBrk="1" latinLnBrk="0" hangingPunct="1">
+    <a:lvl1pPr marL="0" algn="l" defTabSz="457200" rtl="0" eaLnBrk="1" latinLnBrk="0" hangingPunct="1">
       <a:defRPr sz="1800" kern="1200">
         <a:solidFill>
           <a:schemeClr val="tx1"/>
@@ -23,7 +26,7 @@
         <a:cs typeface="+mn-cs"/>
       </a:defRPr>
     </a:lvl1pPr>
-    <a:lvl2pPr marL="457200" algn="l" defTabSz="914400" rtl="0" eaLnBrk="1" latinLnBrk="0" hangingPunct="1">
+    <a:lvl2pPr marL="457200" algn="l" defTabSz="457200" rtl="0" eaLnBrk="1" latinLnBrk="0" hangingPunct="1">
       <a:defRPr sz="1800" kern="1200">
         <a:solidFill>
           <a:schemeClr val="tx1"/>
@@ -33,7 +36,7 @@
         <a:cs typeface="+mn-cs"/>
       </a:defRPr>
     </a:lvl2pPr>
-    <a:lvl3pPr marL="914400" algn="l" defTabSz="914400" rtl="0" eaLnBrk="1" latinLnBrk="0" hangingPunct="1">
+    <a:lvl3pPr marL="914400" algn="l" defTabSz="457200" rtl="0" eaLnBrk="1" latinLnBrk="0" hangingPunct="1">
       <a:defRPr sz="1800" kern="1200">
         <a:solidFill>
           <a:schemeClr val="tx1"/>
@@ -43,7 +46,7 @@
         <a:cs typeface="+mn-cs"/>
       </a:defRPr>
     </a:lvl3pPr>
-    <a:lvl4pPr marL="1371600" algn="l" defTabSz="914400" rtl="0" eaLnBrk="1" latinLnBrk="0" hangingPunct="1">
+    <a:lvl4pPr marL="1371600" algn="l" defTabSz="457200" rtl="0" eaLnBrk="1" latinLnBrk="0" hangingPunct="1">
       <a:defRPr sz="1800" kern="1200">
         <a:solidFill>
           <a:schemeClr val="tx1"/>
@@ -53,7 +56,7 @@
         <a:cs typeface="+mn-cs"/>
       </a:defRPr>
     </a:lvl4pPr>
-    <a:lvl5pPr marL="1828800" algn="l" defTabSz="914400" rtl="0" eaLnBrk="1" latinLnBrk="0" hangingPunct="1">
+    <a:lvl5pPr marL="1828800" algn="l" defTabSz="457200" rtl="0" eaLnBrk="1" latinLnBrk="0" hangingPunct="1">
       <a:defRPr sz="1800" kern="1200">
         <a:solidFill>
           <a:schemeClr val="tx1"/>
@@ -63,7 +66,7 @@
         <a:cs typeface="+mn-cs"/>
       </a:defRPr>
     </a:lvl5pPr>
-    <a:lvl6pPr marL="2286000" algn="l" defTabSz="914400" rtl="0" eaLnBrk="1" latinLnBrk="0" hangingPunct="1">
+    <a:lvl6pPr marL="2286000" algn="l" defTabSz="457200" rtl="0" eaLnBrk="1" latinLnBrk="0" hangingPunct="1">
       <a:defRPr sz="1800" kern="1200">
         <a:solidFill>
           <a:schemeClr val="tx1"/>
@@ -73,7 +76,7 @@
         <a:cs typeface="+mn-cs"/>
       </a:defRPr>
     </a:lvl6pPr>
-    <a:lvl7pPr marL="2743200" algn="l" defTabSz="914400" rtl="0" eaLnBrk="1" latinLnBrk="0" hangingPunct="1">
+    <a:lvl7pPr marL="2743200" algn="l" defTabSz="457200" rtl="0" eaLnBrk="1" latinLnBrk="0" hangingPunct="1">
       <a:defRPr sz="1800" kern="1200">
         <a:solidFill>
           <a:schemeClr val="tx1"/>
@@ -83,7 +86,7 @@
         <a:cs typeface="+mn-cs"/>
       </a:defRPr>
     </a:lvl7pPr>
-    <a:lvl8pPr marL="3200400" algn="l" defTabSz="914400" rtl="0" eaLnBrk="1" latinLnBrk="0" hangingPunct="1">
+    <a:lvl8pPr marL="3200400" algn="l" defTabSz="457200" rtl="0" eaLnBrk="1" latinLnBrk="0" hangingPunct="1">
       <a:defRPr sz="1800" kern="1200">
         <a:solidFill>
           <a:schemeClr val="tx1"/>
@@ -93,7 +96,7 @@
         <a:cs typeface="+mn-cs"/>
       </a:defRPr>
     </a:lvl8pPr>
-    <a:lvl9pPr marL="3657600" algn="l" defTabSz="914400" rtl="0" eaLnBrk="1" latinLnBrk="0" hangingPunct="1">
+    <a:lvl9pPr marL="3657600" algn="l" defTabSz="457200" rtl="0" eaLnBrk="1" latinLnBrk="0" hangingPunct="1">
       <a:defRPr sz="1800" kern="1200">
         <a:solidFill>
           <a:schemeClr val="tx1"/>
@@ -104,25 +107,20 @@
       </a:defRPr>
     </a:lvl9pPr>
   </p:defaultTextStyle>
-  <p:extLst>
-    <p:ext uri="{EFAFB233-063F-42B5-8137-9DF3F51BA10A}">
-      <p15:sldGuideLst xmlns:p15="http://schemas.microsoft.com/office/powerpoint/2012/main"/>
-    </p:ext>
-  </p:extLst>
 </p:presentation>
 </file>
 
-<file path=ppt/revisionInfo.xml><?xml version="1.0" encoding="utf-8"?>
-<p1510:revInfo xmlns:a="http://schemas.openxmlformats.org/drawingml/2006/main" xmlns:r="http://schemas.openxmlformats.org/officeDocument/2006/relationships" xmlns:p1510="http://schemas.microsoft.com/office/powerpoint/2015/10/main">
-  <p1510:revLst>
-    <p1510:client id="{516EB1C2-593F-4A00-A786-8564C533C0B8}" v="63" dt="2021-11-07T11:01:38.040"/>
-  </p1510:revLst>
-</p1510:revInfo>
-</file>
-
 <file path=ppt/slideLayouts/slideLayout1.xml><?xml version="1.0" encoding="utf-8"?>
-<p:sldLayout xmlns:a="http://schemas.openxmlformats.org/drawingml/2006/main" xmlns:r="http://schemas.openxmlformats.org/officeDocument/2006/relationships" xmlns:p="http://schemas.openxmlformats.org/presentationml/2006/main" type="title" preserve="1">
+<p:sldLayout xmlns:a="http://schemas.openxmlformats.org/drawingml/2006/main" xmlns:r="http://schemas.openxmlformats.org/officeDocument/2006/relationships" xmlns:p="http://schemas.openxmlformats.org/presentationml/2006/main" showMasterSp="0" type="title" preserve="1">
   <p:cSld name="Титульный слайд">
+    <p:bg>
+      <p:bgPr>
+        <a:solidFill>
+          <a:schemeClr val="bg2"/>
+        </a:solidFill>
+        <a:effectLst/>
+      </p:bgPr>
+    </p:bg>
     <p:spTree>
       <p:nvGrpSpPr>
         <p:cNvPr id="1" name=""/>
@@ -139,7 +137,7 @@
       </p:grpSpPr>
       <p:sp>
         <p:nvSpPr>
-          <p:cNvPr id="2" name="Заголовок 1"/>
+          <p:cNvPr id="2" name="Title 1"/>
           <p:cNvSpPr>
             <a:spLocks noGrp="1"/>
           </p:cNvSpPr>
@@ -149,15 +147,21 @@
         </p:nvSpPr>
         <p:spPr>
           <a:xfrm>
-            <a:off x="1524000" y="1122363"/>
-            <a:ext cx="9144000" cy="2387600"/>
+            <a:off x="1915128" y="1788454"/>
+            <a:ext cx="8361229" cy="2098226"/>
           </a:xfrm>
         </p:spPr>
         <p:txBody>
-          <a:bodyPr anchor="b"/>
+          <a:bodyPr anchor="b">
+            <a:noAutofit/>
+          </a:bodyPr>
           <a:lstStyle>
             <a:lvl1pPr algn="ctr">
-              <a:defRPr sz="6000"/>
+              <a:defRPr sz="7200" cap="all" baseline="0">
+                <a:solidFill>
+                  <a:schemeClr val="tx2"/>
+                </a:solidFill>
+              </a:defRPr>
             </a:lvl1pPr>
           </a:lstStyle>
           <a:p>
@@ -165,12 +169,13 @@
               <a:rPr lang="ru-RU"/>
               <a:t>Образец заголовка</a:t>
             </a:r>
-          </a:p>
-        </p:txBody>
-      </p:sp>
-      <p:sp>
-        <p:nvSpPr>
-          <p:cNvPr id="3" name="Подзаголовок 2"/>
+            <a:endParaRPr lang="en-US" dirty="0"/>
+          </a:p>
+        </p:txBody>
+      </p:sp>
+      <p:sp>
+        <p:nvSpPr>
+          <p:cNvPr id="3" name="Subtitle 2"/>
           <p:cNvSpPr>
             <a:spLocks noGrp="1"/>
           </p:cNvSpPr>
@@ -180,16 +185,27 @@
         </p:nvSpPr>
         <p:spPr>
           <a:xfrm>
-            <a:off x="1524000" y="3602038"/>
-            <a:ext cx="9144000" cy="1655762"/>
+            <a:off x="2679906" y="3956279"/>
+            <a:ext cx="6831673" cy="1086237"/>
           </a:xfrm>
         </p:spPr>
         <p:txBody>
-          <a:bodyPr/>
+          <a:bodyPr>
+            <a:normAutofit/>
+          </a:bodyPr>
           <a:lstStyle>
             <a:lvl1pPr marL="0" indent="0" algn="ctr">
-              <a:buNone/>
-              <a:defRPr sz="2400"/>
+              <a:lnSpc>
+                <a:spcPct val="112000"/>
+              </a:lnSpc>
+              <a:spcBef>
+                <a:spcPts val="0"/>
+              </a:spcBef>
+              <a:spcAft>
+                <a:spcPts val="0"/>
+              </a:spcAft>
+              <a:buNone/>
+              <a:defRPr sz="2300"/>
             </a:lvl1pPr>
             <a:lvl2pPr marL="457200" indent="0" algn="ctr">
               <a:buNone/>
@@ -229,12 +245,13 @@
               <a:rPr lang="ru-RU"/>
               <a:t>Образец подзаголовка</a:t>
             </a:r>
-          </a:p>
-        </p:txBody>
-      </p:sp>
-      <p:sp>
-        <p:nvSpPr>
-          <p:cNvPr id="4" name="Дата 3"/>
+            <a:endParaRPr lang="en-US" dirty="0"/>
+          </a:p>
+        </p:txBody>
+      </p:sp>
+      <p:sp>
+        <p:nvSpPr>
+          <p:cNvPr id="4" name="Date Placeholder 3"/>
           <p:cNvSpPr>
             <a:spLocks noGrp="1"/>
           </p:cNvSpPr>
@@ -242,14 +259,27 @@
             <p:ph type="dt" sz="half" idx="10"/>
           </p:nvPr>
         </p:nvSpPr>
-        <p:spPr/>
+        <p:spPr>
+          <a:xfrm>
+            <a:off x="752858" y="6453386"/>
+            <a:ext cx="1607944" cy="404614"/>
+          </a:xfrm>
+        </p:spPr>
         <p:txBody>
           <a:bodyPr/>
-          <a:lstStyle/>
-          <a:p>
-            <a:fld id="{F2FFB779-270B-4192-84BA-A697F48306DC}" type="datetimeFigureOut">
+          <a:lstStyle>
+            <a:lvl1pPr>
+              <a:defRPr baseline="0">
+                <a:solidFill>
+                  <a:schemeClr val="tx2"/>
+                </a:solidFill>
+              </a:defRPr>
+            </a:lvl1pPr>
+          </a:lstStyle>
+          <a:p>
+            <a:fld id="{612C3213-C297-42A5-AE82-C1078B1DCE5C}" type="datetimeFigureOut">
               <a:rPr lang="ru-RU" smtClean="0"/>
-              <a:t>07.11.2021</a:t>
+              <a:t>14.11.2021</a:t>
             </a:fld>
             <a:endParaRPr lang="ru-RU"/>
           </a:p>
@@ -257,7 +287,7 @@
       </p:sp>
       <p:sp>
         <p:nvSpPr>
-          <p:cNvPr id="5" name="Нижний колонтитул 4"/>
+          <p:cNvPr id="5" name="Footer Placeholder 4"/>
           <p:cNvSpPr>
             <a:spLocks noGrp="1"/>
           </p:cNvSpPr>
@@ -265,10 +295,23 @@
             <p:ph type="ftr" sz="quarter" idx="11"/>
           </p:nvPr>
         </p:nvSpPr>
-        <p:spPr/>
+        <p:spPr>
+          <a:xfrm>
+            <a:off x="2584054" y="6453386"/>
+            <a:ext cx="7023377" cy="404614"/>
+          </a:xfrm>
+        </p:spPr>
         <p:txBody>
           <a:bodyPr/>
-          <a:lstStyle/>
+          <a:lstStyle>
+            <a:lvl1pPr algn="ctr">
+              <a:defRPr baseline="0">
+                <a:solidFill>
+                  <a:schemeClr val="tx2"/>
+                </a:solidFill>
+              </a:defRPr>
+            </a:lvl1pPr>
+          </a:lstStyle>
           <a:p>
             <a:endParaRPr lang="ru-RU"/>
           </a:p>
@@ -276,7 +319,7 @@
       </p:sp>
       <p:sp>
         <p:nvSpPr>
-          <p:cNvPr id="6" name="Номер слайда 5"/>
+          <p:cNvPr id="6" name="Slide Number Placeholder 5"/>
           <p:cNvSpPr>
             <a:spLocks noGrp="1"/>
           </p:cNvSpPr>
@@ -284,12 +327,25 @@
             <p:ph type="sldNum" sz="quarter" idx="12"/>
           </p:nvPr>
         </p:nvSpPr>
-        <p:spPr/>
+        <p:spPr>
+          <a:xfrm>
+            <a:off x="9830683" y="6453386"/>
+            <a:ext cx="1596292" cy="404614"/>
+          </a:xfrm>
+        </p:spPr>
         <p:txBody>
           <a:bodyPr/>
-          <a:lstStyle/>
-          <a:p>
-            <a:fld id="{285DC19C-03DA-4066-9FF7-D0BF1BC6D6F6}" type="slidenum">
+          <a:lstStyle>
+            <a:lvl1pPr>
+              <a:defRPr baseline="0">
+                <a:solidFill>
+                  <a:schemeClr val="tx2"/>
+                </a:solidFill>
+              </a:defRPr>
+            </a:lvl1pPr>
+          </a:lstStyle>
+          <a:p>
+            <a:fld id="{DE2AB276-8B7F-468B-9919-2D8574F25F5F}" type="slidenum">
               <a:rPr lang="ru-RU" smtClean="0"/>
               <a:t>‹#›</a:t>
             </a:fld>
@@ -297,15 +353,144 @@
           </a:p>
         </p:txBody>
       </p:sp>
+      <p:grpSp>
+        <p:nvGrpSpPr>
+          <p:cNvPr id="7" name="Group 6"/>
+          <p:cNvGrpSpPr/>
+          <p:nvPr/>
+        </p:nvGrpSpPr>
+        <p:grpSpPr>
+          <a:xfrm>
+            <a:off x="752858" y="744469"/>
+            <a:ext cx="10674117" cy="5349671"/>
+            <a:chOff x="752858" y="744469"/>
+            <a:chExt cx="10674117" cy="5349671"/>
+          </a:xfrm>
+        </p:grpSpPr>
+        <p:sp>
+          <p:nvSpPr>
+            <p:cNvPr id="11" name="Freeform 6"/>
+            <p:cNvSpPr/>
+            <p:nvPr/>
+          </p:nvSpPr>
+          <p:spPr bwMode="auto">
+            <a:xfrm>
+              <a:off x="8151962" y="1685652"/>
+              <a:ext cx="3275013" cy="4408488"/>
+            </a:xfrm>
+            <a:custGeom>
+              <a:avLst/>
+              <a:gdLst/>
+              <a:ahLst/>
+              <a:cxnLst/>
+              <a:rect l="l" t="t" r="r" b="b"/>
+              <a:pathLst>
+                <a:path w="10000" h="10000">
+                  <a:moveTo>
+                    <a:pt x="8761" y="0"/>
+                  </a:moveTo>
+                  <a:lnTo>
+                    <a:pt x="10000" y="0"/>
+                  </a:lnTo>
+                  <a:lnTo>
+                    <a:pt x="10000" y="10000"/>
+                  </a:lnTo>
+                  <a:lnTo>
+                    <a:pt x="0" y="10000"/>
+                  </a:lnTo>
+                  <a:lnTo>
+                    <a:pt x="0" y="9126"/>
+                  </a:lnTo>
+                  <a:lnTo>
+                    <a:pt x="8761" y="9127"/>
+                  </a:lnTo>
+                  <a:lnTo>
+                    <a:pt x="8761" y="0"/>
+                  </a:lnTo>
+                  <a:close/>
+                </a:path>
+              </a:pathLst>
+            </a:custGeom>
+            <a:solidFill>
+              <a:schemeClr val="tx2"/>
+            </a:solidFill>
+            <a:ln w="0">
+              <a:noFill/>
+              <a:prstDash val="solid"/>
+              <a:round/>
+              <a:headEnd/>
+              <a:tailEnd/>
+            </a:ln>
+          </p:spPr>
+        </p:sp>
+        <p:sp>
+          <p:nvSpPr>
+            <p:cNvPr id="14" name="Freeform 6"/>
+            <p:cNvSpPr/>
+            <p:nvPr/>
+          </p:nvSpPr>
+          <p:spPr bwMode="auto">
+            <a:xfrm flipH="1" flipV="1">
+              <a:off x="752858" y="744469"/>
+              <a:ext cx="3275668" cy="4408488"/>
+            </a:xfrm>
+            <a:custGeom>
+              <a:avLst/>
+              <a:gdLst/>
+              <a:ahLst/>
+              <a:cxnLst/>
+              <a:rect l="l" t="t" r="r" b="b"/>
+              <a:pathLst>
+                <a:path w="10002" h="10000">
+                  <a:moveTo>
+                    <a:pt x="8763" y="0"/>
+                  </a:moveTo>
+                  <a:lnTo>
+                    <a:pt x="10002" y="0"/>
+                  </a:lnTo>
+                  <a:lnTo>
+                    <a:pt x="10002" y="10000"/>
+                  </a:lnTo>
+                  <a:lnTo>
+                    <a:pt x="2" y="10000"/>
+                  </a:lnTo>
+                  <a:cubicBezTo>
+                    <a:pt x="-2" y="9698"/>
+                    <a:pt x="4" y="9427"/>
+                    <a:pt x="0" y="9125"/>
+                  </a:cubicBezTo>
+                  <a:lnTo>
+                    <a:pt x="8763" y="9128"/>
+                  </a:lnTo>
+                  <a:lnTo>
+                    <a:pt x="8763" y="0"/>
+                  </a:lnTo>
+                  <a:close/>
+                </a:path>
+              </a:pathLst>
+            </a:custGeom>
+            <a:solidFill>
+              <a:schemeClr val="tx2"/>
+            </a:solidFill>
+            <a:ln w="0">
+              <a:noFill/>
+              <a:prstDash val="solid"/>
+              <a:round/>
+              <a:headEnd/>
+              <a:tailEnd/>
+            </a:ln>
+          </p:spPr>
+        </p:sp>
+      </p:grpSp>
     </p:spTree>
     <p:extLst>
       <p:ext uri="{BB962C8B-B14F-4D97-AF65-F5344CB8AC3E}">
-        <p14:creationId xmlns:p14="http://schemas.microsoft.com/office/powerpoint/2010/main" val="161079921"/>
+        <p14:creationId xmlns:p14="http://schemas.microsoft.com/office/powerpoint/2010/main" val="3226344120"/>
       </p:ext>
     </p:extLst>
   </p:cSld>
   <p:clrMapOvr>
-    <a:masterClrMapping/>
+    <a:overrideClrMapping bg1="lt1" tx1="dk1" bg2="lt2" tx2="dk2" accent1="accent1" accent2="accent2" accent3="accent3" accent4="accent4" accent5="accent5" accent6="accent6" hlink="hlink" folHlink="folHlink"/>
   </p:clrMapOvr>
 </p:sldLayout>
 </file>
@@ -329,7 +514,7 @@
       </p:grpSpPr>
       <p:sp>
         <p:nvSpPr>
-          <p:cNvPr id="2" name="Заголовок 1"/>
+          <p:cNvPr id="2" name="Title 1"/>
           <p:cNvSpPr>
             <a:spLocks noGrp="1"/>
           </p:cNvSpPr>
@@ -346,12 +531,13 @@
               <a:rPr lang="ru-RU"/>
               <a:t>Образец заголовка</a:t>
             </a:r>
-          </a:p>
-        </p:txBody>
-      </p:sp>
-      <p:sp>
-        <p:nvSpPr>
-          <p:cNvPr id="3" name="Вертикальный текст 2"/>
+            <a:endParaRPr lang="en-US" dirty="0"/>
+          </a:p>
+        </p:txBody>
+      </p:sp>
+      <p:sp>
+        <p:nvSpPr>
+          <p:cNvPr id="3" name="Vertical Text Placeholder 2"/>
           <p:cNvSpPr>
             <a:spLocks noGrp="1"/>
           </p:cNvSpPr>
@@ -359,7 +545,12 @@
             <p:ph type="body" orient="vert" idx="1"/>
           </p:nvPr>
         </p:nvSpPr>
-        <p:spPr/>
+        <p:spPr>
+          <a:xfrm>
+            <a:off x="1371600" y="2295525"/>
+            <a:ext cx="9601200" cy="3571875"/>
+          </a:xfrm>
+        </p:spPr>
         <p:txBody>
           <a:bodyPr vert="eaVert"/>
           <a:lstStyle/>
@@ -397,12 +588,13 @@
               <a:rPr lang="ru-RU"/>
               <a:t>Пятый уровень</a:t>
             </a:r>
-          </a:p>
-        </p:txBody>
-      </p:sp>
-      <p:sp>
-        <p:nvSpPr>
-          <p:cNvPr id="4" name="Дата 3"/>
+            <a:endParaRPr lang="en-US" dirty="0"/>
+          </a:p>
+        </p:txBody>
+      </p:sp>
+      <p:sp>
+        <p:nvSpPr>
+          <p:cNvPr id="4" name="Date Placeholder 3"/>
           <p:cNvSpPr>
             <a:spLocks noGrp="1"/>
           </p:cNvSpPr>
@@ -415,9 +607,9 @@
           <a:bodyPr/>
           <a:lstStyle/>
           <a:p>
-            <a:fld id="{F2FFB779-270B-4192-84BA-A697F48306DC}" type="datetimeFigureOut">
+            <a:fld id="{612C3213-C297-42A5-AE82-C1078B1DCE5C}" type="datetimeFigureOut">
               <a:rPr lang="ru-RU" smtClean="0"/>
-              <a:t>07.11.2021</a:t>
+              <a:t>14.11.2021</a:t>
             </a:fld>
             <a:endParaRPr lang="ru-RU"/>
           </a:p>
@@ -425,7 +617,7 @@
       </p:sp>
       <p:sp>
         <p:nvSpPr>
-          <p:cNvPr id="5" name="Нижний колонтитул 4"/>
+          <p:cNvPr id="5" name="Footer Placeholder 4"/>
           <p:cNvSpPr>
             <a:spLocks noGrp="1"/>
           </p:cNvSpPr>
@@ -444,7 +636,7 @@
       </p:sp>
       <p:sp>
         <p:nvSpPr>
-          <p:cNvPr id="6" name="Номер слайда 5"/>
+          <p:cNvPr id="6" name="Slide Number Placeholder 5"/>
           <p:cNvSpPr>
             <a:spLocks noGrp="1"/>
           </p:cNvSpPr>
@@ -457,7 +649,7 @@
           <a:bodyPr/>
           <a:lstStyle/>
           <a:p>
-            <a:fld id="{285DC19C-03DA-4066-9FF7-D0BF1BC6D6F6}" type="slidenum">
+            <a:fld id="{DE2AB276-8B7F-468B-9919-2D8574F25F5F}" type="slidenum">
               <a:rPr lang="ru-RU" smtClean="0"/>
               <a:t>‹#›</a:t>
             </a:fld>
@@ -468,7 +660,7 @@
     </p:spTree>
     <p:extLst>
       <p:ext uri="{BB962C8B-B14F-4D97-AF65-F5344CB8AC3E}">
-        <p14:creationId xmlns:p14="http://schemas.microsoft.com/office/powerpoint/2010/main" val="2065727480"/>
+        <p14:creationId xmlns:p14="http://schemas.microsoft.com/office/powerpoint/2010/main" val="3133363009"/>
       </p:ext>
     </p:extLst>
   </p:cSld>
@@ -497,7 +689,7 @@
       </p:grpSpPr>
       <p:sp>
         <p:nvSpPr>
-          <p:cNvPr id="2" name="Вертикальный заголовок 1"/>
+          <p:cNvPr id="2" name="Vertical Title 1"/>
           <p:cNvSpPr>
             <a:spLocks noGrp="1"/>
           </p:cNvSpPr>
@@ -507,8 +699,8 @@
         </p:nvSpPr>
         <p:spPr>
           <a:xfrm>
-            <a:off x="8724900" y="365125"/>
-            <a:ext cx="2628900" cy="5811838"/>
+            <a:off x="9596561" y="624156"/>
+            <a:ext cx="1565766" cy="5243244"/>
           </a:xfrm>
         </p:spPr>
         <p:txBody>
@@ -519,12 +711,13 @@
               <a:rPr lang="ru-RU"/>
               <a:t>Образец заголовка</a:t>
             </a:r>
-          </a:p>
-        </p:txBody>
-      </p:sp>
-      <p:sp>
-        <p:nvSpPr>
-          <p:cNvPr id="3" name="Вертикальный текст 2"/>
+            <a:endParaRPr lang="en-US" dirty="0"/>
+          </a:p>
+        </p:txBody>
+      </p:sp>
+      <p:sp>
+        <p:nvSpPr>
+          <p:cNvPr id="3" name="Vertical Text Placeholder 2"/>
           <p:cNvSpPr>
             <a:spLocks noGrp="1"/>
           </p:cNvSpPr>
@@ -534,8 +727,8 @@
         </p:nvSpPr>
         <p:spPr>
           <a:xfrm>
-            <a:off x="838200" y="365125"/>
-            <a:ext cx="7734300" cy="5811838"/>
+            <a:off x="1371600" y="624156"/>
+            <a:ext cx="8179641" cy="5243244"/>
           </a:xfrm>
         </p:spPr>
         <p:txBody>
@@ -575,12 +768,13 @@
               <a:rPr lang="ru-RU"/>
               <a:t>Пятый уровень</a:t>
             </a:r>
-          </a:p>
-        </p:txBody>
-      </p:sp>
-      <p:sp>
-        <p:nvSpPr>
-          <p:cNvPr id="4" name="Дата 3"/>
+            <a:endParaRPr lang="en-US" dirty="0"/>
+          </a:p>
+        </p:txBody>
+      </p:sp>
+      <p:sp>
+        <p:nvSpPr>
+          <p:cNvPr id="4" name="Date Placeholder 3"/>
           <p:cNvSpPr>
             <a:spLocks noGrp="1"/>
           </p:cNvSpPr>
@@ -593,9 +787,9 @@
           <a:bodyPr/>
           <a:lstStyle/>
           <a:p>
-            <a:fld id="{F2FFB779-270B-4192-84BA-A697F48306DC}" type="datetimeFigureOut">
+            <a:fld id="{612C3213-C297-42A5-AE82-C1078B1DCE5C}" type="datetimeFigureOut">
               <a:rPr lang="ru-RU" smtClean="0"/>
-              <a:t>07.11.2021</a:t>
+              <a:t>14.11.2021</a:t>
             </a:fld>
             <a:endParaRPr lang="ru-RU"/>
           </a:p>
@@ -603,7 +797,7 @@
       </p:sp>
       <p:sp>
         <p:nvSpPr>
-          <p:cNvPr id="5" name="Нижний колонтитул 4"/>
+          <p:cNvPr id="5" name="Footer Placeholder 4"/>
           <p:cNvSpPr>
             <a:spLocks noGrp="1"/>
           </p:cNvSpPr>
@@ -622,7 +816,7 @@
       </p:sp>
       <p:sp>
         <p:nvSpPr>
-          <p:cNvPr id="6" name="Номер слайда 5"/>
+          <p:cNvPr id="6" name="Slide Number Placeholder 5"/>
           <p:cNvSpPr>
             <a:spLocks noGrp="1"/>
           </p:cNvSpPr>
@@ -635,7 +829,7 @@
           <a:bodyPr/>
           <a:lstStyle/>
           <a:p>
-            <a:fld id="{285DC19C-03DA-4066-9FF7-D0BF1BC6D6F6}" type="slidenum">
+            <a:fld id="{DE2AB276-8B7F-468B-9919-2D8574F25F5F}" type="slidenum">
               <a:rPr lang="ru-RU" smtClean="0"/>
               <a:t>‹#›</a:t>
             </a:fld>
@@ -646,7 +840,7 @@
     </p:spTree>
     <p:extLst>
       <p:ext uri="{BB962C8B-B14F-4D97-AF65-F5344CB8AC3E}">
-        <p14:creationId xmlns:p14="http://schemas.microsoft.com/office/powerpoint/2010/main" val="812261758"/>
+        <p14:creationId xmlns:p14="http://schemas.microsoft.com/office/powerpoint/2010/main" val="2296905621"/>
       </p:ext>
     </p:extLst>
   </p:cSld>
@@ -675,7 +869,7 @@
       </p:grpSpPr>
       <p:sp>
         <p:nvSpPr>
-          <p:cNvPr id="2" name="Заголовок 1"/>
+          <p:cNvPr id="2" name="Title 1"/>
           <p:cNvSpPr>
             <a:spLocks noGrp="1"/>
           </p:cNvSpPr>
@@ -692,12 +886,13 @@
               <a:rPr lang="ru-RU"/>
               <a:t>Образец заголовка</a:t>
             </a:r>
-          </a:p>
-        </p:txBody>
-      </p:sp>
-      <p:sp>
-        <p:nvSpPr>
-          <p:cNvPr id="3" name="Объект 2"/>
+            <a:endParaRPr lang="en-US" dirty="0"/>
+          </a:p>
+        </p:txBody>
+      </p:sp>
+      <p:sp>
+        <p:nvSpPr>
+          <p:cNvPr id="3" name="Content Placeholder 2"/>
           <p:cNvSpPr>
             <a:spLocks noGrp="1"/>
           </p:cNvSpPr>
@@ -743,12 +938,13 @@
               <a:rPr lang="ru-RU"/>
               <a:t>Пятый уровень</a:t>
             </a:r>
-          </a:p>
-        </p:txBody>
-      </p:sp>
-      <p:sp>
-        <p:nvSpPr>
-          <p:cNvPr id="4" name="Дата 3"/>
+            <a:endParaRPr lang="en-US" dirty="0"/>
+          </a:p>
+        </p:txBody>
+      </p:sp>
+      <p:sp>
+        <p:nvSpPr>
+          <p:cNvPr id="4" name="Date Placeholder 3"/>
           <p:cNvSpPr>
             <a:spLocks noGrp="1"/>
           </p:cNvSpPr>
@@ -761,9 +957,9 @@
           <a:bodyPr/>
           <a:lstStyle/>
           <a:p>
-            <a:fld id="{F2FFB779-270B-4192-84BA-A697F48306DC}" type="datetimeFigureOut">
+            <a:fld id="{612C3213-C297-42A5-AE82-C1078B1DCE5C}" type="datetimeFigureOut">
               <a:rPr lang="ru-RU" smtClean="0"/>
-              <a:t>07.11.2021</a:t>
+              <a:t>14.11.2021</a:t>
             </a:fld>
             <a:endParaRPr lang="ru-RU"/>
           </a:p>
@@ -771,7 +967,7 @@
       </p:sp>
       <p:sp>
         <p:nvSpPr>
-          <p:cNvPr id="5" name="Нижний колонтитул 4"/>
+          <p:cNvPr id="5" name="Footer Placeholder 4"/>
           <p:cNvSpPr>
             <a:spLocks noGrp="1"/>
           </p:cNvSpPr>
@@ -790,7 +986,7 @@
       </p:sp>
       <p:sp>
         <p:nvSpPr>
-          <p:cNvPr id="6" name="Номер слайда 5"/>
+          <p:cNvPr id="6" name="Slide Number Placeholder 5"/>
           <p:cNvSpPr>
             <a:spLocks noGrp="1"/>
           </p:cNvSpPr>
@@ -803,7 +999,7 @@
           <a:bodyPr/>
           <a:lstStyle/>
           <a:p>
-            <a:fld id="{285DC19C-03DA-4066-9FF7-D0BF1BC6D6F6}" type="slidenum">
+            <a:fld id="{DE2AB276-8B7F-468B-9919-2D8574F25F5F}" type="slidenum">
               <a:rPr lang="ru-RU" smtClean="0"/>
               <a:t>‹#›</a:t>
             </a:fld>
@@ -814,7 +1010,7 @@
     </p:spTree>
     <p:extLst>
       <p:ext uri="{BB962C8B-B14F-4D97-AF65-F5344CB8AC3E}">
-        <p14:creationId xmlns:p14="http://schemas.microsoft.com/office/powerpoint/2010/main" val="2703711724"/>
+        <p14:creationId xmlns:p14="http://schemas.microsoft.com/office/powerpoint/2010/main" val="852048558"/>
       </p:ext>
     </p:extLst>
   </p:cSld>
@@ -825,8 +1021,13 @@
 </file>
 
 <file path=ppt/slideLayouts/slideLayout3.xml><?xml version="1.0" encoding="utf-8"?>
-<p:sldLayout xmlns:a="http://schemas.openxmlformats.org/drawingml/2006/main" xmlns:r="http://schemas.openxmlformats.org/officeDocument/2006/relationships" xmlns:p="http://schemas.openxmlformats.org/presentationml/2006/main" type="secHead" preserve="1">
+<p:sldLayout xmlns:a="http://schemas.openxmlformats.org/drawingml/2006/main" xmlns:r="http://schemas.openxmlformats.org/officeDocument/2006/relationships" xmlns:p="http://schemas.openxmlformats.org/presentationml/2006/main" showMasterSp="0" type="secHead" preserve="1">
   <p:cSld name="Заголовок раздела">
+    <p:bg>
+      <p:bgRef idx="1001">
+        <a:schemeClr val="bg2"/>
+      </p:bgRef>
+    </p:bg>
     <p:spTree>
       <p:nvGrpSpPr>
         <p:cNvPr id="1" name=""/>
@@ -843,7 +1044,7 @@
       </p:grpSpPr>
       <p:sp>
         <p:nvSpPr>
-          <p:cNvPr id="2" name="Заголовок 1"/>
+          <p:cNvPr id="2" name="Title 1"/>
           <p:cNvSpPr>
             <a:spLocks noGrp="1"/>
           </p:cNvSpPr>
@@ -853,15 +1054,21 @@
         </p:nvSpPr>
         <p:spPr>
           <a:xfrm>
-            <a:off x="831850" y="1709738"/>
-            <a:ext cx="10515600" cy="2852737"/>
+            <a:off x="765025" y="1301360"/>
+            <a:ext cx="9612971" cy="2852737"/>
           </a:xfrm>
         </p:spPr>
         <p:txBody>
-          <a:bodyPr anchor="b"/>
+          <a:bodyPr anchor="b">
+            <a:normAutofit/>
+          </a:bodyPr>
           <a:lstStyle>
-            <a:lvl1pPr>
-              <a:defRPr sz="6000"/>
+            <a:lvl1pPr algn="r">
+              <a:defRPr sz="7200" cap="all" baseline="0">
+                <a:solidFill>
+                  <a:schemeClr val="tx2"/>
+                </a:solidFill>
+              </a:defRPr>
             </a:lvl1pPr>
           </a:lstStyle>
           <a:p>
@@ -869,12 +1076,13 @@
               <a:rPr lang="ru-RU"/>
               <a:t>Образец заголовка</a:t>
             </a:r>
-          </a:p>
-        </p:txBody>
-      </p:sp>
-      <p:sp>
-        <p:nvSpPr>
-          <p:cNvPr id="3" name="Текст 2"/>
+            <a:endParaRPr lang="en-US" dirty="0"/>
+          </a:p>
+        </p:txBody>
+      </p:sp>
+      <p:sp>
+        <p:nvSpPr>
+          <p:cNvPr id="3" name="Text Placeholder 2"/>
           <p:cNvSpPr>
             <a:spLocks noGrp="1"/>
           </p:cNvSpPr>
@@ -884,44 +1092,61 @@
         </p:nvSpPr>
         <p:spPr>
           <a:xfrm>
-            <a:off x="831850" y="4589463"/>
-            <a:ext cx="10515600" cy="1500187"/>
+            <a:off x="765025" y="4216328"/>
+            <a:ext cx="9612971" cy="1143324"/>
           </a:xfrm>
         </p:spPr>
         <p:txBody>
           <a:bodyPr/>
           <a:lstStyle>
-            <a:lvl1pPr marL="0" indent="0">
+            <a:lvl1pPr marL="0" indent="0" algn="r">
+              <a:lnSpc>
+                <a:spcPct val="112000"/>
+              </a:lnSpc>
+              <a:spcBef>
+                <a:spcPts val="0"/>
+              </a:spcBef>
+              <a:spcAft>
+                <a:spcPts val="0"/>
+              </a:spcAft>
               <a:buNone/>
               <a:defRPr sz="2400">
+                <a:solidFill>
+                  <a:schemeClr val="tx2"/>
+                </a:solidFill>
+              </a:defRPr>
+            </a:lvl1pPr>
+            <a:lvl2pPr marL="457200" indent="0">
+              <a:buNone/>
+              <a:defRPr sz="2000">
                 <a:solidFill>
                   <a:schemeClr val="tx1">
                     <a:tint val="75000"/>
                   </a:schemeClr>
                 </a:solidFill>
               </a:defRPr>
-            </a:lvl1pPr>
-            <a:lvl2pPr marL="457200" indent="0">
-              <a:buNone/>
-              <a:defRPr sz="2000">
+            </a:lvl2pPr>
+            <a:lvl3pPr marL="914400" indent="0">
+              <a:buNone/>
+              <a:defRPr sz="1800">
                 <a:solidFill>
                   <a:schemeClr val="tx1">
                     <a:tint val="75000"/>
                   </a:schemeClr>
                 </a:solidFill>
               </a:defRPr>
-            </a:lvl2pPr>
-            <a:lvl3pPr marL="914400" indent="0">
-              <a:buNone/>
-              <a:defRPr sz="1800">
+            </a:lvl3pPr>
+            <a:lvl4pPr marL="1371600" indent="0">
+              <a:buNone/>
+              <a:defRPr sz="1600">
                 <a:solidFill>
                   <a:schemeClr val="tx1">
                     <a:tint val="75000"/>
                   </a:schemeClr>
                 </a:solidFill>
               </a:defRPr>
-            </a:lvl3pPr>
-            <a:lvl4pPr marL="1371600" indent="0">
+            </a:lvl4pPr>
+            <a:lvl5pPr marL="1828800" indent="0">
               <a:buNone/>
               <a:defRPr sz="1600">
                 <a:solidFill>
@@ -930,8 +1155,8 @@
                   </a:schemeClr>
                 </a:solidFill>
               </a:defRPr>
-            </a:lvl4pPr>
-            <a:lvl5pPr marL="1828800" indent="0">
+            </a:lvl5pPr>
+            <a:lvl6pPr marL="2286000" indent="0">
               <a:buNone/>
               <a:defRPr sz="1600">
                 <a:solidFill>
@@ -940,8 +1165,8 @@
                   </a:schemeClr>
                 </a:solidFill>
               </a:defRPr>
-            </a:lvl5pPr>
-            <a:lvl6pPr marL="2286000" indent="0">
+            </a:lvl6pPr>
+            <a:lvl7pPr marL="2743200" indent="0">
               <a:buNone/>
               <a:defRPr sz="1600">
                 <a:solidFill>
@@ -950,8 +1175,8 @@
                   </a:schemeClr>
                 </a:solidFill>
               </a:defRPr>
-            </a:lvl6pPr>
-            <a:lvl7pPr marL="2743200" indent="0">
+            </a:lvl7pPr>
+            <a:lvl8pPr marL="3200400" indent="0">
               <a:buNone/>
               <a:defRPr sz="1600">
                 <a:solidFill>
@@ -960,8 +1185,8 @@
                   </a:schemeClr>
                 </a:solidFill>
               </a:defRPr>
-            </a:lvl7pPr>
-            <a:lvl8pPr marL="3200400" indent="0">
+            </a:lvl8pPr>
+            <a:lvl9pPr marL="3657600" indent="0">
               <a:buNone/>
               <a:defRPr sz="1600">
                 <a:solidFill>
@@ -970,16 +1195,6 @@
                   </a:schemeClr>
                 </a:solidFill>
               </a:defRPr>
-            </a:lvl8pPr>
-            <a:lvl9pPr marL="3657600" indent="0">
-              <a:buNone/>
-              <a:defRPr sz="1600">
-                <a:solidFill>
-                  <a:schemeClr val="tx1">
-                    <a:tint val="75000"/>
-                  </a:schemeClr>
-                </a:solidFill>
-              </a:defRPr>
             </a:lvl9pPr>
           </a:lstStyle>
           <a:p>
@@ -993,7 +1208,7 @@
       </p:sp>
       <p:sp>
         <p:nvSpPr>
-          <p:cNvPr id="4" name="Дата 3"/>
+          <p:cNvPr id="4" name="Date Placeholder 3"/>
           <p:cNvSpPr>
             <a:spLocks noGrp="1"/>
           </p:cNvSpPr>
@@ -1001,14 +1216,27 @@
             <p:ph type="dt" sz="half" idx="10"/>
           </p:nvPr>
         </p:nvSpPr>
-        <p:spPr/>
+        <p:spPr>
+          <a:xfrm>
+            <a:off x="738908" y="6453386"/>
+            <a:ext cx="1622409" cy="404614"/>
+          </a:xfrm>
+        </p:spPr>
         <p:txBody>
           <a:bodyPr/>
-          <a:lstStyle/>
-          <a:p>
-            <a:fld id="{F2FFB779-270B-4192-84BA-A697F48306DC}" type="datetimeFigureOut">
+          <a:lstStyle>
+            <a:lvl1pPr>
+              <a:defRPr>
+                <a:solidFill>
+                  <a:schemeClr val="tx2"/>
+                </a:solidFill>
+              </a:defRPr>
+            </a:lvl1pPr>
+          </a:lstStyle>
+          <a:p>
+            <a:fld id="{612C3213-C297-42A5-AE82-C1078B1DCE5C}" type="datetimeFigureOut">
               <a:rPr lang="ru-RU" smtClean="0"/>
-              <a:t>07.11.2021</a:t>
+              <a:t>14.11.2021</a:t>
             </a:fld>
             <a:endParaRPr lang="ru-RU"/>
           </a:p>
@@ -1016,7 +1244,7 @@
       </p:sp>
       <p:sp>
         <p:nvSpPr>
-          <p:cNvPr id="5" name="Нижний колонтитул 4"/>
+          <p:cNvPr id="5" name="Footer Placeholder 4"/>
           <p:cNvSpPr>
             <a:spLocks noGrp="1"/>
           </p:cNvSpPr>
@@ -1024,10 +1252,23 @@
             <p:ph type="ftr" sz="quarter" idx="11"/>
           </p:nvPr>
         </p:nvSpPr>
-        <p:spPr/>
+        <p:spPr>
+          <a:xfrm>
+            <a:off x="2584312" y="6453386"/>
+            <a:ext cx="7023377" cy="404614"/>
+          </a:xfrm>
+        </p:spPr>
         <p:txBody>
           <a:bodyPr/>
-          <a:lstStyle/>
+          <a:lstStyle>
+            <a:lvl1pPr algn="ctr">
+              <a:defRPr>
+                <a:solidFill>
+                  <a:schemeClr val="tx2"/>
+                </a:solidFill>
+              </a:defRPr>
+            </a:lvl1pPr>
+          </a:lstStyle>
           <a:p>
             <a:endParaRPr lang="ru-RU"/>
           </a:p>
@@ -1035,7 +1276,7 @@
       </p:sp>
       <p:sp>
         <p:nvSpPr>
-          <p:cNvPr id="6" name="Номер слайда 5"/>
+          <p:cNvPr id="6" name="Slide Number Placeholder 5"/>
           <p:cNvSpPr>
             <a:spLocks noGrp="1"/>
           </p:cNvSpPr>
@@ -1043,12 +1284,25 @@
             <p:ph type="sldNum" sz="quarter" idx="12"/>
           </p:nvPr>
         </p:nvSpPr>
-        <p:spPr/>
+        <p:spPr>
+          <a:xfrm>
+            <a:off x="9830683" y="6453386"/>
+            <a:ext cx="1596292" cy="404614"/>
+          </a:xfrm>
+        </p:spPr>
         <p:txBody>
           <a:bodyPr/>
-          <a:lstStyle/>
-          <a:p>
-            <a:fld id="{285DC19C-03DA-4066-9FF7-D0BF1BC6D6F6}" type="slidenum">
+          <a:lstStyle>
+            <a:lvl1pPr>
+              <a:defRPr>
+                <a:solidFill>
+                  <a:schemeClr val="tx2"/>
+                </a:solidFill>
+              </a:defRPr>
+            </a:lvl1pPr>
+          </a:lstStyle>
+          <a:p>
+            <a:fld id="{DE2AB276-8B7F-468B-9919-2D8574F25F5F}" type="slidenum">
               <a:rPr lang="ru-RU" smtClean="0"/>
               <a:t>‹#›</a:t>
             </a:fld>
@@ -1056,15 +1310,71 @@
           </a:p>
         </p:txBody>
       </p:sp>
+      <p:sp>
+        <p:nvSpPr>
+          <p:cNvPr id="7" name="Freeform 6" title="Crop Mark"/>
+          <p:cNvSpPr/>
+          <p:nvPr/>
+        </p:nvSpPr>
+        <p:spPr bwMode="auto">
+          <a:xfrm>
+            <a:off x="8151962" y="1685652"/>
+            <a:ext cx="3275013" cy="4408488"/>
+          </a:xfrm>
+          <a:custGeom>
+            <a:avLst/>
+            <a:gdLst/>
+            <a:ahLst/>
+            <a:cxnLst/>
+            <a:rect l="0" t="0" r="r" b="b"/>
+            <a:pathLst>
+              <a:path w="4125" h="5554">
+                <a:moveTo>
+                  <a:pt x="3614" y="0"/>
+                </a:moveTo>
+                <a:lnTo>
+                  <a:pt x="4125" y="0"/>
+                </a:lnTo>
+                <a:lnTo>
+                  <a:pt x="4125" y="5554"/>
+                </a:lnTo>
+                <a:lnTo>
+                  <a:pt x="0" y="5554"/>
+                </a:lnTo>
+                <a:lnTo>
+                  <a:pt x="0" y="5074"/>
+                </a:lnTo>
+                <a:lnTo>
+                  <a:pt x="3614" y="5074"/>
+                </a:lnTo>
+                <a:lnTo>
+                  <a:pt x="3614" y="0"/>
+                </a:lnTo>
+                <a:close/>
+              </a:path>
+            </a:pathLst>
+          </a:custGeom>
+          <a:solidFill>
+            <a:schemeClr val="tx2"/>
+          </a:solidFill>
+          <a:ln w="0">
+            <a:noFill/>
+            <a:prstDash val="solid"/>
+            <a:round/>
+            <a:headEnd/>
+            <a:tailEnd/>
+          </a:ln>
+        </p:spPr>
+      </p:sp>
     </p:spTree>
     <p:extLst>
       <p:ext uri="{BB962C8B-B14F-4D97-AF65-F5344CB8AC3E}">
-        <p14:creationId xmlns:p14="http://schemas.microsoft.com/office/powerpoint/2010/main" val="4076369896"/>
+        <p14:creationId xmlns:p14="http://schemas.microsoft.com/office/powerpoint/2010/main" val="200160976"/>
       </p:ext>
     </p:extLst>
   </p:cSld>
   <p:clrMapOvr>
-    <a:masterClrMapping/>
+    <a:overrideClrMapping bg1="dk1" tx1="lt1" bg2="dk2" tx2="lt2" accent1="accent1" accent2="accent2" accent3="accent3" accent4="accent4" accent5="accent5" accent6="accent6" hlink="hlink" folHlink="folHlink"/>
   </p:clrMapOvr>
 </p:sldLayout>
 </file>
@@ -1088,12 +1398,229 @@
       </p:grpSpPr>
       <p:sp>
         <p:nvSpPr>
-          <p:cNvPr id="2" name="Заголовок 1"/>
+          <p:cNvPr id="2" name="Title 1"/>
           <p:cNvSpPr>
             <a:spLocks noGrp="1"/>
           </p:cNvSpPr>
           <p:nvPr>
             <p:ph type="title"/>
+          </p:nvPr>
+        </p:nvSpPr>
+        <p:spPr/>
+        <p:txBody>
+          <a:bodyPr/>
+          <a:lstStyle>
+            <a:lvl1pPr>
+              <a:defRPr>
+                <a:solidFill>
+                  <a:schemeClr val="tx2"/>
+                </a:solidFill>
+              </a:defRPr>
+            </a:lvl1pPr>
+          </a:lstStyle>
+          <a:p>
+            <a:r>
+              <a:rPr lang="ru-RU"/>
+              <a:t>Образец заголовка</a:t>
+            </a:r>
+            <a:endParaRPr lang="en-US" dirty="0"/>
+          </a:p>
+        </p:txBody>
+      </p:sp>
+      <p:sp>
+        <p:nvSpPr>
+          <p:cNvPr id="3" name="Content Placeholder 2"/>
+          <p:cNvSpPr>
+            <a:spLocks noGrp="1"/>
+          </p:cNvSpPr>
+          <p:nvPr>
+            <p:ph sz="half" idx="1"/>
+          </p:nvPr>
+        </p:nvSpPr>
+        <p:spPr>
+          <a:xfrm>
+            <a:off x="1371600" y="2285999"/>
+            <a:ext cx="4447786" cy="3581401"/>
+          </a:xfrm>
+        </p:spPr>
+        <p:txBody>
+          <a:bodyPr/>
+          <a:lstStyle>
+            <a:lvl1pPr>
+              <a:defRPr baseline="0">
+                <a:solidFill>
+                  <a:schemeClr val="tx2"/>
+                </a:solidFill>
+              </a:defRPr>
+            </a:lvl1pPr>
+            <a:lvl2pPr>
+              <a:defRPr baseline="0">
+                <a:solidFill>
+                  <a:schemeClr val="tx2"/>
+                </a:solidFill>
+              </a:defRPr>
+            </a:lvl2pPr>
+            <a:lvl3pPr>
+              <a:defRPr baseline="0">
+                <a:solidFill>
+                  <a:schemeClr val="tx2"/>
+                </a:solidFill>
+              </a:defRPr>
+            </a:lvl3pPr>
+            <a:lvl4pPr>
+              <a:defRPr baseline="0">
+                <a:solidFill>
+                  <a:schemeClr val="tx2"/>
+                </a:solidFill>
+              </a:defRPr>
+            </a:lvl4pPr>
+            <a:lvl5pPr>
+              <a:defRPr baseline="0">
+                <a:solidFill>
+                  <a:schemeClr val="tx2"/>
+                </a:solidFill>
+              </a:defRPr>
+            </a:lvl5pPr>
+          </a:lstStyle>
+          <a:p>
+            <a:pPr lvl="0"/>
+            <a:r>
+              <a:rPr lang="ru-RU"/>
+              <a:t>Образец текста</a:t>
+            </a:r>
+          </a:p>
+          <a:p>
+            <a:pPr lvl="1"/>
+            <a:r>
+              <a:rPr lang="ru-RU"/>
+              <a:t>Второй уровень</a:t>
+            </a:r>
+          </a:p>
+          <a:p>
+            <a:pPr lvl="2"/>
+            <a:r>
+              <a:rPr lang="ru-RU"/>
+              <a:t>Третий уровень</a:t>
+            </a:r>
+          </a:p>
+          <a:p>
+            <a:pPr lvl="3"/>
+            <a:r>
+              <a:rPr lang="ru-RU"/>
+              <a:t>Четвертый уровень</a:t>
+            </a:r>
+          </a:p>
+          <a:p>
+            <a:pPr lvl="4"/>
+            <a:r>
+              <a:rPr lang="ru-RU"/>
+              <a:t>Пятый уровень</a:t>
+            </a:r>
+            <a:endParaRPr lang="en-US" dirty="0"/>
+          </a:p>
+        </p:txBody>
+      </p:sp>
+      <p:sp>
+        <p:nvSpPr>
+          <p:cNvPr id="4" name="Content Placeholder 3"/>
+          <p:cNvSpPr>
+            <a:spLocks noGrp="1"/>
+          </p:cNvSpPr>
+          <p:nvPr>
+            <p:ph sz="half" idx="2"/>
+          </p:nvPr>
+        </p:nvSpPr>
+        <p:spPr>
+          <a:xfrm>
+            <a:off x="6525403" y="2285999"/>
+            <a:ext cx="4447786" cy="3581401"/>
+          </a:xfrm>
+        </p:spPr>
+        <p:txBody>
+          <a:bodyPr/>
+          <a:lstStyle>
+            <a:lvl1pPr>
+              <a:defRPr>
+                <a:solidFill>
+                  <a:schemeClr val="tx2"/>
+                </a:solidFill>
+              </a:defRPr>
+            </a:lvl1pPr>
+            <a:lvl2pPr>
+              <a:defRPr>
+                <a:solidFill>
+                  <a:schemeClr val="tx2"/>
+                </a:solidFill>
+              </a:defRPr>
+            </a:lvl2pPr>
+            <a:lvl3pPr>
+              <a:defRPr>
+                <a:solidFill>
+                  <a:schemeClr val="tx2"/>
+                </a:solidFill>
+              </a:defRPr>
+            </a:lvl3pPr>
+            <a:lvl4pPr>
+              <a:defRPr>
+                <a:solidFill>
+                  <a:schemeClr val="tx2"/>
+                </a:solidFill>
+              </a:defRPr>
+            </a:lvl4pPr>
+            <a:lvl5pPr>
+              <a:defRPr>
+                <a:solidFill>
+                  <a:schemeClr val="tx2"/>
+                </a:solidFill>
+              </a:defRPr>
+            </a:lvl5pPr>
+          </a:lstStyle>
+          <a:p>
+            <a:pPr lvl="0"/>
+            <a:r>
+              <a:rPr lang="ru-RU"/>
+              <a:t>Образец текста</a:t>
+            </a:r>
+          </a:p>
+          <a:p>
+            <a:pPr lvl="1"/>
+            <a:r>
+              <a:rPr lang="ru-RU"/>
+              <a:t>Второй уровень</a:t>
+            </a:r>
+          </a:p>
+          <a:p>
+            <a:pPr lvl="2"/>
+            <a:r>
+              <a:rPr lang="ru-RU"/>
+              <a:t>Третий уровень</a:t>
+            </a:r>
+          </a:p>
+          <a:p>
+            <a:pPr lvl="3"/>
+            <a:r>
+              <a:rPr lang="ru-RU"/>
+              <a:t>Четвертый уровень</a:t>
+            </a:r>
+          </a:p>
+          <a:p>
+            <a:pPr lvl="4"/>
+            <a:r>
+              <a:rPr lang="ru-RU"/>
+              <a:t>Пятый уровень</a:t>
+            </a:r>
+            <a:endParaRPr lang="en-US" dirty="0"/>
+          </a:p>
+        </p:txBody>
+      </p:sp>
+      <p:sp>
+        <p:nvSpPr>
+          <p:cNvPr id="5" name="Date Placeholder 4"/>
+          <p:cNvSpPr>
+            <a:spLocks noGrp="1"/>
+          </p:cNvSpPr>
+          <p:nvPr>
+            <p:ph type="dt" sz="half" idx="10"/>
           </p:nvPr>
         </p:nvSpPr>
         <p:spPr/>
@@ -1101,183 +1628,49 @@
           <a:bodyPr/>
           <a:lstStyle/>
           <a:p>
-            <a:r>
-              <a:rPr lang="ru-RU"/>
-              <a:t>Образец заголовка</a:t>
-            </a:r>
-          </a:p>
-        </p:txBody>
-      </p:sp>
-      <p:sp>
-        <p:nvSpPr>
-          <p:cNvPr id="3" name="Объект 2"/>
-          <p:cNvSpPr>
-            <a:spLocks noGrp="1"/>
-          </p:cNvSpPr>
-          <p:nvPr>
-            <p:ph sz="half" idx="1"/>
-          </p:nvPr>
-        </p:nvSpPr>
-        <p:spPr>
-          <a:xfrm>
-            <a:off x="838200" y="1825625"/>
-            <a:ext cx="5181600" cy="4351338"/>
-          </a:xfrm>
-        </p:spPr>
+            <a:fld id="{612C3213-C297-42A5-AE82-C1078B1DCE5C}" type="datetimeFigureOut">
+              <a:rPr lang="ru-RU" smtClean="0"/>
+              <a:t>14.11.2021</a:t>
+            </a:fld>
+            <a:endParaRPr lang="ru-RU"/>
+          </a:p>
+        </p:txBody>
+      </p:sp>
+      <p:sp>
+        <p:nvSpPr>
+          <p:cNvPr id="6" name="Footer Placeholder 5"/>
+          <p:cNvSpPr>
+            <a:spLocks noGrp="1"/>
+          </p:cNvSpPr>
+          <p:nvPr>
+            <p:ph type="ftr" sz="quarter" idx="11"/>
+          </p:nvPr>
+        </p:nvSpPr>
+        <p:spPr/>
         <p:txBody>
           <a:bodyPr/>
           <a:lstStyle/>
           <a:p>
-            <a:pPr lvl="0"/>
-            <a:r>
-              <a:rPr lang="ru-RU"/>
-              <a:t>Образец текста</a:t>
-            </a:r>
-          </a:p>
-          <a:p>
-            <a:pPr lvl="1"/>
-            <a:r>
-              <a:rPr lang="ru-RU"/>
-              <a:t>Второй уровень</a:t>
-            </a:r>
-          </a:p>
-          <a:p>
-            <a:pPr lvl="2"/>
-            <a:r>
-              <a:rPr lang="ru-RU"/>
-              <a:t>Третий уровень</a:t>
-            </a:r>
-          </a:p>
-          <a:p>
-            <a:pPr lvl="3"/>
-            <a:r>
-              <a:rPr lang="ru-RU"/>
-              <a:t>Четвертый уровень</a:t>
-            </a:r>
-          </a:p>
-          <a:p>
-            <a:pPr lvl="4"/>
-            <a:r>
-              <a:rPr lang="ru-RU"/>
-              <a:t>Пятый уровень</a:t>
-            </a:r>
-          </a:p>
-        </p:txBody>
-      </p:sp>
-      <p:sp>
-        <p:nvSpPr>
-          <p:cNvPr id="4" name="Объект 3"/>
-          <p:cNvSpPr>
-            <a:spLocks noGrp="1"/>
-          </p:cNvSpPr>
-          <p:nvPr>
-            <p:ph sz="half" idx="2"/>
-          </p:nvPr>
-        </p:nvSpPr>
-        <p:spPr>
-          <a:xfrm>
-            <a:off x="6172200" y="1825625"/>
-            <a:ext cx="5181600" cy="4351338"/>
-          </a:xfrm>
-        </p:spPr>
+            <a:endParaRPr lang="ru-RU"/>
+          </a:p>
+        </p:txBody>
+      </p:sp>
+      <p:sp>
+        <p:nvSpPr>
+          <p:cNvPr id="7" name="Slide Number Placeholder 6"/>
+          <p:cNvSpPr>
+            <a:spLocks noGrp="1"/>
+          </p:cNvSpPr>
+          <p:nvPr>
+            <p:ph type="sldNum" sz="quarter" idx="12"/>
+          </p:nvPr>
+        </p:nvSpPr>
+        <p:spPr/>
         <p:txBody>
           <a:bodyPr/>
           <a:lstStyle/>
           <a:p>
-            <a:pPr lvl="0"/>
-            <a:r>
-              <a:rPr lang="ru-RU"/>
-              <a:t>Образец текста</a:t>
-            </a:r>
-          </a:p>
-          <a:p>
-            <a:pPr lvl="1"/>
-            <a:r>
-              <a:rPr lang="ru-RU"/>
-              <a:t>Второй уровень</a:t>
-            </a:r>
-          </a:p>
-          <a:p>
-            <a:pPr lvl="2"/>
-            <a:r>
-              <a:rPr lang="ru-RU"/>
-              <a:t>Третий уровень</a:t>
-            </a:r>
-          </a:p>
-          <a:p>
-            <a:pPr lvl="3"/>
-            <a:r>
-              <a:rPr lang="ru-RU"/>
-              <a:t>Четвертый уровень</a:t>
-            </a:r>
-          </a:p>
-          <a:p>
-            <a:pPr lvl="4"/>
-            <a:r>
-              <a:rPr lang="ru-RU"/>
-              <a:t>Пятый уровень</a:t>
-            </a:r>
-          </a:p>
-        </p:txBody>
-      </p:sp>
-      <p:sp>
-        <p:nvSpPr>
-          <p:cNvPr id="5" name="Дата 4"/>
-          <p:cNvSpPr>
-            <a:spLocks noGrp="1"/>
-          </p:cNvSpPr>
-          <p:nvPr>
-            <p:ph type="dt" sz="half" idx="10"/>
-          </p:nvPr>
-        </p:nvSpPr>
-        <p:spPr/>
-        <p:txBody>
-          <a:bodyPr/>
-          <a:lstStyle/>
-          <a:p>
-            <a:fld id="{F2FFB779-270B-4192-84BA-A697F48306DC}" type="datetimeFigureOut">
-              <a:rPr lang="ru-RU" smtClean="0"/>
-              <a:t>07.11.2021</a:t>
-            </a:fld>
-            <a:endParaRPr lang="ru-RU"/>
-          </a:p>
-        </p:txBody>
-      </p:sp>
-      <p:sp>
-        <p:nvSpPr>
-          <p:cNvPr id="6" name="Нижний колонтитул 5"/>
-          <p:cNvSpPr>
-            <a:spLocks noGrp="1"/>
-          </p:cNvSpPr>
-          <p:nvPr>
-            <p:ph type="ftr" sz="quarter" idx="11"/>
-          </p:nvPr>
-        </p:nvSpPr>
-        <p:spPr/>
-        <p:txBody>
-          <a:bodyPr/>
-          <a:lstStyle/>
-          <a:p>
-            <a:endParaRPr lang="ru-RU"/>
-          </a:p>
-        </p:txBody>
-      </p:sp>
-      <p:sp>
-        <p:nvSpPr>
-          <p:cNvPr id="7" name="Номер слайда 6"/>
-          <p:cNvSpPr>
-            <a:spLocks noGrp="1"/>
-          </p:cNvSpPr>
-          <p:nvPr>
-            <p:ph type="sldNum" sz="quarter" idx="12"/>
-          </p:nvPr>
-        </p:nvSpPr>
-        <p:spPr/>
-        <p:txBody>
-          <a:bodyPr/>
-          <a:lstStyle/>
-          <a:p>
-            <a:fld id="{285DC19C-03DA-4066-9FF7-D0BF1BC6D6F6}" type="slidenum">
+            <a:fld id="{DE2AB276-8B7F-468B-9919-2D8574F25F5F}" type="slidenum">
               <a:rPr lang="ru-RU" smtClean="0"/>
               <a:t>‹#›</a:t>
             </a:fld>
@@ -1288,7 +1681,7 @@
     </p:spTree>
     <p:extLst>
       <p:ext uri="{BB962C8B-B14F-4D97-AF65-F5344CB8AC3E}">
-        <p14:creationId xmlns:p14="http://schemas.microsoft.com/office/powerpoint/2010/main" val="2625762208"/>
+        <p14:creationId xmlns:p14="http://schemas.microsoft.com/office/powerpoint/2010/main" val="649850911"/>
       </p:ext>
     </p:extLst>
   </p:cSld>
@@ -1317,7 +1710,7 @@
       </p:grpSpPr>
       <p:sp>
         <p:nvSpPr>
-          <p:cNvPr id="2" name="Заголовок 1"/>
+          <p:cNvPr id="2" name="Title 1"/>
           <p:cNvSpPr>
             <a:spLocks noGrp="1"/>
           </p:cNvSpPr>
@@ -1327,24 +1720,33 @@
         </p:nvSpPr>
         <p:spPr>
           <a:xfrm>
-            <a:off x="839788" y="365125"/>
-            <a:ext cx="10515600" cy="1325563"/>
+            <a:off x="1371600" y="685800"/>
+            <a:ext cx="9601200" cy="1485900"/>
           </a:xfrm>
         </p:spPr>
         <p:txBody>
           <a:bodyPr/>
-          <a:lstStyle/>
+          <a:lstStyle>
+            <a:lvl1pPr>
+              <a:defRPr>
+                <a:solidFill>
+                  <a:schemeClr val="tx2"/>
+                </a:solidFill>
+              </a:defRPr>
+            </a:lvl1pPr>
+          </a:lstStyle>
           <a:p>
             <a:r>
               <a:rPr lang="ru-RU"/>
               <a:t>Образец заголовка</a:t>
             </a:r>
-          </a:p>
-        </p:txBody>
-      </p:sp>
-      <p:sp>
-        <p:nvSpPr>
-          <p:cNvPr id="3" name="Текст 2"/>
+            <a:endParaRPr lang="en-US" dirty="0"/>
+          </a:p>
+        </p:txBody>
+      </p:sp>
+      <p:sp>
+        <p:nvSpPr>
+          <p:cNvPr id="3" name="Text Placeholder 2"/>
           <p:cNvSpPr>
             <a:spLocks noGrp="1"/>
           </p:cNvSpPr>
@@ -1354,16 +1756,31 @@
         </p:nvSpPr>
         <p:spPr>
           <a:xfrm>
-            <a:off x="839788" y="1681163"/>
-            <a:ext cx="5157787" cy="823912"/>
+            <a:off x="1371600" y="2340864"/>
+            <a:ext cx="4443984" cy="823912"/>
           </a:xfrm>
         </p:spPr>
         <p:txBody>
-          <a:bodyPr anchor="b"/>
+          <a:bodyPr anchor="b">
+            <a:noAutofit/>
+          </a:bodyPr>
           <a:lstStyle>
             <a:lvl1pPr marL="0" indent="0">
-              <a:buNone/>
-              <a:defRPr sz="2400" b="1"/>
+              <a:lnSpc>
+                <a:spcPct val="84000"/>
+              </a:lnSpc>
+              <a:spcBef>
+                <a:spcPts val="0"/>
+              </a:spcBef>
+              <a:spcAft>
+                <a:spcPts val="0"/>
+              </a:spcAft>
+              <a:buNone/>
+              <a:defRPr sz="3000" b="0" baseline="0">
+                <a:solidFill>
+                  <a:schemeClr val="tx2"/>
+                </a:solidFill>
+              </a:defRPr>
             </a:lvl1pPr>
             <a:lvl2pPr marL="457200" indent="0">
               <a:buNone/>
@@ -1409,7 +1826,7 @@
       </p:sp>
       <p:sp>
         <p:nvSpPr>
-          <p:cNvPr id="4" name="Объект 3"/>
+          <p:cNvPr id="4" name="Content Placeholder 3"/>
           <p:cNvSpPr>
             <a:spLocks noGrp="1"/>
           </p:cNvSpPr>
@@ -1419,13 +1836,49 @@
         </p:nvSpPr>
         <p:spPr>
           <a:xfrm>
-            <a:off x="839788" y="2505075"/>
-            <a:ext cx="5157787" cy="3684588"/>
+            <a:off x="1371600" y="3305207"/>
+            <a:ext cx="4443984" cy="2562193"/>
           </a:xfrm>
         </p:spPr>
         <p:txBody>
           <a:bodyPr/>
-          <a:lstStyle/>
+          <a:lstStyle>
+            <a:lvl1pPr>
+              <a:defRPr baseline="0">
+                <a:solidFill>
+                  <a:schemeClr val="tx2"/>
+                </a:solidFill>
+              </a:defRPr>
+            </a:lvl1pPr>
+            <a:lvl2pPr>
+              <a:defRPr baseline="0">
+                <a:solidFill>
+                  <a:schemeClr val="tx2"/>
+                </a:solidFill>
+              </a:defRPr>
+            </a:lvl2pPr>
+            <a:lvl3pPr>
+              <a:defRPr baseline="0">
+                <a:solidFill>
+                  <a:schemeClr val="tx2"/>
+                </a:solidFill>
+              </a:defRPr>
+            </a:lvl3pPr>
+            <a:lvl4pPr>
+              <a:defRPr baseline="0">
+                <a:solidFill>
+                  <a:schemeClr val="tx2"/>
+                </a:solidFill>
+              </a:defRPr>
+            </a:lvl4pPr>
+            <a:lvl5pPr>
+              <a:defRPr baseline="0">
+                <a:solidFill>
+                  <a:schemeClr val="tx2"/>
+                </a:solidFill>
+              </a:defRPr>
+            </a:lvl5pPr>
+          </a:lstStyle>
           <a:p>
             <a:pPr lvl="0"/>
             <a:r>
@@ -1460,12 +1913,13 @@
               <a:rPr lang="ru-RU"/>
               <a:t>Пятый уровень</a:t>
             </a:r>
-          </a:p>
-        </p:txBody>
-      </p:sp>
-      <p:sp>
-        <p:nvSpPr>
-          <p:cNvPr id="5" name="Текст 4"/>
+            <a:endParaRPr lang="en-US" dirty="0"/>
+          </a:p>
+        </p:txBody>
+      </p:sp>
+      <p:sp>
+        <p:nvSpPr>
+          <p:cNvPr id="5" name="Text Placeholder 4"/>
           <p:cNvSpPr>
             <a:spLocks noGrp="1"/>
           </p:cNvSpPr>
@@ -1475,16 +1929,31 @@
         </p:nvSpPr>
         <p:spPr>
           <a:xfrm>
-            <a:off x="6172200" y="1681163"/>
-            <a:ext cx="5183188" cy="823912"/>
+            <a:off x="6525014" y="2340864"/>
+            <a:ext cx="4443984" cy="823912"/>
           </a:xfrm>
         </p:spPr>
         <p:txBody>
-          <a:bodyPr anchor="b"/>
+          <a:bodyPr anchor="b">
+            <a:noAutofit/>
+          </a:bodyPr>
           <a:lstStyle>
             <a:lvl1pPr marL="0" indent="0">
-              <a:buNone/>
-              <a:defRPr sz="2400" b="1"/>
+              <a:lnSpc>
+                <a:spcPct val="84000"/>
+              </a:lnSpc>
+              <a:spcBef>
+                <a:spcPts val="0"/>
+              </a:spcBef>
+              <a:spcAft>
+                <a:spcPts val="0"/>
+              </a:spcAft>
+              <a:buNone/>
+              <a:defRPr sz="3000" b="0" baseline="0">
+                <a:solidFill>
+                  <a:schemeClr val="tx2"/>
+                </a:solidFill>
+              </a:defRPr>
             </a:lvl1pPr>
             <a:lvl2pPr marL="457200" indent="0">
               <a:buNone/>
@@ -1530,7 +1999,7 @@
       </p:sp>
       <p:sp>
         <p:nvSpPr>
-          <p:cNvPr id="6" name="Объект 5"/>
+          <p:cNvPr id="6" name="Content Placeholder 5"/>
           <p:cNvSpPr>
             <a:spLocks noGrp="1"/>
           </p:cNvSpPr>
@@ -1540,13 +2009,49 @@
         </p:nvSpPr>
         <p:spPr>
           <a:xfrm>
-            <a:off x="6172200" y="2505075"/>
-            <a:ext cx="5183188" cy="3684588"/>
+            <a:off x="6525014" y="3305207"/>
+            <a:ext cx="4443984" cy="2562193"/>
           </a:xfrm>
         </p:spPr>
         <p:txBody>
           <a:bodyPr/>
-          <a:lstStyle/>
+          <a:lstStyle>
+            <a:lvl1pPr>
+              <a:defRPr baseline="0">
+                <a:solidFill>
+                  <a:schemeClr val="tx2"/>
+                </a:solidFill>
+              </a:defRPr>
+            </a:lvl1pPr>
+            <a:lvl2pPr>
+              <a:defRPr baseline="0">
+                <a:solidFill>
+                  <a:schemeClr val="tx2"/>
+                </a:solidFill>
+              </a:defRPr>
+            </a:lvl2pPr>
+            <a:lvl3pPr>
+              <a:defRPr baseline="0">
+                <a:solidFill>
+                  <a:schemeClr val="tx2"/>
+                </a:solidFill>
+              </a:defRPr>
+            </a:lvl3pPr>
+            <a:lvl4pPr>
+              <a:defRPr baseline="0">
+                <a:solidFill>
+                  <a:schemeClr val="tx2"/>
+                </a:solidFill>
+              </a:defRPr>
+            </a:lvl4pPr>
+            <a:lvl5pPr>
+              <a:defRPr baseline="0">
+                <a:solidFill>
+                  <a:schemeClr val="tx2"/>
+                </a:solidFill>
+              </a:defRPr>
+            </a:lvl5pPr>
+          </a:lstStyle>
           <a:p>
             <a:pPr lvl="0"/>
             <a:r>
@@ -1581,12 +2086,13 @@
               <a:rPr lang="ru-RU"/>
               <a:t>Пятый уровень</a:t>
             </a:r>
-          </a:p>
-        </p:txBody>
-      </p:sp>
-      <p:sp>
-        <p:nvSpPr>
-          <p:cNvPr id="7" name="Дата 6"/>
+            <a:endParaRPr lang="en-US" dirty="0"/>
+          </a:p>
+        </p:txBody>
+      </p:sp>
+      <p:sp>
+        <p:nvSpPr>
+          <p:cNvPr id="7" name="Date Placeholder 6"/>
           <p:cNvSpPr>
             <a:spLocks noGrp="1"/>
           </p:cNvSpPr>
@@ -1599,9 +2105,9 @@
           <a:bodyPr/>
           <a:lstStyle/>
           <a:p>
-            <a:fld id="{F2FFB779-270B-4192-84BA-A697F48306DC}" type="datetimeFigureOut">
+            <a:fld id="{612C3213-C297-42A5-AE82-C1078B1DCE5C}" type="datetimeFigureOut">
               <a:rPr lang="ru-RU" smtClean="0"/>
-              <a:t>07.11.2021</a:t>
+              <a:t>14.11.2021</a:t>
             </a:fld>
             <a:endParaRPr lang="ru-RU"/>
           </a:p>
@@ -1609,7 +2115,7 @@
       </p:sp>
       <p:sp>
         <p:nvSpPr>
-          <p:cNvPr id="8" name="Нижний колонтитул 7"/>
+          <p:cNvPr id="8" name="Footer Placeholder 7"/>
           <p:cNvSpPr>
             <a:spLocks noGrp="1"/>
           </p:cNvSpPr>
@@ -1628,7 +2134,7 @@
       </p:sp>
       <p:sp>
         <p:nvSpPr>
-          <p:cNvPr id="9" name="Номер слайда 8"/>
+          <p:cNvPr id="9" name="Slide Number Placeholder 8"/>
           <p:cNvSpPr>
             <a:spLocks noGrp="1"/>
           </p:cNvSpPr>
@@ -1641,7 +2147,7 @@
           <a:bodyPr/>
           <a:lstStyle/>
           <a:p>
-            <a:fld id="{285DC19C-03DA-4066-9FF7-D0BF1BC6D6F6}" type="slidenum">
+            <a:fld id="{DE2AB276-8B7F-468B-9919-2D8574F25F5F}" type="slidenum">
               <a:rPr lang="ru-RU" smtClean="0"/>
               <a:t>‹#›</a:t>
             </a:fld>
@@ -1652,7 +2158,7 @@
     </p:spTree>
     <p:extLst>
       <p:ext uri="{BB962C8B-B14F-4D97-AF65-F5344CB8AC3E}">
-        <p14:creationId xmlns:p14="http://schemas.microsoft.com/office/powerpoint/2010/main" val="188002762"/>
+        <p14:creationId xmlns:p14="http://schemas.microsoft.com/office/powerpoint/2010/main" val="4293596845"/>
       </p:ext>
     </p:extLst>
   </p:cSld>
@@ -1681,7 +2187,7 @@
       </p:grpSpPr>
       <p:sp>
         <p:nvSpPr>
-          <p:cNvPr id="2" name="Заголовок 1"/>
+          <p:cNvPr id="2" name="Title 1"/>
           <p:cNvSpPr>
             <a:spLocks noGrp="1"/>
           </p:cNvSpPr>
@@ -1698,12 +2204,13 @@
               <a:rPr lang="ru-RU"/>
               <a:t>Образец заголовка</a:t>
             </a:r>
-          </a:p>
-        </p:txBody>
-      </p:sp>
-      <p:sp>
-        <p:nvSpPr>
-          <p:cNvPr id="3" name="Дата 2"/>
+            <a:endParaRPr lang="en-US" dirty="0"/>
+          </a:p>
+        </p:txBody>
+      </p:sp>
+      <p:sp>
+        <p:nvSpPr>
+          <p:cNvPr id="3" name="Date Placeholder 2"/>
           <p:cNvSpPr>
             <a:spLocks noGrp="1"/>
           </p:cNvSpPr>
@@ -1716,9 +2223,9 @@
           <a:bodyPr/>
           <a:lstStyle/>
           <a:p>
-            <a:fld id="{F2FFB779-270B-4192-84BA-A697F48306DC}" type="datetimeFigureOut">
+            <a:fld id="{612C3213-C297-42A5-AE82-C1078B1DCE5C}" type="datetimeFigureOut">
               <a:rPr lang="ru-RU" smtClean="0"/>
-              <a:t>07.11.2021</a:t>
+              <a:t>14.11.2021</a:t>
             </a:fld>
             <a:endParaRPr lang="ru-RU"/>
           </a:p>
@@ -1726,7 +2233,7 @@
       </p:sp>
       <p:sp>
         <p:nvSpPr>
-          <p:cNvPr id="4" name="Нижний колонтитул 3"/>
+          <p:cNvPr id="4" name="Footer Placeholder 3"/>
           <p:cNvSpPr>
             <a:spLocks noGrp="1"/>
           </p:cNvSpPr>
@@ -1745,7 +2252,7 @@
       </p:sp>
       <p:sp>
         <p:nvSpPr>
-          <p:cNvPr id="5" name="Номер слайда 4"/>
+          <p:cNvPr id="5" name="Slide Number Placeholder 4"/>
           <p:cNvSpPr>
             <a:spLocks noGrp="1"/>
           </p:cNvSpPr>
@@ -1758,7 +2265,7 @@
           <a:bodyPr/>
           <a:lstStyle/>
           <a:p>
-            <a:fld id="{285DC19C-03DA-4066-9FF7-D0BF1BC6D6F6}" type="slidenum">
+            <a:fld id="{DE2AB276-8B7F-468B-9919-2D8574F25F5F}" type="slidenum">
               <a:rPr lang="ru-RU" smtClean="0"/>
               <a:t>‹#›</a:t>
             </a:fld>
@@ -1769,7 +2276,7 @@
     </p:spTree>
     <p:extLst>
       <p:ext uri="{BB962C8B-B14F-4D97-AF65-F5344CB8AC3E}">
-        <p14:creationId xmlns:p14="http://schemas.microsoft.com/office/powerpoint/2010/main" val="2295335545"/>
+        <p14:creationId xmlns:p14="http://schemas.microsoft.com/office/powerpoint/2010/main" val="1490248334"/>
       </p:ext>
     </p:extLst>
   </p:cSld>
@@ -1798,7 +2305,7 @@
       </p:grpSpPr>
       <p:sp>
         <p:nvSpPr>
-          <p:cNvPr id="2" name="Дата 1"/>
+          <p:cNvPr id="2" name="Date Placeholder 1"/>
           <p:cNvSpPr>
             <a:spLocks noGrp="1"/>
           </p:cNvSpPr>
@@ -1811,9 +2318,9 @@
           <a:bodyPr/>
           <a:lstStyle/>
           <a:p>
-            <a:fld id="{F2FFB779-270B-4192-84BA-A697F48306DC}" type="datetimeFigureOut">
+            <a:fld id="{612C3213-C297-42A5-AE82-C1078B1DCE5C}" type="datetimeFigureOut">
               <a:rPr lang="ru-RU" smtClean="0"/>
-              <a:t>07.11.2021</a:t>
+              <a:t>14.11.2021</a:t>
             </a:fld>
             <a:endParaRPr lang="ru-RU"/>
           </a:p>
@@ -1821,7 +2328,7 @@
       </p:sp>
       <p:sp>
         <p:nvSpPr>
-          <p:cNvPr id="3" name="Нижний колонтитул 2"/>
+          <p:cNvPr id="3" name="Footer Placeholder 2"/>
           <p:cNvSpPr>
             <a:spLocks noGrp="1"/>
           </p:cNvSpPr>
@@ -1840,7 +2347,7 @@
       </p:sp>
       <p:sp>
         <p:nvSpPr>
-          <p:cNvPr id="4" name="Номер слайда 3"/>
+          <p:cNvPr id="4" name="Slide Number Placeholder 3"/>
           <p:cNvSpPr>
             <a:spLocks noGrp="1"/>
           </p:cNvSpPr>
@@ -1853,7 +2360,7 @@
           <a:bodyPr/>
           <a:lstStyle/>
           <a:p>
-            <a:fld id="{285DC19C-03DA-4066-9FF7-D0BF1BC6D6F6}" type="slidenum">
+            <a:fld id="{DE2AB276-8B7F-468B-9919-2D8574F25F5F}" type="slidenum">
               <a:rPr lang="ru-RU" smtClean="0"/>
               <a:t>‹#›</a:t>
             </a:fld>
@@ -1864,7 +2371,7 @@
     </p:spTree>
     <p:extLst>
       <p:ext uri="{BB962C8B-B14F-4D97-AF65-F5344CB8AC3E}">
-        <p14:creationId xmlns:p14="http://schemas.microsoft.com/office/powerpoint/2010/main" val="1988754143"/>
+        <p14:creationId xmlns:p14="http://schemas.microsoft.com/office/powerpoint/2010/main" val="2849974105"/>
       </p:ext>
     </p:extLst>
   </p:cSld>
@@ -1875,7 +2382,7 @@
 </file>
 
 <file path=ppt/slideLayouts/slideLayout8.xml><?xml version="1.0" encoding="utf-8"?>
-<p:sldLayout xmlns:a="http://schemas.openxmlformats.org/drawingml/2006/main" xmlns:r="http://schemas.openxmlformats.org/officeDocument/2006/relationships" xmlns:p="http://schemas.openxmlformats.org/presentationml/2006/main" type="objTx" preserve="1">
+<p:sldLayout xmlns:a="http://schemas.openxmlformats.org/drawingml/2006/main" xmlns:r="http://schemas.openxmlformats.org/officeDocument/2006/relationships" xmlns:p="http://schemas.openxmlformats.org/presentationml/2006/main" showMasterSp="0" type="objTx" preserve="1">
   <p:cSld name="Объект с подписью">
     <p:spTree>
       <p:nvGrpSpPr>
@@ -1893,25 +2400,72 @@
       </p:grpSpPr>
       <p:sp>
         <p:nvSpPr>
-          <p:cNvPr id="2" name="Заголовок 1"/>
-          <p:cNvSpPr>
-            <a:spLocks noGrp="1"/>
-          </p:cNvSpPr>
-          <p:nvPr>
-            <p:ph type="title"/>
-          </p:nvPr>
+          <p:cNvPr id="8" name="Rectangle 7" title="Background Shape"/>
+          <p:cNvSpPr/>
+          <p:nvPr/>
         </p:nvSpPr>
         <p:spPr>
           <a:xfrm>
-            <a:off x="839788" y="457200"/>
-            <a:ext cx="3932237" cy="1600200"/>
+            <a:off x="0" y="376"/>
+            <a:ext cx="5303520" cy="6857624"/>
+          </a:xfrm>
+          <a:prstGeom prst="rect">
+            <a:avLst/>
+          </a:prstGeom>
+          <a:solidFill>
+            <a:schemeClr val="accent1"/>
+          </a:solidFill>
+          <a:ln>
+            <a:noFill/>
+          </a:ln>
+        </p:spPr>
+        <p:style>
+          <a:lnRef idx="2">
+            <a:schemeClr val="accent1">
+              <a:shade val="50000"/>
+            </a:schemeClr>
+          </a:lnRef>
+          <a:fillRef idx="1">
+            <a:schemeClr val="accent1"/>
+          </a:fillRef>
+          <a:effectRef idx="0">
+            <a:schemeClr val="accent1"/>
+          </a:effectRef>
+          <a:fontRef idx="minor">
+            <a:schemeClr val="lt1"/>
+          </a:fontRef>
+        </p:style>
+      </p:sp>
+      <p:sp>
+        <p:nvSpPr>
+          <p:cNvPr id="2" name="Title 1"/>
+          <p:cNvSpPr>
+            <a:spLocks noGrp="1"/>
+          </p:cNvSpPr>
+          <p:nvPr>
+            <p:ph type="title"/>
+          </p:nvPr>
+        </p:nvSpPr>
+        <p:spPr>
+          <a:xfrm>
+            <a:off x="723900" y="685800"/>
+            <a:ext cx="3855720" cy="2157884"/>
           </a:xfrm>
         </p:spPr>
         <p:txBody>
-          <a:bodyPr anchor="b"/>
+          <a:bodyPr anchor="t">
+            <a:noAutofit/>
+          </a:bodyPr>
           <a:lstStyle>
             <a:lvl1pPr>
-              <a:defRPr sz="3200"/>
+              <a:lnSpc>
+                <a:spcPct val="84000"/>
+              </a:lnSpc>
+              <a:defRPr sz="4800" baseline="0">
+                <a:solidFill>
+                  <a:schemeClr val="tx2"/>
+                </a:solidFill>
+              </a:defRPr>
             </a:lvl1pPr>
           </a:lstStyle>
           <a:p>
@@ -1919,12 +2473,13 @@
               <a:rPr lang="ru-RU"/>
               <a:t>Образец заголовка</a:t>
             </a:r>
-          </a:p>
-        </p:txBody>
-      </p:sp>
-      <p:sp>
-        <p:nvSpPr>
-          <p:cNvPr id="3" name="Объект 2"/>
+            <a:endParaRPr lang="en-US" dirty="0"/>
+          </a:p>
+        </p:txBody>
+      </p:sp>
+      <p:sp>
+        <p:nvSpPr>
+          <p:cNvPr id="3" name="Content Placeholder 2"/>
           <p:cNvSpPr>
             <a:spLocks noGrp="1"/>
           </p:cNvSpPr>
@@ -1934,39 +2489,39 @@
         </p:nvSpPr>
         <p:spPr>
           <a:xfrm>
-            <a:off x="5183188" y="987425"/>
-            <a:ext cx="6172200" cy="4873625"/>
+            <a:off x="6256020" y="685801"/>
+            <a:ext cx="5212080" cy="5175250"/>
           </a:xfrm>
         </p:spPr>
         <p:txBody>
           <a:bodyPr/>
           <a:lstStyle>
             <a:lvl1pPr>
-              <a:defRPr sz="3200"/>
+              <a:defRPr sz="2000"/>
             </a:lvl1pPr>
             <a:lvl2pPr>
-              <a:defRPr sz="2800"/>
+              <a:defRPr sz="2000"/>
             </a:lvl2pPr>
             <a:lvl3pPr>
-              <a:defRPr sz="2400"/>
+              <a:defRPr sz="1800"/>
             </a:lvl3pPr>
             <a:lvl4pPr>
-              <a:defRPr sz="2000"/>
+              <a:defRPr sz="1800"/>
             </a:lvl4pPr>
             <a:lvl5pPr>
-              <a:defRPr sz="2000"/>
+              <a:defRPr sz="1600"/>
             </a:lvl5pPr>
             <a:lvl6pPr>
-              <a:defRPr sz="2000"/>
+              <a:defRPr sz="1600"/>
             </a:lvl6pPr>
             <a:lvl7pPr>
-              <a:defRPr sz="2000"/>
+              <a:defRPr sz="1600"/>
             </a:lvl7pPr>
             <a:lvl8pPr>
-              <a:defRPr sz="2000"/>
+              <a:defRPr sz="1600"/>
             </a:lvl8pPr>
             <a:lvl9pPr>
-              <a:defRPr sz="2000"/>
+              <a:defRPr sz="1600"/>
             </a:lvl9pPr>
           </a:lstStyle>
           <a:p>
@@ -2003,12 +2558,13 @@
               <a:rPr lang="ru-RU"/>
               <a:t>Пятый уровень</a:t>
             </a:r>
-          </a:p>
-        </p:txBody>
-      </p:sp>
-      <p:sp>
-        <p:nvSpPr>
-          <p:cNvPr id="4" name="Текст 3"/>
+            <a:endParaRPr lang="en-US" dirty="0"/>
+          </a:p>
+        </p:txBody>
+      </p:sp>
+      <p:sp>
+        <p:nvSpPr>
+          <p:cNvPr id="4" name="Text Placeholder 3"/>
           <p:cNvSpPr>
             <a:spLocks noGrp="1"/>
           </p:cNvSpPr>
@@ -2018,14 +2574,23 @@
         </p:nvSpPr>
         <p:spPr>
           <a:xfrm>
-            <a:off x="839788" y="2057400"/>
-            <a:ext cx="3932237" cy="3811588"/>
+            <a:off x="723900" y="2856344"/>
+            <a:ext cx="3855720" cy="3011056"/>
           </a:xfrm>
         </p:spPr>
         <p:txBody>
           <a:bodyPr/>
           <a:lstStyle>
             <a:lvl1pPr marL="0" indent="0">
+              <a:lnSpc>
+                <a:spcPct val="113000"/>
+              </a:lnSpc>
+              <a:spcBef>
+                <a:spcPts val="0"/>
+              </a:spcBef>
+              <a:spcAft>
+                <a:spcPts val="1500"/>
+              </a:spcAft>
               <a:buNone/>
               <a:defRPr sz="1600"/>
             </a:lvl1pPr>
@@ -2073,7 +2638,7 @@
       </p:sp>
       <p:sp>
         <p:nvSpPr>
-          <p:cNvPr id="5" name="Дата 4"/>
+          <p:cNvPr id="5" name="Date Placeholder 4"/>
           <p:cNvSpPr>
             <a:spLocks noGrp="1"/>
           </p:cNvSpPr>
@@ -2081,14 +2646,27 @@
             <p:ph type="dt" sz="half" idx="10"/>
           </p:nvPr>
         </p:nvSpPr>
-        <p:spPr/>
+        <p:spPr>
+          <a:xfrm>
+            <a:off x="723900" y="6453386"/>
+            <a:ext cx="1204572" cy="404614"/>
+          </a:xfrm>
+        </p:spPr>
         <p:txBody>
           <a:bodyPr/>
-          <a:lstStyle/>
-          <a:p>
-            <a:fld id="{F2FFB779-270B-4192-84BA-A697F48306DC}" type="datetimeFigureOut">
+          <a:lstStyle>
+            <a:lvl1pPr>
+              <a:defRPr>
+                <a:solidFill>
+                  <a:schemeClr val="tx2"/>
+                </a:solidFill>
+              </a:defRPr>
+            </a:lvl1pPr>
+          </a:lstStyle>
+          <a:p>
+            <a:fld id="{612C3213-C297-42A5-AE82-C1078B1DCE5C}" type="datetimeFigureOut">
               <a:rPr lang="ru-RU" smtClean="0"/>
-              <a:t>07.11.2021</a:t>
+              <a:t>14.11.2021</a:t>
             </a:fld>
             <a:endParaRPr lang="ru-RU"/>
           </a:p>
@@ -2096,7 +2674,7 @@
       </p:sp>
       <p:sp>
         <p:nvSpPr>
-          <p:cNvPr id="6" name="Нижний колонтитул 5"/>
+          <p:cNvPr id="6" name="Footer Placeholder 5"/>
           <p:cNvSpPr>
             <a:spLocks noGrp="1"/>
           </p:cNvSpPr>
@@ -2104,10 +2682,23 @@
             <p:ph type="ftr" sz="quarter" idx="11"/>
           </p:nvPr>
         </p:nvSpPr>
-        <p:spPr/>
+        <p:spPr>
+          <a:xfrm>
+            <a:off x="2205945" y="6453386"/>
+            <a:ext cx="2373675" cy="404614"/>
+          </a:xfrm>
+        </p:spPr>
         <p:txBody>
           <a:bodyPr/>
-          <a:lstStyle/>
+          <a:lstStyle>
+            <a:lvl1pPr>
+              <a:defRPr>
+                <a:solidFill>
+                  <a:schemeClr val="tx2"/>
+                </a:solidFill>
+              </a:defRPr>
+            </a:lvl1pPr>
+          </a:lstStyle>
           <a:p>
             <a:endParaRPr lang="ru-RU"/>
           </a:p>
@@ -2115,7 +2706,7 @@
       </p:sp>
       <p:sp>
         <p:nvSpPr>
-          <p:cNvPr id="7" name="Номер слайда 6"/>
+          <p:cNvPr id="7" name="Slide Number Placeholder 6"/>
           <p:cNvSpPr>
             <a:spLocks noGrp="1"/>
           </p:cNvSpPr>
@@ -2123,12 +2714,25 @@
             <p:ph type="sldNum" sz="quarter" idx="12"/>
           </p:nvPr>
         </p:nvSpPr>
-        <p:spPr/>
+        <p:spPr>
+          <a:xfrm>
+            <a:off x="9883140" y="6453386"/>
+            <a:ext cx="1596292" cy="404614"/>
+          </a:xfrm>
+        </p:spPr>
         <p:txBody>
           <a:bodyPr/>
-          <a:lstStyle/>
-          <a:p>
-            <a:fld id="{285DC19C-03DA-4066-9FF7-D0BF1BC6D6F6}" type="slidenum">
+          <a:lstStyle>
+            <a:lvl1pPr>
+              <a:defRPr>
+                <a:solidFill>
+                  <a:schemeClr val="tx2"/>
+                </a:solidFill>
+              </a:defRPr>
+            </a:lvl1pPr>
+          </a:lstStyle>
+          <a:p>
+            <a:fld id="{DE2AB276-8B7F-468B-9919-2D8574F25F5F}" type="slidenum">
               <a:rPr lang="ru-RU" smtClean="0"/>
               <a:t>‹#›</a:t>
             </a:fld>
@@ -2136,10 +2740,48 @@
           </a:p>
         </p:txBody>
       </p:sp>
+      <p:sp>
+        <p:nvSpPr>
+          <p:cNvPr id="9" name="Rectangle 8" title="Divider Bar"/>
+          <p:cNvSpPr/>
+          <p:nvPr/>
+        </p:nvSpPr>
+        <p:spPr>
+          <a:xfrm>
+            <a:off x="5303520" y="376"/>
+            <a:ext cx="228600" cy="6858000"/>
+          </a:xfrm>
+          <a:prstGeom prst="rect">
+            <a:avLst/>
+          </a:prstGeom>
+          <a:solidFill>
+            <a:schemeClr val="tx2"/>
+          </a:solidFill>
+          <a:ln>
+            <a:noFill/>
+          </a:ln>
+        </p:spPr>
+        <p:style>
+          <a:lnRef idx="2">
+            <a:schemeClr val="accent1">
+              <a:shade val="50000"/>
+            </a:schemeClr>
+          </a:lnRef>
+          <a:fillRef idx="1">
+            <a:schemeClr val="accent1"/>
+          </a:fillRef>
+          <a:effectRef idx="0">
+            <a:schemeClr val="accent1"/>
+          </a:effectRef>
+          <a:fontRef idx="minor">
+            <a:schemeClr val="lt1"/>
+          </a:fontRef>
+        </p:style>
+      </p:sp>
     </p:spTree>
     <p:extLst>
       <p:ext uri="{BB962C8B-B14F-4D97-AF65-F5344CB8AC3E}">
-        <p14:creationId xmlns:p14="http://schemas.microsoft.com/office/powerpoint/2010/main" val="3665695281"/>
+        <p14:creationId xmlns:p14="http://schemas.microsoft.com/office/powerpoint/2010/main" val="710151057"/>
       </p:ext>
     </p:extLst>
   </p:cSld>
@@ -2150,7 +2792,7 @@
 </file>
 
 <file path=ppt/slideLayouts/slideLayout9.xml><?xml version="1.0" encoding="utf-8"?>
-<p:sldLayout xmlns:a="http://schemas.openxmlformats.org/drawingml/2006/main" xmlns:r="http://schemas.openxmlformats.org/officeDocument/2006/relationships" xmlns:p="http://schemas.openxmlformats.org/presentationml/2006/main" type="picTx" preserve="1">
+<p:sldLayout xmlns:a="http://schemas.openxmlformats.org/drawingml/2006/main" xmlns:r="http://schemas.openxmlformats.org/officeDocument/2006/relationships" xmlns:p="http://schemas.openxmlformats.org/presentationml/2006/main" showMasterSp="0" type="picTx" preserve="1">
   <p:cSld name="Рисунок с подписью">
     <p:spTree>
       <p:nvGrpSpPr>
@@ -2168,25 +2810,68 @@
       </p:grpSpPr>
       <p:sp>
         <p:nvSpPr>
-          <p:cNvPr id="2" name="Заголовок 1"/>
-          <p:cNvSpPr>
-            <a:spLocks noGrp="1"/>
-          </p:cNvSpPr>
-          <p:nvPr>
-            <p:ph type="title"/>
-          </p:nvPr>
+          <p:cNvPr id="8" name="Rectangle 7" title="Background Shape"/>
+          <p:cNvSpPr/>
+          <p:nvPr/>
         </p:nvSpPr>
         <p:spPr>
           <a:xfrm>
-            <a:off x="839788" y="457200"/>
-            <a:ext cx="3932237" cy="1600200"/>
+            <a:off x="0" y="376"/>
+            <a:ext cx="5303520" cy="6857624"/>
+          </a:xfrm>
+          <a:prstGeom prst="rect">
+            <a:avLst/>
+          </a:prstGeom>
+          <a:solidFill>
+            <a:schemeClr val="accent1"/>
+          </a:solidFill>
+          <a:ln>
+            <a:noFill/>
+          </a:ln>
+        </p:spPr>
+        <p:style>
+          <a:lnRef idx="2">
+            <a:schemeClr val="accent1">
+              <a:shade val="50000"/>
+            </a:schemeClr>
+          </a:lnRef>
+          <a:fillRef idx="1">
+            <a:schemeClr val="accent1"/>
+          </a:fillRef>
+          <a:effectRef idx="0">
+            <a:schemeClr val="accent1"/>
+          </a:effectRef>
+          <a:fontRef idx="minor">
+            <a:schemeClr val="lt1"/>
+          </a:fontRef>
+        </p:style>
+      </p:sp>
+      <p:sp>
+        <p:nvSpPr>
+          <p:cNvPr id="2" name="Title 1"/>
+          <p:cNvSpPr>
+            <a:spLocks noGrp="1"/>
+          </p:cNvSpPr>
+          <p:nvPr>
+            <p:ph type="title"/>
+          </p:nvPr>
+        </p:nvSpPr>
+        <p:spPr>
+          <a:xfrm>
+            <a:off x="723900" y="685800"/>
+            <a:ext cx="3855720" cy="2157884"/>
           </a:xfrm>
         </p:spPr>
         <p:txBody>
-          <a:bodyPr anchor="b"/>
+          <a:bodyPr anchor="t">
+            <a:normAutofit/>
+          </a:bodyPr>
           <a:lstStyle>
             <a:lvl1pPr>
-              <a:defRPr sz="3200"/>
+              <a:lnSpc>
+                <a:spcPct val="84000"/>
+              </a:lnSpc>
+              <a:defRPr sz="4800" baseline="0"/>
             </a:lvl1pPr>
           </a:lstStyle>
           <a:p>
@@ -2194,14 +2879,15 @@
               <a:rPr lang="ru-RU"/>
               <a:t>Образец заголовка</a:t>
             </a:r>
-          </a:p>
-        </p:txBody>
-      </p:sp>
-      <p:sp>
-        <p:nvSpPr>
-          <p:cNvPr id="3" name="Рисунок 2"/>
-          <p:cNvSpPr>
-            <a:spLocks noGrp="1"/>
+            <a:endParaRPr lang="en-US" dirty="0"/>
+          </a:p>
+        </p:txBody>
+      </p:sp>
+      <p:sp>
+        <p:nvSpPr>
+          <p:cNvPr id="3" name="Picture Placeholder 2"/>
+          <p:cNvSpPr>
+            <a:spLocks noGrp="1" noChangeAspect="1"/>
           </p:cNvSpPr>
           <p:nvPr>
             <p:ph type="pic" idx="1"/>
@@ -2209,75 +2895,90 @@
         </p:nvSpPr>
         <p:spPr>
           <a:xfrm>
-            <a:off x="5183188" y="987425"/>
-            <a:ext cx="6172200" cy="4873625"/>
+            <a:off x="5532120" y="0"/>
+            <a:ext cx="6659880" cy="6857999"/>
+          </a:xfrm>
+        </p:spPr>
+        <p:txBody>
+          <a:bodyPr anchor="t">
+            <a:normAutofit/>
+          </a:bodyPr>
+          <a:lstStyle>
+            <a:lvl1pPr marL="0" indent="0">
+              <a:buNone/>
+              <a:defRPr sz="2000"/>
+            </a:lvl1pPr>
+            <a:lvl2pPr marL="457200" indent="0">
+              <a:buNone/>
+              <a:defRPr sz="2000"/>
+            </a:lvl2pPr>
+            <a:lvl3pPr marL="914400" indent="0">
+              <a:buNone/>
+              <a:defRPr sz="2000"/>
+            </a:lvl3pPr>
+            <a:lvl4pPr marL="1371600" indent="0">
+              <a:buNone/>
+              <a:defRPr sz="2000"/>
+            </a:lvl4pPr>
+            <a:lvl5pPr marL="1828800" indent="0">
+              <a:buNone/>
+              <a:defRPr sz="2000"/>
+            </a:lvl5pPr>
+            <a:lvl6pPr marL="2286000" indent="0">
+              <a:buNone/>
+              <a:defRPr sz="2000"/>
+            </a:lvl6pPr>
+            <a:lvl7pPr marL="2743200" indent="0">
+              <a:buNone/>
+              <a:defRPr sz="2000"/>
+            </a:lvl7pPr>
+            <a:lvl8pPr marL="3200400" indent="0">
+              <a:buNone/>
+              <a:defRPr sz="2000"/>
+            </a:lvl8pPr>
+            <a:lvl9pPr marL="3657600" indent="0">
+              <a:buNone/>
+              <a:defRPr sz="2000"/>
+            </a:lvl9pPr>
+          </a:lstStyle>
+          <a:p>
+            <a:r>
+              <a:rPr lang="ru-RU"/>
+              <a:t>Вставка рисунка</a:t>
+            </a:r>
+            <a:endParaRPr lang="en-US" dirty="0"/>
+          </a:p>
+        </p:txBody>
+      </p:sp>
+      <p:sp>
+        <p:nvSpPr>
+          <p:cNvPr id="4" name="Text Placeholder 3"/>
+          <p:cNvSpPr>
+            <a:spLocks noGrp="1"/>
+          </p:cNvSpPr>
+          <p:nvPr>
+            <p:ph type="body" sz="half" idx="2"/>
+          </p:nvPr>
+        </p:nvSpPr>
+        <p:spPr>
+          <a:xfrm>
+            <a:off x="723900" y="2855968"/>
+            <a:ext cx="3855720" cy="3011432"/>
           </a:xfrm>
         </p:spPr>
         <p:txBody>
           <a:bodyPr/>
           <a:lstStyle>
             <a:lvl1pPr marL="0" indent="0">
-              <a:buNone/>
-              <a:defRPr sz="3200"/>
-            </a:lvl1pPr>
-            <a:lvl2pPr marL="457200" indent="0">
-              <a:buNone/>
-              <a:defRPr sz="2800"/>
-            </a:lvl2pPr>
-            <a:lvl3pPr marL="914400" indent="0">
-              <a:buNone/>
-              <a:defRPr sz="2400"/>
-            </a:lvl3pPr>
-            <a:lvl4pPr marL="1371600" indent="0">
-              <a:buNone/>
-              <a:defRPr sz="2000"/>
-            </a:lvl4pPr>
-            <a:lvl5pPr marL="1828800" indent="0">
-              <a:buNone/>
-              <a:defRPr sz="2000"/>
-            </a:lvl5pPr>
-            <a:lvl6pPr marL="2286000" indent="0">
-              <a:buNone/>
-              <a:defRPr sz="2000"/>
-            </a:lvl6pPr>
-            <a:lvl7pPr marL="2743200" indent="0">
-              <a:buNone/>
-              <a:defRPr sz="2000"/>
-            </a:lvl7pPr>
-            <a:lvl8pPr marL="3200400" indent="0">
-              <a:buNone/>
-              <a:defRPr sz="2000"/>
-            </a:lvl8pPr>
-            <a:lvl9pPr marL="3657600" indent="0">
-              <a:buNone/>
-              <a:defRPr sz="2000"/>
-            </a:lvl9pPr>
-          </a:lstStyle>
-          <a:p>
-            <a:endParaRPr lang="ru-RU"/>
-          </a:p>
-        </p:txBody>
-      </p:sp>
-      <p:sp>
-        <p:nvSpPr>
-          <p:cNvPr id="4" name="Текст 3"/>
-          <p:cNvSpPr>
-            <a:spLocks noGrp="1"/>
-          </p:cNvSpPr>
-          <p:nvPr>
-            <p:ph type="body" sz="half" idx="2"/>
-          </p:nvPr>
-        </p:nvSpPr>
-        <p:spPr>
-          <a:xfrm>
-            <a:off x="839788" y="2057400"/>
-            <a:ext cx="3932237" cy="3811588"/>
-          </a:xfrm>
-        </p:spPr>
-        <p:txBody>
-          <a:bodyPr/>
-          <a:lstStyle>
-            <a:lvl1pPr marL="0" indent="0">
+              <a:lnSpc>
+                <a:spcPct val="113000"/>
+              </a:lnSpc>
+              <a:spcBef>
+                <a:spcPts val="0"/>
+              </a:spcBef>
+              <a:spcAft>
+                <a:spcPts val="1500"/>
+              </a:spcAft>
               <a:buNone/>
               <a:defRPr sz="1600"/>
             </a:lvl1pPr>
@@ -2325,7 +3026,7 @@
       </p:sp>
       <p:sp>
         <p:nvSpPr>
-          <p:cNvPr id="5" name="Дата 4"/>
+          <p:cNvPr id="5" name="Date Placeholder 4"/>
           <p:cNvSpPr>
             <a:spLocks noGrp="1"/>
           </p:cNvSpPr>
@@ -2333,14 +3034,27 @@
             <p:ph type="dt" sz="half" idx="10"/>
           </p:nvPr>
         </p:nvSpPr>
-        <p:spPr/>
+        <p:spPr>
+          <a:xfrm>
+            <a:off x="723900" y="6453386"/>
+            <a:ext cx="1204572" cy="404614"/>
+          </a:xfrm>
+        </p:spPr>
         <p:txBody>
           <a:bodyPr/>
-          <a:lstStyle/>
-          <a:p>
-            <a:fld id="{F2FFB779-270B-4192-84BA-A697F48306DC}" type="datetimeFigureOut">
+          <a:lstStyle>
+            <a:lvl1pPr>
+              <a:defRPr>
+                <a:solidFill>
+                  <a:schemeClr val="tx2"/>
+                </a:solidFill>
+              </a:defRPr>
+            </a:lvl1pPr>
+          </a:lstStyle>
+          <a:p>
+            <a:fld id="{612C3213-C297-42A5-AE82-C1078B1DCE5C}" type="datetimeFigureOut">
               <a:rPr lang="ru-RU" smtClean="0"/>
-              <a:t>07.11.2021</a:t>
+              <a:t>14.11.2021</a:t>
             </a:fld>
             <a:endParaRPr lang="ru-RU"/>
           </a:p>
@@ -2348,7 +3062,7 @@
       </p:sp>
       <p:sp>
         <p:nvSpPr>
-          <p:cNvPr id="6" name="Нижний колонтитул 5"/>
+          <p:cNvPr id="6" name="Footer Placeholder 5"/>
           <p:cNvSpPr>
             <a:spLocks noGrp="1"/>
           </p:cNvSpPr>
@@ -2356,10 +3070,23 @@
             <p:ph type="ftr" sz="quarter" idx="11"/>
           </p:nvPr>
         </p:nvSpPr>
-        <p:spPr/>
+        <p:spPr>
+          <a:xfrm>
+            <a:off x="2205945" y="6453386"/>
+            <a:ext cx="2373675" cy="404614"/>
+          </a:xfrm>
+        </p:spPr>
         <p:txBody>
           <a:bodyPr/>
-          <a:lstStyle/>
+          <a:lstStyle>
+            <a:lvl1pPr>
+              <a:defRPr>
+                <a:solidFill>
+                  <a:schemeClr val="tx2"/>
+                </a:solidFill>
+              </a:defRPr>
+            </a:lvl1pPr>
+          </a:lstStyle>
           <a:p>
             <a:endParaRPr lang="ru-RU"/>
           </a:p>
@@ -2367,7 +3094,7 @@
       </p:sp>
       <p:sp>
         <p:nvSpPr>
-          <p:cNvPr id="7" name="Номер слайда 6"/>
+          <p:cNvPr id="7" name="Slide Number Placeholder 6"/>
           <p:cNvSpPr>
             <a:spLocks noGrp="1"/>
           </p:cNvSpPr>
@@ -2375,12 +3102,25 @@
             <p:ph type="sldNum" sz="quarter" idx="12"/>
           </p:nvPr>
         </p:nvSpPr>
-        <p:spPr/>
+        <p:spPr>
+          <a:xfrm>
+            <a:off x="9883140" y="6453386"/>
+            <a:ext cx="1596292" cy="404614"/>
+          </a:xfrm>
+        </p:spPr>
         <p:txBody>
           <a:bodyPr/>
-          <a:lstStyle/>
-          <a:p>
-            <a:fld id="{285DC19C-03DA-4066-9FF7-D0BF1BC6D6F6}" type="slidenum">
+          <a:lstStyle>
+            <a:lvl1pPr>
+              <a:defRPr>
+                <a:solidFill>
+                  <a:schemeClr val="tx2"/>
+                </a:solidFill>
+              </a:defRPr>
+            </a:lvl1pPr>
+          </a:lstStyle>
+          <a:p>
+            <a:fld id="{DE2AB276-8B7F-468B-9919-2D8574F25F5F}" type="slidenum">
               <a:rPr lang="ru-RU" smtClean="0"/>
               <a:t>‹#›</a:t>
             </a:fld>
@@ -2388,10 +3128,48 @@
           </a:p>
         </p:txBody>
       </p:sp>
+      <p:sp>
+        <p:nvSpPr>
+          <p:cNvPr id="9" name="Rectangle 8" title="Divider Bar"/>
+          <p:cNvSpPr/>
+          <p:nvPr/>
+        </p:nvSpPr>
+        <p:spPr>
+          <a:xfrm>
+            <a:off x="5303520" y="376"/>
+            <a:ext cx="228600" cy="6858000"/>
+          </a:xfrm>
+          <a:prstGeom prst="rect">
+            <a:avLst/>
+          </a:prstGeom>
+          <a:solidFill>
+            <a:schemeClr val="tx2"/>
+          </a:solidFill>
+          <a:ln>
+            <a:noFill/>
+          </a:ln>
+        </p:spPr>
+        <p:style>
+          <a:lnRef idx="2">
+            <a:schemeClr val="accent1">
+              <a:shade val="50000"/>
+            </a:schemeClr>
+          </a:lnRef>
+          <a:fillRef idx="1">
+            <a:schemeClr val="accent1"/>
+          </a:fillRef>
+          <a:effectRef idx="0">
+            <a:schemeClr val="accent1"/>
+          </a:effectRef>
+          <a:fontRef idx="minor">
+            <a:schemeClr val="lt1"/>
+          </a:fontRef>
+        </p:style>
+      </p:sp>
     </p:spTree>
     <p:extLst>
       <p:ext uri="{BB962C8B-B14F-4D97-AF65-F5344CB8AC3E}">
-        <p14:creationId xmlns:p14="http://schemas.microsoft.com/office/powerpoint/2010/main" val="2134169247"/>
+        <p14:creationId xmlns:p14="http://schemas.microsoft.com/office/powerpoint/2010/main" val="3580327416"/>
       </p:ext>
     </p:extLst>
   </p:cSld>
@@ -2405,9 +3183,12 @@
 <p:sldMaster xmlns:a="http://schemas.openxmlformats.org/drawingml/2006/main" xmlns:r="http://schemas.openxmlformats.org/officeDocument/2006/relationships" xmlns:p="http://schemas.openxmlformats.org/presentationml/2006/main">
   <p:cSld>
     <p:bg>
-      <p:bgRef idx="1001">
-        <a:schemeClr val="bg1"/>
-      </p:bgRef>
+      <p:bgPr>
+        <a:solidFill>
+          <a:schemeClr val="bg2"/>
+        </a:solidFill>
+        <a:effectLst/>
+      </p:bgPr>
     </p:bg>
     <p:spTree>
       <p:nvGrpSpPr>
@@ -2425,7 +3206,7 @@
       </p:grpSpPr>
       <p:sp>
         <p:nvSpPr>
-          <p:cNvPr id="2" name="Заголовок 1"/>
+          <p:cNvPr id="2" name="Title Placeholder 1"/>
           <p:cNvSpPr>
             <a:spLocks noGrp="1"/>
           </p:cNvSpPr>
@@ -2435,15 +3216,15 @@
         </p:nvSpPr>
         <p:spPr>
           <a:xfrm>
-            <a:off x="838200" y="365125"/>
-            <a:ext cx="10515600" cy="1325563"/>
+            <a:off x="1371600" y="685800"/>
+            <a:ext cx="9601200" cy="1485900"/>
           </a:xfrm>
           <a:prstGeom prst="rect">
             <a:avLst/>
           </a:prstGeom>
         </p:spPr>
         <p:txBody>
-          <a:bodyPr vert="horz" lIns="91440" tIns="45720" rIns="91440" bIns="45720" rtlCol="0" anchor="ctr">
+          <a:bodyPr vert="horz" lIns="91440" tIns="45720" rIns="91440" bIns="45720" rtlCol="0" anchor="t">
             <a:normAutofit/>
           </a:bodyPr>
           <a:lstStyle/>
@@ -2452,12 +3233,13 @@
               <a:rPr lang="ru-RU"/>
               <a:t>Образец заголовка</a:t>
             </a:r>
-          </a:p>
-        </p:txBody>
-      </p:sp>
-      <p:sp>
-        <p:nvSpPr>
-          <p:cNvPr id="3" name="Текст 2"/>
+            <a:endParaRPr lang="en-US" dirty="0"/>
+          </a:p>
+        </p:txBody>
+      </p:sp>
+      <p:sp>
+        <p:nvSpPr>
+          <p:cNvPr id="3" name="Text Placeholder 2"/>
           <p:cNvSpPr>
             <a:spLocks noGrp="1"/>
           </p:cNvSpPr>
@@ -2467,8 +3249,8 @@
         </p:nvSpPr>
         <p:spPr>
           <a:xfrm>
-            <a:off x="838200" y="1825625"/>
-            <a:ext cx="10515600" cy="4351338"/>
+            <a:off x="1371600" y="2286000"/>
+            <a:ext cx="9601200" cy="3581400"/>
           </a:xfrm>
           <a:prstGeom prst="rect">
             <a:avLst/>
@@ -2513,12 +3295,13 @@
               <a:rPr lang="ru-RU"/>
               <a:t>Пятый уровень</a:t>
             </a:r>
-          </a:p>
-        </p:txBody>
-      </p:sp>
-      <p:sp>
-        <p:nvSpPr>
-          <p:cNvPr id="4" name="Дата 3"/>
+            <a:endParaRPr lang="en-US" dirty="0"/>
+          </a:p>
+        </p:txBody>
+      </p:sp>
+      <p:sp>
+        <p:nvSpPr>
+          <p:cNvPr id="4" name="Date Placeholder 3"/>
           <p:cNvSpPr>
             <a:spLocks noGrp="1"/>
           </p:cNvSpPr>
@@ -2528,8 +3311,8 @@
         </p:nvSpPr>
         <p:spPr>
           <a:xfrm>
-            <a:off x="838200" y="6356350"/>
-            <a:ext cx="2743200" cy="365125"/>
+            <a:off x="1390650" y="6453386"/>
+            <a:ext cx="1204572" cy="404614"/>
           </a:xfrm>
           <a:prstGeom prst="rect">
             <a:avLst/>
@@ -2539,19 +3322,17 @@
           <a:bodyPr vert="horz" lIns="91440" tIns="45720" rIns="91440" bIns="45720" rtlCol="0" anchor="ctr"/>
           <a:lstStyle>
             <a:lvl1pPr algn="l">
-              <a:defRPr sz="1200">
-                <a:solidFill>
-                  <a:schemeClr val="tx1">
-                    <a:tint val="75000"/>
-                  </a:schemeClr>
+              <a:defRPr sz="1200" baseline="0">
+                <a:solidFill>
+                  <a:schemeClr val="tx2"/>
                 </a:solidFill>
               </a:defRPr>
             </a:lvl1pPr>
           </a:lstStyle>
           <a:p>
-            <a:fld id="{F2FFB779-270B-4192-84BA-A697F48306DC}" type="datetimeFigureOut">
+            <a:fld id="{612C3213-C297-42A5-AE82-C1078B1DCE5C}" type="datetimeFigureOut">
               <a:rPr lang="ru-RU" smtClean="0"/>
-              <a:t>07.11.2021</a:t>
+              <a:t>14.11.2021</a:t>
             </a:fld>
             <a:endParaRPr lang="ru-RU"/>
           </a:p>
@@ -2559,7 +3340,7 @@
       </p:sp>
       <p:sp>
         <p:nvSpPr>
-          <p:cNvPr id="5" name="Нижний колонтитул 4"/>
+          <p:cNvPr id="5" name="Footer Placeholder 4"/>
           <p:cNvSpPr>
             <a:spLocks noGrp="1"/>
           </p:cNvSpPr>
@@ -2569,8 +3350,8 @@
         </p:nvSpPr>
         <p:spPr>
           <a:xfrm>
-            <a:off x="4038600" y="6356350"/>
-            <a:ext cx="4114800" cy="365125"/>
+            <a:off x="2893564" y="6453386"/>
+            <a:ext cx="6280830" cy="404614"/>
           </a:xfrm>
           <a:prstGeom prst="rect">
             <a:avLst/>
@@ -2579,12 +3360,10 @@
         <p:txBody>
           <a:bodyPr vert="horz" lIns="91440" tIns="45720" rIns="91440" bIns="45720" rtlCol="0" anchor="ctr"/>
           <a:lstStyle>
-            <a:lvl1pPr algn="ctr">
-              <a:defRPr sz="1200">
-                <a:solidFill>
-                  <a:schemeClr val="tx1">
-                    <a:tint val="75000"/>
-                  </a:schemeClr>
+            <a:lvl1pPr algn="l">
+              <a:defRPr sz="1200" baseline="0">
+                <a:solidFill>
+                  <a:schemeClr val="tx2"/>
                 </a:solidFill>
               </a:defRPr>
             </a:lvl1pPr>
@@ -2596,7 +3375,7 @@
       </p:sp>
       <p:sp>
         <p:nvSpPr>
-          <p:cNvPr id="6" name="Номер слайда 5"/>
+          <p:cNvPr id="6" name="Slide Number Placeholder 5"/>
           <p:cNvSpPr>
             <a:spLocks noGrp="1"/>
           </p:cNvSpPr>
@@ -2606,8 +3385,8 @@
         </p:nvSpPr>
         <p:spPr>
           <a:xfrm>
-            <a:off x="8610600" y="6356350"/>
-            <a:ext cx="2743200" cy="365125"/>
+            <a:off x="9472736" y="6453386"/>
+            <a:ext cx="1596292" cy="404614"/>
           </a:xfrm>
           <a:prstGeom prst="rect">
             <a:avLst/>
@@ -2617,17 +3396,15 @@
           <a:bodyPr vert="horz" lIns="91440" tIns="45720" rIns="91440" bIns="45720" rtlCol="0" anchor="ctr"/>
           <a:lstStyle>
             <a:lvl1pPr algn="r">
-              <a:defRPr sz="1200">
-                <a:solidFill>
-                  <a:schemeClr val="tx1">
-                    <a:tint val="75000"/>
-                  </a:schemeClr>
+              <a:defRPr sz="1200" baseline="0">
+                <a:solidFill>
+                  <a:schemeClr val="tx2"/>
                 </a:solidFill>
               </a:defRPr>
             </a:lvl1pPr>
           </a:lstStyle>
           <a:p>
-            <a:fld id="{285DC19C-03DA-4066-9FF7-D0BF1BC6D6F6}" type="slidenum">
+            <a:fld id="{DE2AB276-8B7F-468B-9919-2D8574F25F5F}" type="slidenum">
               <a:rPr lang="ru-RU" smtClean="0"/>
               <a:t>‹#›</a:t>
             </a:fld>
@@ -2635,40 +3412,78 @@
           </a:p>
         </p:txBody>
       </p:sp>
+      <p:sp>
+        <p:nvSpPr>
+          <p:cNvPr id="9" name="Rectangle 8" title="Side bar"/>
+          <p:cNvSpPr/>
+          <p:nvPr/>
+        </p:nvSpPr>
+        <p:spPr>
+          <a:xfrm>
+            <a:off x="478095" y="376"/>
+            <a:ext cx="228600" cy="6858000"/>
+          </a:xfrm>
+          <a:prstGeom prst="rect">
+            <a:avLst/>
+          </a:prstGeom>
+          <a:solidFill>
+            <a:schemeClr val="tx2"/>
+          </a:solidFill>
+          <a:ln>
+            <a:noFill/>
+          </a:ln>
+        </p:spPr>
+        <p:style>
+          <a:lnRef idx="2">
+            <a:schemeClr val="accent1">
+              <a:shade val="50000"/>
+            </a:schemeClr>
+          </a:lnRef>
+          <a:fillRef idx="1">
+            <a:schemeClr val="accent1"/>
+          </a:fillRef>
+          <a:effectRef idx="0">
+            <a:schemeClr val="accent1"/>
+          </a:effectRef>
+          <a:fontRef idx="minor">
+            <a:schemeClr val="lt1"/>
+          </a:fontRef>
+        </p:style>
+      </p:sp>
     </p:spTree>
     <p:extLst>
       <p:ext uri="{BB962C8B-B14F-4D97-AF65-F5344CB8AC3E}">
-        <p14:creationId xmlns:p14="http://schemas.microsoft.com/office/powerpoint/2010/main" val="3154979492"/>
+        <p14:creationId xmlns:p14="http://schemas.microsoft.com/office/powerpoint/2010/main" val="2391056292"/>
       </p:ext>
     </p:extLst>
   </p:cSld>
   <p:clrMap bg1="lt1" tx1="dk1" bg2="lt2" tx2="dk2" accent1="accent1" accent2="accent2" accent3="accent3" accent4="accent4" accent5="accent5" accent6="accent6" hlink="hlink" folHlink="folHlink"/>
   <p:sldLayoutIdLst>
-    <p:sldLayoutId id="2147483649" r:id="rId1"/>
-    <p:sldLayoutId id="2147483650" r:id="rId2"/>
-    <p:sldLayoutId id="2147483651" r:id="rId3"/>
-    <p:sldLayoutId id="2147483652" r:id="rId4"/>
-    <p:sldLayoutId id="2147483653" r:id="rId5"/>
-    <p:sldLayoutId id="2147483654" r:id="rId6"/>
-    <p:sldLayoutId id="2147483655" r:id="rId7"/>
-    <p:sldLayoutId id="2147483656" r:id="rId8"/>
-    <p:sldLayoutId id="2147483657" r:id="rId9"/>
-    <p:sldLayoutId id="2147483658" r:id="rId10"/>
-    <p:sldLayoutId id="2147483659" r:id="rId11"/>
+    <p:sldLayoutId id="2147483661" r:id="rId1"/>
+    <p:sldLayoutId id="2147483662" r:id="rId2"/>
+    <p:sldLayoutId id="2147483663" r:id="rId3"/>
+    <p:sldLayoutId id="2147483664" r:id="rId4"/>
+    <p:sldLayoutId id="2147483665" r:id="rId5"/>
+    <p:sldLayoutId id="2147483666" r:id="rId6"/>
+    <p:sldLayoutId id="2147483667" r:id="rId7"/>
+    <p:sldLayoutId id="2147483668" r:id="rId8"/>
+    <p:sldLayoutId id="2147483669" r:id="rId9"/>
+    <p:sldLayoutId id="2147483670" r:id="rId10"/>
+    <p:sldLayoutId id="2147483671" r:id="rId11"/>
   </p:sldLayoutIdLst>
   <p:txStyles>
     <p:titleStyle>
       <a:lvl1pPr algn="l" defTabSz="914400" rtl="0" eaLnBrk="1" latinLnBrk="0" hangingPunct="1">
         <a:lnSpc>
-          <a:spcPct val="90000"/>
+          <a:spcPct val="89000"/>
         </a:lnSpc>
         <a:spcBef>
           <a:spcPct val="0"/>
         </a:spcBef>
         <a:buNone/>
-        <a:defRPr sz="4400" kern="1200">
+        <a:defRPr sz="4400" kern="1200" baseline="0">
           <a:solidFill>
-            <a:schemeClr val="tx1"/>
+            <a:schemeClr val="tx2"/>
           </a:solidFill>
           <a:latin typeface="+mj-lt"/>
           <a:ea typeface="+mj-ea"/>
@@ -2677,162 +3492,189 @@
       </a:lvl1pPr>
     </p:titleStyle>
     <p:bodyStyle>
-      <a:lvl1pPr marL="228600" indent="-228600" algn="l" defTabSz="914400" rtl="0" eaLnBrk="1" latinLnBrk="0" hangingPunct="1">
+      <a:lvl1pPr marL="384048" indent="-384048" algn="l" defTabSz="914400" rtl="0" eaLnBrk="1" latinLnBrk="0" hangingPunct="1">
         <a:lnSpc>
-          <a:spcPct val="90000"/>
+          <a:spcPct val="94000"/>
         </a:lnSpc>
         <a:spcBef>
           <a:spcPts val="1000"/>
         </a:spcBef>
-        <a:buFont typeface="Arial" panose="020B0604020202020204" pitchFamily="34" charset="0"/>
-        <a:buChar char="•"/>
-        <a:defRPr sz="2800" kern="1200">
+        <a:spcAft>
+          <a:spcPts val="200"/>
+        </a:spcAft>
+        <a:buFont typeface="Franklin Gothic Book" panose="020B0503020102020204" pitchFamily="34" charset="0"/>
+        <a:buChar char="■"/>
+        <a:defRPr sz="2000" kern="1200" baseline="0">
           <a:solidFill>
-            <a:schemeClr val="tx1"/>
+            <a:schemeClr val="tx2"/>
           </a:solidFill>
           <a:latin typeface="+mn-lt"/>
           <a:ea typeface="+mn-ea"/>
           <a:cs typeface="+mn-cs"/>
         </a:defRPr>
       </a:lvl1pPr>
-      <a:lvl2pPr marL="685800" indent="-228600" algn="l" defTabSz="914400" rtl="0" eaLnBrk="1" latinLnBrk="0" hangingPunct="1">
+      <a:lvl2pPr marL="914400" indent="-384048" algn="l" defTabSz="914400" rtl="0" eaLnBrk="1" latinLnBrk="0" hangingPunct="1">
         <a:lnSpc>
-          <a:spcPct val="90000"/>
+          <a:spcPct val="94000"/>
         </a:lnSpc>
         <a:spcBef>
           <a:spcPts val="500"/>
         </a:spcBef>
-        <a:buFont typeface="Arial" panose="020B0604020202020204" pitchFamily="34" charset="0"/>
-        <a:buChar char="•"/>
-        <a:defRPr sz="2400" kern="1200">
+        <a:spcAft>
+          <a:spcPts val="200"/>
+        </a:spcAft>
+        <a:buFont typeface="Franklin Gothic Book" panose="020B0503020102020204" pitchFamily="34" charset="0"/>
+        <a:buChar char="–"/>
+        <a:defRPr sz="2000" i="1" kern="1200" baseline="0">
           <a:solidFill>
-            <a:schemeClr val="tx1"/>
+            <a:schemeClr val="tx2"/>
           </a:solidFill>
           <a:latin typeface="+mn-lt"/>
           <a:ea typeface="+mn-ea"/>
           <a:cs typeface="+mn-cs"/>
         </a:defRPr>
       </a:lvl2pPr>
-      <a:lvl3pPr marL="1143000" indent="-228600" algn="l" defTabSz="914400" rtl="0" eaLnBrk="1" latinLnBrk="0" hangingPunct="1">
+      <a:lvl3pPr marL="1371600" indent="-384048" algn="l" defTabSz="914400" rtl="0" eaLnBrk="1" latinLnBrk="0" hangingPunct="1">
         <a:lnSpc>
-          <a:spcPct val="90000"/>
+          <a:spcPct val="94000"/>
         </a:lnSpc>
         <a:spcBef>
           <a:spcPts val="500"/>
         </a:spcBef>
-        <a:buFont typeface="Arial" panose="020B0604020202020204" pitchFamily="34" charset="0"/>
-        <a:buChar char="•"/>
-        <a:defRPr sz="2000" kern="1200">
+        <a:spcAft>
+          <a:spcPts val="200"/>
+        </a:spcAft>
+        <a:buFont typeface="Franklin Gothic Book" panose="020B0503020102020204" pitchFamily="34" charset="0"/>
+        <a:buChar char="■"/>
+        <a:defRPr sz="1800" kern="1200" baseline="0">
           <a:solidFill>
-            <a:schemeClr val="tx1"/>
+            <a:schemeClr val="tx2"/>
           </a:solidFill>
           <a:latin typeface="+mn-lt"/>
           <a:ea typeface="+mn-ea"/>
           <a:cs typeface="+mn-cs"/>
         </a:defRPr>
       </a:lvl3pPr>
-      <a:lvl4pPr marL="1600200" indent="-228600" algn="l" defTabSz="914400" rtl="0" eaLnBrk="1" latinLnBrk="0" hangingPunct="1">
+      <a:lvl4pPr marL="1828800" indent="-384048" algn="l" defTabSz="914400" rtl="0" eaLnBrk="1" latinLnBrk="0" hangingPunct="1">
         <a:lnSpc>
-          <a:spcPct val="90000"/>
+          <a:spcPct val="94000"/>
         </a:lnSpc>
         <a:spcBef>
           <a:spcPts val="500"/>
         </a:spcBef>
-        <a:buFont typeface="Arial" panose="020B0604020202020204" pitchFamily="34" charset="0"/>
-        <a:buChar char="•"/>
-        <a:defRPr sz="1800" kern="1200">
+        <a:spcAft>
+          <a:spcPts val="200"/>
+        </a:spcAft>
+        <a:buFont typeface="Franklin Gothic Book" panose="020B0503020102020204" pitchFamily="34" charset="0"/>
+        <a:buChar char="–"/>
+        <a:defRPr sz="1800" i="1" kern="1200" baseline="0">
           <a:solidFill>
-            <a:schemeClr val="tx1"/>
+            <a:schemeClr val="tx2"/>
           </a:solidFill>
           <a:latin typeface="+mn-lt"/>
           <a:ea typeface="+mn-ea"/>
           <a:cs typeface="+mn-cs"/>
         </a:defRPr>
       </a:lvl4pPr>
-      <a:lvl5pPr marL="2057400" indent="-228600" algn="l" defTabSz="914400" rtl="0" eaLnBrk="1" latinLnBrk="0" hangingPunct="1">
+      <a:lvl5pPr marL="2286000" indent="-384048" algn="l" defTabSz="914400" rtl="0" eaLnBrk="1" latinLnBrk="0" hangingPunct="1">
         <a:lnSpc>
-          <a:spcPct val="90000"/>
+          <a:spcPct val="94000"/>
         </a:lnSpc>
         <a:spcBef>
           <a:spcPts val="500"/>
         </a:spcBef>
-        <a:buFont typeface="Arial" panose="020B0604020202020204" pitchFamily="34" charset="0"/>
-        <a:buChar char="•"/>
-        <a:defRPr sz="1800" kern="1200">
+        <a:spcAft>
+          <a:spcPts val="200"/>
+        </a:spcAft>
+        <a:buFont typeface="Franklin Gothic Book" panose="020B0503020102020204" pitchFamily="34" charset="0"/>
+        <a:buChar char="■"/>
+        <a:defRPr sz="1600" kern="1200" baseline="0">
           <a:solidFill>
-            <a:schemeClr val="tx1"/>
+            <a:schemeClr val="tx2"/>
           </a:solidFill>
           <a:latin typeface="+mn-lt"/>
           <a:ea typeface="+mn-ea"/>
           <a:cs typeface="+mn-cs"/>
         </a:defRPr>
       </a:lvl5pPr>
-      <a:lvl6pPr marL="2514600" indent="-228600" algn="l" defTabSz="914400" rtl="0" eaLnBrk="1" latinLnBrk="0" hangingPunct="1">
+      <a:lvl6pPr marL="2743200" indent="-384048" algn="l" defTabSz="914400" rtl="0" eaLnBrk="1" latinLnBrk="0" hangingPunct="1">
         <a:lnSpc>
-          <a:spcPct val="90000"/>
+          <a:spcPct val="94000"/>
         </a:lnSpc>
         <a:spcBef>
           <a:spcPts val="500"/>
         </a:spcBef>
-        <a:buFont typeface="Arial" panose="020B0604020202020204" pitchFamily="34" charset="0"/>
-        <a:buChar char="•"/>
-        <a:defRPr sz="1800" kern="1200">
+        <a:spcAft>
+          <a:spcPts val="200"/>
+        </a:spcAft>
+        <a:buFont typeface="Franklin Gothic Book" panose="020B0503020102020204" pitchFamily="34" charset="0"/>
+        <a:buChar char="–"/>
+        <a:defRPr sz="1600" i="1" kern="1200" baseline="0">
           <a:solidFill>
-            <a:schemeClr val="tx1"/>
+            <a:schemeClr val="tx2"/>
           </a:solidFill>
           <a:latin typeface="+mn-lt"/>
           <a:ea typeface="+mn-ea"/>
           <a:cs typeface="+mn-cs"/>
         </a:defRPr>
       </a:lvl6pPr>
-      <a:lvl7pPr marL="2971800" indent="-228600" algn="l" defTabSz="914400" rtl="0" eaLnBrk="1" latinLnBrk="0" hangingPunct="1">
+      <a:lvl7pPr marL="3200400" indent="-384048" algn="l" defTabSz="914400" rtl="0" eaLnBrk="1" latinLnBrk="0" hangingPunct="1">
         <a:lnSpc>
-          <a:spcPct val="90000"/>
+          <a:spcPct val="94000"/>
         </a:lnSpc>
         <a:spcBef>
           <a:spcPts val="500"/>
         </a:spcBef>
-        <a:buFont typeface="Arial" panose="020B0604020202020204" pitchFamily="34" charset="0"/>
-        <a:buChar char="•"/>
-        <a:defRPr sz="1800" kern="1200">
+        <a:spcAft>
+          <a:spcPts val="200"/>
+        </a:spcAft>
+        <a:buFont typeface="Franklin Gothic Book" panose="020B0503020102020204" pitchFamily="34" charset="0"/>
+        <a:buChar char="■"/>
+        <a:defRPr sz="1400" kern="1200" baseline="0">
           <a:solidFill>
-            <a:schemeClr val="tx1"/>
+            <a:schemeClr val="tx2"/>
           </a:solidFill>
           <a:latin typeface="+mn-lt"/>
           <a:ea typeface="+mn-ea"/>
           <a:cs typeface="+mn-cs"/>
         </a:defRPr>
       </a:lvl7pPr>
-      <a:lvl8pPr marL="3429000" indent="-228600" algn="l" defTabSz="914400" rtl="0" eaLnBrk="1" latinLnBrk="0" hangingPunct="1">
+      <a:lvl8pPr marL="3657600" indent="-384048" algn="l" defTabSz="914400" rtl="0" eaLnBrk="1" latinLnBrk="0" hangingPunct="1">
         <a:lnSpc>
-          <a:spcPct val="90000"/>
+          <a:spcPct val="94000"/>
         </a:lnSpc>
         <a:spcBef>
           <a:spcPts val="500"/>
         </a:spcBef>
-        <a:buFont typeface="Arial" panose="020B0604020202020204" pitchFamily="34" charset="0"/>
-        <a:buChar char="•"/>
-        <a:defRPr sz="1800" kern="1200">
+        <a:spcAft>
+          <a:spcPts val="200"/>
+        </a:spcAft>
+        <a:buFont typeface="Franklin Gothic Book" panose="020B0503020102020204" pitchFamily="34" charset="0"/>
+        <a:buChar char="–"/>
+        <a:defRPr sz="1400" i="1" kern="1200" baseline="0">
           <a:solidFill>
-            <a:schemeClr val="tx1"/>
+            <a:schemeClr val="tx2"/>
           </a:solidFill>
           <a:latin typeface="+mn-lt"/>
           <a:ea typeface="+mn-ea"/>
           <a:cs typeface="+mn-cs"/>
         </a:defRPr>
       </a:lvl8pPr>
-      <a:lvl9pPr marL="3886200" indent="-228600" algn="l" defTabSz="914400" rtl="0" eaLnBrk="1" latinLnBrk="0" hangingPunct="1">
+      <a:lvl9pPr marL="4114800" indent="-384048" algn="l" defTabSz="914400" rtl="0" eaLnBrk="1" latinLnBrk="0" hangingPunct="1">
         <a:lnSpc>
-          <a:spcPct val="90000"/>
+          <a:spcPct val="94000"/>
         </a:lnSpc>
         <a:spcBef>
           <a:spcPts val="500"/>
         </a:spcBef>
-        <a:buFont typeface="Arial" panose="020B0604020202020204" pitchFamily="34" charset="0"/>
-        <a:buChar char="•"/>
-        <a:defRPr sz="1800" kern="1200">
+        <a:spcAft>
+          <a:spcPts val="200"/>
+        </a:spcAft>
+        <a:buFont typeface="Franklin Gothic Book" panose="020B0503020102020204" pitchFamily="34" charset="0"/>
+        <a:buChar char="■"/>
+        <a:defRPr sz="1400" kern="1200" baseline="0">
           <a:solidFill>
-            <a:schemeClr val="tx1"/>
+            <a:schemeClr val="tx2"/>
           </a:solidFill>
           <a:latin typeface="+mn-lt"/>
           <a:ea typeface="+mn-ea"/>
@@ -2842,7 +3684,7 @@
     </p:bodyStyle>
     <p:otherStyle>
       <a:defPPr>
-        <a:defRPr lang="ru-RU"/>
+        <a:defRPr lang="en-US"/>
       </a:defPPr>
       <a:lvl1pPr marL="0" algn="l" defTabSz="914400" rtl="0" eaLnBrk="1" latinLnBrk="0" hangingPunct="1">
         <a:defRPr sz="1800" kern="1200">
@@ -2936,6 +3778,52 @@
       </a:lvl9pPr>
     </p:otherStyle>
   </p:txStyles>
+  <p:extLst>
+    <p:ext uri="{27BBF7A9-308A-43DC-89C8-2F10F3537804}">
+      <p15:sldGuideLst xmlns:p15="http://schemas.microsoft.com/office/powerpoint/2012/main">
+        <p15:guide id="3" orient="horz" pos="1368">
+          <p15:clr>
+            <a:srgbClr val="F26B43"/>
+          </p15:clr>
+        </p15:guide>
+        <p15:guide id="4" orient="horz" pos="1440">
+          <p15:clr>
+            <a:srgbClr val="F26B43"/>
+          </p15:clr>
+        </p15:guide>
+        <p15:guide id="6" orient="horz" pos="3696">
+          <p15:clr>
+            <a:srgbClr val="F26B43"/>
+          </p15:clr>
+        </p15:guide>
+        <p15:guide id="7" orient="horz" pos="432">
+          <p15:clr>
+            <a:srgbClr val="F26B43"/>
+          </p15:clr>
+        </p15:guide>
+        <p15:guide id="8" orient="horz" pos="1512">
+          <p15:clr>
+            <a:srgbClr val="F26B43"/>
+          </p15:clr>
+        </p15:guide>
+        <p15:guide id="9" pos="6912">
+          <p15:clr>
+            <a:srgbClr val="F26B43"/>
+          </p15:clr>
+        </p15:guide>
+        <p15:guide id="10" pos="936">
+          <p15:clr>
+            <a:srgbClr val="F26B43"/>
+          </p15:clr>
+        </p15:guide>
+        <p15:guide id="11" pos="864">
+          <p15:clr>
+            <a:srgbClr val="F26B43"/>
+          </p15:clr>
+        </p15:guide>
+      </p15:sldGuideLst>
+    </p:ext>
+  </p:extLst>
 </p:sldMaster>
 </file>
 
@@ -2958,7 +3846,13 @@
       </p:grpSpPr>
       <p:sp>
         <p:nvSpPr>
-          <p:cNvPr id="2" name="Заголовок 1"/>
+          <p:cNvPr id="2" name="Заголовок 1">
+            <a:extLst>
+              <a:ext uri="{FF2B5EF4-FFF2-40B4-BE49-F238E27FC236}">
+                <a16:creationId xmlns:a16="http://schemas.microsoft.com/office/drawing/2014/main" id="{C6003581-2BA5-498C-AECF-6DED03B31E1E}"/>
+              </a:ext>
+            </a:extLst>
+          </p:cNvPr>
           <p:cNvSpPr>
             <a:spLocks noGrp="1"/>
           </p:cNvSpPr>
@@ -2974,18 +3868,21 @@
           <a:lstStyle/>
           <a:p>
             <a:r>
-              <a:rPr lang="ru-RU" dirty="0">
-                <a:cs typeface="Calibri Light"/>
-              </a:rPr>
+              <a:rPr lang="ru-RU" dirty="0"/>
               <a:t>Моделирование тела брошенного под углом к горизонту</a:t>
             </a:r>
-            <a:endParaRPr lang="ru-RU" dirty="0"/>
-          </a:p>
-        </p:txBody>
-      </p:sp>
-      <p:sp>
-        <p:nvSpPr>
-          <p:cNvPr id="3" name="Подзаголовок 2"/>
+          </a:p>
+        </p:txBody>
+      </p:sp>
+      <p:sp>
+        <p:nvSpPr>
+          <p:cNvPr id="3" name="Подзаголовок 2">
+            <a:extLst>
+              <a:ext uri="{FF2B5EF4-FFF2-40B4-BE49-F238E27FC236}">
+                <a16:creationId xmlns:a16="http://schemas.microsoft.com/office/drawing/2014/main" id="{E26F9632-EF2D-4D02-9597-CD123624448B}"/>
+              </a:ext>
+            </a:extLst>
+          </p:cNvPr>
           <p:cNvSpPr>
             <a:spLocks noGrp="1"/>
           </p:cNvSpPr>
@@ -2995,37 +3892,1169 @@
         </p:nvSpPr>
         <p:spPr/>
         <p:txBody>
-          <a:bodyPr vert="horz" lIns="91440" tIns="45720" rIns="91440" bIns="45720" rtlCol="0" anchor="t">
+          <a:bodyPr/>
+          <a:lstStyle/>
+          <a:p>
+            <a:pPr algn="r"/>
+            <a:r>
+              <a:rPr lang="ru-RU" dirty="0"/>
+              <a:t>Автор: Шахнович Дмитрий Сергеевич</a:t>
+            </a:r>
+          </a:p>
+        </p:txBody>
+      </p:sp>
+    </p:spTree>
+    <p:extLst>
+      <p:ext uri="{BB962C8B-B14F-4D97-AF65-F5344CB8AC3E}">
+        <p14:creationId xmlns:p14="http://schemas.microsoft.com/office/powerpoint/2010/main" val="4002560490"/>
+      </p:ext>
+    </p:extLst>
+  </p:cSld>
+  <p:clrMapOvr>
+    <a:masterClrMapping/>
+  </p:clrMapOvr>
+</p:sld>
+</file>
+
+<file path=ppt/slides/slide2.xml><?xml version="1.0" encoding="utf-8"?>
+<p:sld xmlns:a="http://schemas.openxmlformats.org/drawingml/2006/main" xmlns:r="http://schemas.openxmlformats.org/officeDocument/2006/relationships" xmlns:p="http://schemas.openxmlformats.org/presentationml/2006/main">
+  <p:cSld>
+    <p:spTree>
+      <p:nvGrpSpPr>
+        <p:cNvPr id="1" name=""/>
+        <p:cNvGrpSpPr/>
+        <p:nvPr/>
+      </p:nvGrpSpPr>
+      <p:grpSpPr>
+        <a:xfrm>
+          <a:off x="0" y="0"/>
+          <a:ext cx="0" cy="0"/>
+          <a:chOff x="0" y="0"/>
+          <a:chExt cx="0" cy="0"/>
+        </a:xfrm>
+      </p:grpSpPr>
+      <p:sp>
+        <p:nvSpPr>
+          <p:cNvPr id="2" name="Заголовок 1">
+            <a:extLst>
+              <a:ext uri="{FF2B5EF4-FFF2-40B4-BE49-F238E27FC236}">
+                <a16:creationId xmlns:a16="http://schemas.microsoft.com/office/drawing/2014/main" id="{0F143396-B821-44E6-A2E3-C4B3E963FC8E}"/>
+              </a:ext>
+            </a:extLst>
+          </p:cNvPr>
+          <p:cNvSpPr>
+            <a:spLocks noGrp="1"/>
+          </p:cNvSpPr>
+          <p:nvPr>
+            <p:ph type="title"/>
+          </p:nvPr>
+        </p:nvSpPr>
+        <p:spPr/>
+        <p:txBody>
+          <a:bodyPr/>
+          <a:lstStyle/>
+          <a:p>
+            <a:r>
+              <a:rPr lang="ru-RU" dirty="0"/>
+              <a:t>Цели и задачи</a:t>
+            </a:r>
+          </a:p>
+        </p:txBody>
+      </p:sp>
+      <p:sp>
+        <p:nvSpPr>
+          <p:cNvPr id="3" name="Объект 2">
+            <a:extLst>
+              <a:ext uri="{FF2B5EF4-FFF2-40B4-BE49-F238E27FC236}">
+                <a16:creationId xmlns:a16="http://schemas.microsoft.com/office/drawing/2014/main" id="{C586F535-0794-4804-8718-52C0D8213F0B}"/>
+              </a:ext>
+            </a:extLst>
+          </p:cNvPr>
+          <p:cNvSpPr>
+            <a:spLocks noGrp="1"/>
+          </p:cNvSpPr>
+          <p:nvPr>
+            <p:ph idx="1"/>
+          </p:nvPr>
+        </p:nvSpPr>
+        <p:spPr/>
+        <p:txBody>
+          <a:bodyPr/>
+          <a:lstStyle/>
+          <a:p>
+            <a:pPr marL="0" indent="0">
+              <a:buNone/>
+            </a:pPr>
+            <a:r>
+              <a:rPr lang="ru-RU" dirty="0"/>
+              <a:t>Целью работы является написание программы с графическим интерфейсом для решения и визуализации задачи тела, брошенного под углом горизонту, для шарообразного тела.</a:t>
+            </a:r>
+          </a:p>
+          <a:p>
+            <a:pPr marL="0" indent="0">
+              <a:buNone/>
+            </a:pPr>
+            <a:r>
+              <a:rPr lang="ru-RU" dirty="0"/>
+              <a:t>Задачи:</a:t>
+            </a:r>
+          </a:p>
+          <a:p>
+            <a:r>
+              <a:rPr lang="ru-RU" dirty="0"/>
+              <a:t>Обобщение физического решения задачи</a:t>
+            </a:r>
+          </a:p>
+          <a:p>
+            <a:r>
+              <a:rPr lang="ru-RU" dirty="0"/>
+              <a:t>Реализация решения задачи на языке </a:t>
+            </a:r>
+            <a:r>
+              <a:rPr lang="en-US" dirty="0"/>
+              <a:t>Python </a:t>
+            </a:r>
+            <a:r>
+              <a:rPr lang="ru-RU" dirty="0"/>
+              <a:t>по заданным данным</a:t>
+            </a:r>
+          </a:p>
+          <a:p>
+            <a:r>
+              <a:rPr lang="ru-RU" dirty="0"/>
+              <a:t>Создание графического интерфейса</a:t>
+            </a:r>
+          </a:p>
+          <a:p>
+            <a:r>
+              <a:rPr lang="ru-RU" dirty="0"/>
+              <a:t>Объединение интерфейса и решения задачи в единый программный комплекс</a:t>
+            </a:r>
+          </a:p>
+        </p:txBody>
+      </p:sp>
+    </p:spTree>
+    <p:extLst>
+      <p:ext uri="{BB962C8B-B14F-4D97-AF65-F5344CB8AC3E}">
+        <p14:creationId xmlns:p14="http://schemas.microsoft.com/office/powerpoint/2010/main" val="365884108"/>
+      </p:ext>
+    </p:extLst>
+  </p:cSld>
+  <p:clrMapOvr>
+    <a:masterClrMapping/>
+  </p:clrMapOvr>
+</p:sld>
+</file>
+
+<file path=ppt/slides/slide3.xml><?xml version="1.0" encoding="utf-8"?>
+<p:sld xmlns:a="http://schemas.openxmlformats.org/drawingml/2006/main" xmlns:r="http://schemas.openxmlformats.org/officeDocument/2006/relationships" xmlns:p="http://schemas.openxmlformats.org/presentationml/2006/main">
+  <p:cSld>
+    <p:bg>
+      <p:bgPr>
+        <a:solidFill>
+          <a:schemeClr val="bg2"/>
+        </a:solidFill>
+        <a:effectLst/>
+      </p:bgPr>
+    </p:bg>
+    <p:spTree>
+      <p:nvGrpSpPr>
+        <p:cNvPr id="1" name=""/>
+        <p:cNvGrpSpPr/>
+        <p:nvPr/>
+      </p:nvGrpSpPr>
+      <p:grpSpPr>
+        <a:xfrm>
+          <a:off x="0" y="0"/>
+          <a:ext cx="0" cy="0"/>
+          <a:chOff x="0" y="0"/>
+          <a:chExt cx="0" cy="0"/>
+        </a:xfrm>
+      </p:grpSpPr>
+      <p:sp>
+        <p:nvSpPr>
+          <p:cNvPr id="71" name="Rectangle 70">
+            <a:extLst>
+              <a:ext uri="{FF2B5EF4-FFF2-40B4-BE49-F238E27FC236}">
+                <a16:creationId xmlns:a16="http://schemas.microsoft.com/office/drawing/2014/main" id="{2793B903-AB42-42A0-AE97-93D366679CA2}"/>
+              </a:ext>
+              <a:ext uri="{C183D7F6-B498-43B3-948B-1728B52AA6E4}">
+                <adec:decorative xmlns:adec="http://schemas.microsoft.com/office/drawing/2017/decorative" val="1"/>
+              </a:ext>
+            </a:extLst>
+          </p:cNvPr>
+          <p:cNvSpPr>
+            <a:spLocks noGrp="1" noRot="1" noChangeAspect="1" noMove="1" noResize="1" noEditPoints="1" noAdjustHandles="1" noChangeArrowheads="1" noChangeShapeType="1" noTextEdit="1"/>
+          </p:cNvSpPr>
+          <p:nvPr>
+            <p:extLst>
+              <p:ext uri="{386F3935-93C4-4BCD-93E2-E3B085C9AB24}">
+                <p16:designElem xmlns:p16="http://schemas.microsoft.com/office/powerpoint/2015/main" val="1"/>
+              </p:ext>
+            </p:extLst>
+          </p:nvPr>
+        </p:nvSpPr>
+        <p:spPr>
+          <a:xfrm>
+            <a:off x="478095" y="376"/>
+            <a:ext cx="228600" cy="6858000"/>
+          </a:xfrm>
+          <a:prstGeom prst="rect">
+            <a:avLst/>
+          </a:prstGeom>
+          <a:solidFill>
+            <a:schemeClr val="tx2"/>
+          </a:solidFill>
+          <a:ln>
+            <a:noFill/>
+          </a:ln>
+        </p:spPr>
+        <p:style>
+          <a:lnRef idx="2">
+            <a:schemeClr val="accent1">
+              <a:shade val="50000"/>
+            </a:schemeClr>
+          </a:lnRef>
+          <a:fillRef idx="1">
+            <a:schemeClr val="accent1"/>
+          </a:fillRef>
+          <a:effectRef idx="0">
+            <a:schemeClr val="accent1"/>
+          </a:effectRef>
+          <a:fontRef idx="minor">
+            <a:schemeClr val="lt1"/>
+          </a:fontRef>
+        </p:style>
+      </p:sp>
+      <p:sp useBgFill="1">
+        <p:nvSpPr>
+          <p:cNvPr id="73" name="Rectangle 72">
+            <a:extLst>
+              <a:ext uri="{FF2B5EF4-FFF2-40B4-BE49-F238E27FC236}">
+                <a16:creationId xmlns:a16="http://schemas.microsoft.com/office/drawing/2014/main" id="{1D868099-6145-4BC0-A5EA-74BEF1776BA9}"/>
+              </a:ext>
+              <a:ext uri="{C183D7F6-B498-43B3-948B-1728B52AA6E4}">
+                <adec:decorative xmlns:adec="http://schemas.microsoft.com/office/drawing/2017/decorative" val="1"/>
+              </a:ext>
+            </a:extLst>
+          </p:cNvPr>
+          <p:cNvSpPr>
+            <a:spLocks noGrp="1" noRot="1" noChangeAspect="1" noMove="1" noResize="1" noEditPoints="1" noAdjustHandles="1" noChangeArrowheads="1" noChangeShapeType="1" noTextEdit="1"/>
+          </p:cNvSpPr>
+          <p:nvPr>
+            <p:extLst>
+              <p:ext uri="{386F3935-93C4-4BCD-93E2-E3B085C9AB24}">
+                <p16:designElem xmlns:p16="http://schemas.microsoft.com/office/powerpoint/2015/main" val="1"/>
+              </p:ext>
+            </p:extLst>
+          </p:nvPr>
+        </p:nvSpPr>
+        <p:spPr>
+          <a:xfrm>
+            <a:off x="0" y="0"/>
+            <a:ext cx="12192000" cy="6858000"/>
+          </a:xfrm>
+          <a:prstGeom prst="rect">
+            <a:avLst/>
+          </a:prstGeom>
+          <a:ln>
+            <a:noFill/>
+          </a:ln>
+        </p:spPr>
+        <p:style>
+          <a:lnRef idx="2">
+            <a:schemeClr val="accent1">
+              <a:shade val="50000"/>
+            </a:schemeClr>
+          </a:lnRef>
+          <a:fillRef idx="1">
+            <a:schemeClr val="accent1"/>
+          </a:fillRef>
+          <a:effectRef idx="0">
+            <a:schemeClr val="accent1"/>
+          </a:effectRef>
+          <a:fontRef idx="minor">
+            <a:schemeClr val="lt1"/>
+          </a:fontRef>
+        </p:style>
+        <p:txBody>
+          <a:bodyPr rtlCol="0" anchor="ctr"/>
+          <a:lstStyle/>
+          <a:p>
+            <a:pPr algn="ctr"/>
+            <a:endParaRPr lang="en-US"/>
+          </a:p>
+        </p:txBody>
+      </p:sp>
+      <p:sp>
+        <p:nvSpPr>
+          <p:cNvPr id="2" name="Заголовок 1">
+            <a:extLst>
+              <a:ext uri="{FF2B5EF4-FFF2-40B4-BE49-F238E27FC236}">
+                <a16:creationId xmlns:a16="http://schemas.microsoft.com/office/drawing/2014/main" id="{D5AFB3E9-035A-4400-AB75-E371186E46C1}"/>
+              </a:ext>
+            </a:extLst>
+          </p:cNvPr>
+          <p:cNvSpPr>
+            <a:spLocks noGrp="1"/>
+          </p:cNvSpPr>
+          <p:nvPr>
+            <p:ph type="title"/>
+          </p:nvPr>
+        </p:nvSpPr>
+        <p:spPr>
+          <a:xfrm>
+            <a:off x="8471424" y="1110882"/>
+            <a:ext cx="3053039" cy="1060817"/>
+          </a:xfrm>
+        </p:spPr>
+        <p:txBody>
+          <a:bodyPr vert="horz" lIns="91440" tIns="45720" rIns="91440" bIns="45720" rtlCol="0" anchor="b">
             <a:normAutofit/>
           </a:bodyPr>
           <a:lstStyle/>
           <a:p>
             <a:r>
-              <a:rPr lang="ru-RU" dirty="0">
-                <a:cs typeface="Calibri"/>
-              </a:rPr>
-              <a:t>Сделано </a:t>
-            </a:r>
-            <a:r>
-              <a:rPr lang="ru-RU" dirty="0" err="1">
-                <a:cs typeface="Calibri"/>
-              </a:rPr>
-              <a:t>Шахновичем</a:t>
-            </a:r>
-            <a:r>
-              <a:rPr lang="ru-RU" dirty="0">
-                <a:cs typeface="Calibri"/>
-              </a:rPr>
-              <a:t> Дмитрием</a:t>
-            </a:r>
-            <a:endParaRPr lang="ru-RU" dirty="0"/>
-          </a:p>
-        </p:txBody>
+              <a:rPr lang="en-US" sz="2800" dirty="0" err="1"/>
+              <a:t>Постановка</a:t>
+            </a:r>
+            <a:r>
+              <a:rPr lang="en-US" sz="2800" dirty="0"/>
+              <a:t> </a:t>
+            </a:r>
+            <a:r>
+              <a:rPr lang="en-US" sz="2800" dirty="0" err="1"/>
+              <a:t>задачи</a:t>
+            </a:r>
+            <a:endParaRPr lang="en-US" sz="2800" dirty="0"/>
+          </a:p>
+        </p:txBody>
+      </p:sp>
+      <p:pic>
+        <p:nvPicPr>
+          <p:cNvPr id="2050" name="Picture 2">
+            <a:extLst>
+              <a:ext uri="{FF2B5EF4-FFF2-40B4-BE49-F238E27FC236}">
+                <a16:creationId xmlns:a16="http://schemas.microsoft.com/office/drawing/2014/main" id="{13A1F80B-EF59-4DE7-9497-1B16EA7974D7}"/>
+              </a:ext>
+            </a:extLst>
+          </p:cNvPr>
+          <p:cNvPicPr>
+            <a:picLocks noChangeAspect="1" noChangeArrowheads="1"/>
+          </p:cNvPicPr>
+          <p:nvPr/>
+        </p:nvPicPr>
+        <p:blipFill>
+          <a:blip r:embed="rId2">
+            <a:extLst>
+              <a:ext uri="{28A0092B-C50C-407E-A947-70E740481C1C}">
+                <a14:useLocalDpi xmlns:a14="http://schemas.microsoft.com/office/drawing/2010/main" val="0"/>
+              </a:ext>
+            </a:extLst>
+          </a:blip>
+          <a:stretch>
+            <a:fillRect/>
+          </a:stretch>
+        </p:blipFill>
+        <p:spPr bwMode="auto">
+          <a:xfrm>
+            <a:off x="634275" y="1276081"/>
+            <a:ext cx="6900380" cy="4305837"/>
+          </a:xfrm>
+          <a:prstGeom prst="rect">
+            <a:avLst/>
+          </a:prstGeom>
+          <a:noFill/>
+          <a:extLst>
+            <a:ext uri="{909E8E84-426E-40DD-AFC4-6F175D3DCCD1}">
+              <a14:hiddenFill xmlns:a14="http://schemas.microsoft.com/office/drawing/2010/main">
+                <a:solidFill>
+                  <a:srgbClr val="FFFFFF"/>
+                </a:solidFill>
+              </a14:hiddenFill>
+            </a:ext>
+          </a:extLst>
+        </p:spPr>
+      </p:pic>
+      <p:sp>
+        <p:nvSpPr>
+          <p:cNvPr id="3" name="TextBox 2">
+            <a:extLst>
+              <a:ext uri="{FF2B5EF4-FFF2-40B4-BE49-F238E27FC236}">
+                <a16:creationId xmlns:a16="http://schemas.microsoft.com/office/drawing/2014/main" id="{E31B6BFF-8DE7-452B-BB83-3432F3EACBA1}"/>
+              </a:ext>
+            </a:extLst>
+          </p:cNvPr>
+          <p:cNvSpPr txBox="1"/>
+          <p:nvPr/>
+        </p:nvSpPr>
+        <p:spPr>
+          <a:xfrm>
+            <a:off x="8471423" y="2286000"/>
+            <a:ext cx="3053039" cy="3931920"/>
+          </a:xfrm>
+          <a:prstGeom prst="rect">
+            <a:avLst/>
+          </a:prstGeom>
+        </p:spPr>
+        <p:txBody>
+          <a:bodyPr vert="horz" lIns="91440" tIns="45720" rIns="91440" bIns="45720" rtlCol="0">
+            <a:normAutofit/>
+          </a:bodyPr>
+          <a:lstStyle/>
+          <a:p>
+            <a:pPr marL="384048" indent="-384048" defTabSz="914400">
+              <a:lnSpc>
+                <a:spcPct val="94000"/>
+              </a:lnSpc>
+              <a:spcAft>
+                <a:spcPts val="200"/>
+              </a:spcAft>
+              <a:buFont typeface="Franklin Gothic Book" panose="020B0503020102020204" pitchFamily="34" charset="0"/>
+            </a:pPr>
+            <a:r>
+              <a:rPr lang="en-US" sz="1600" b="0" i="0" dirty="0" err="1">
+                <a:solidFill>
+                  <a:schemeClr val="tx2"/>
+                </a:solidFill>
+                <a:effectLst/>
+              </a:rPr>
+              <a:t>Пример</a:t>
+            </a:r>
+            <a:r>
+              <a:rPr lang="en-US" sz="1600" b="0" i="0" dirty="0">
+                <a:solidFill>
+                  <a:schemeClr val="tx2"/>
+                </a:solidFill>
+                <a:effectLst/>
+              </a:rPr>
+              <a:t> </a:t>
+            </a:r>
+            <a:r>
+              <a:rPr lang="en-US" sz="1600" b="0" i="0" dirty="0" err="1">
+                <a:solidFill>
+                  <a:schemeClr val="tx2"/>
+                </a:solidFill>
+                <a:effectLst/>
+              </a:rPr>
+              <a:t>задачи</a:t>
+            </a:r>
+            <a:r>
+              <a:rPr lang="en-US" sz="1600" b="0" i="0" dirty="0">
+                <a:solidFill>
+                  <a:schemeClr val="tx2"/>
+                </a:solidFill>
+                <a:effectLst/>
+              </a:rPr>
+              <a:t> </a:t>
+            </a:r>
+            <a:r>
+              <a:rPr lang="en-US" sz="1600" b="0" i="0" dirty="0" err="1">
+                <a:solidFill>
+                  <a:schemeClr val="tx2"/>
+                </a:solidFill>
+                <a:effectLst/>
+              </a:rPr>
+              <a:t>внешней</a:t>
+            </a:r>
+            <a:r>
+              <a:rPr lang="en-US" sz="1600" b="0" i="0" dirty="0">
+                <a:solidFill>
+                  <a:schemeClr val="tx2"/>
+                </a:solidFill>
+                <a:effectLst/>
+              </a:rPr>
+              <a:t> </a:t>
+            </a:r>
+            <a:r>
+              <a:rPr lang="en-US" sz="1600" b="0" i="0" dirty="0" err="1">
+                <a:solidFill>
+                  <a:schemeClr val="tx2"/>
+                </a:solidFill>
+                <a:effectLst/>
+              </a:rPr>
+              <a:t>баллистики</a:t>
+            </a:r>
+            <a:r>
+              <a:rPr lang="en-US" sz="1600" b="0" i="0" dirty="0">
+                <a:solidFill>
+                  <a:schemeClr val="tx2"/>
+                </a:solidFill>
+                <a:effectLst/>
+              </a:rPr>
+              <a:t>:</a:t>
+            </a:r>
+          </a:p>
+          <a:p>
+            <a:pPr marL="384048" indent="-384048" defTabSz="914400">
+              <a:lnSpc>
+                <a:spcPct val="94000"/>
+              </a:lnSpc>
+              <a:spcAft>
+                <a:spcPts val="200"/>
+              </a:spcAft>
+              <a:buFont typeface="Franklin Gothic Book" panose="020B0503020102020204" pitchFamily="34" charset="0"/>
+            </a:pPr>
+            <a:r>
+              <a:rPr lang="en-US" sz="1600" b="0" i="0" dirty="0" err="1">
+                <a:solidFill>
+                  <a:schemeClr val="tx2"/>
+                </a:solidFill>
+                <a:effectLst/>
+              </a:rPr>
+              <a:t>Пушка</a:t>
+            </a:r>
+            <a:r>
+              <a:rPr lang="en-US" sz="1600" b="0" i="0" dirty="0">
+                <a:solidFill>
+                  <a:schemeClr val="tx2"/>
+                </a:solidFill>
+                <a:effectLst/>
+              </a:rPr>
+              <a:t>, </a:t>
+            </a:r>
+            <a:r>
+              <a:rPr lang="en-US" sz="1600" b="0" i="0" dirty="0" err="1">
+                <a:solidFill>
+                  <a:schemeClr val="tx2"/>
+                </a:solidFill>
+                <a:effectLst/>
+              </a:rPr>
+              <a:t>стреляющая</a:t>
+            </a:r>
+            <a:r>
+              <a:rPr lang="en-US" sz="1600" b="0" i="0" dirty="0">
+                <a:solidFill>
+                  <a:schemeClr val="tx2"/>
+                </a:solidFill>
+                <a:effectLst/>
+              </a:rPr>
+              <a:t> </a:t>
+            </a:r>
+            <a:r>
+              <a:rPr lang="en-US" sz="1600" b="0" i="0" dirty="0" err="1">
+                <a:solidFill>
+                  <a:schemeClr val="tx2"/>
+                </a:solidFill>
+                <a:effectLst/>
+              </a:rPr>
+              <a:t>сферическими</a:t>
+            </a:r>
+            <a:r>
+              <a:rPr lang="en-US" sz="1600" b="0" i="0" dirty="0">
+                <a:solidFill>
+                  <a:schemeClr val="tx2"/>
+                </a:solidFill>
+                <a:effectLst/>
+              </a:rPr>
+              <a:t> </a:t>
+            </a:r>
+            <a:r>
+              <a:rPr lang="en-US" sz="1600" b="0" i="0" dirty="0" err="1">
+                <a:solidFill>
+                  <a:schemeClr val="tx2"/>
+                </a:solidFill>
+                <a:effectLst/>
+              </a:rPr>
+              <a:t>ядрами</a:t>
+            </a:r>
+            <a:r>
+              <a:rPr lang="en-US" sz="1600" b="0" i="0" dirty="0">
+                <a:solidFill>
+                  <a:schemeClr val="tx2"/>
+                </a:solidFill>
+                <a:effectLst/>
+              </a:rPr>
+              <a:t> </a:t>
+            </a:r>
+            <a:r>
+              <a:rPr lang="en-US" sz="1600" b="0" i="0" dirty="0" err="1">
+                <a:solidFill>
+                  <a:schemeClr val="tx2"/>
+                </a:solidFill>
+                <a:effectLst/>
+              </a:rPr>
+              <a:t>сообщает</a:t>
+            </a:r>
+            <a:r>
+              <a:rPr lang="en-US" sz="1600" b="0" i="0" dirty="0">
+                <a:solidFill>
+                  <a:schemeClr val="tx2"/>
+                </a:solidFill>
+                <a:effectLst/>
+              </a:rPr>
+              <a:t> </a:t>
+            </a:r>
+            <a:r>
+              <a:rPr lang="en-US" sz="1600" b="0" i="0" dirty="0" err="1">
+                <a:solidFill>
+                  <a:schemeClr val="tx2"/>
+                </a:solidFill>
+                <a:effectLst/>
+              </a:rPr>
+              <a:t>им</a:t>
+            </a:r>
+            <a:r>
+              <a:rPr lang="en-US" sz="1600" b="0" i="0" dirty="0">
+                <a:solidFill>
+                  <a:schemeClr val="tx2"/>
+                </a:solidFill>
+                <a:effectLst/>
+              </a:rPr>
+              <a:t> </a:t>
+            </a:r>
+            <a:r>
+              <a:rPr lang="en-US" sz="1600" b="0" i="0" dirty="0" err="1">
+                <a:solidFill>
+                  <a:schemeClr val="tx2"/>
+                </a:solidFill>
+                <a:effectLst/>
+              </a:rPr>
+              <a:t>начальную</a:t>
+            </a:r>
+            <a:r>
+              <a:rPr lang="en-US" sz="1600" b="0" i="0" dirty="0">
+                <a:solidFill>
+                  <a:schemeClr val="tx2"/>
+                </a:solidFill>
+                <a:effectLst/>
+              </a:rPr>
+              <a:t> </a:t>
+            </a:r>
+            <a:r>
+              <a:rPr lang="en-US" sz="1600" b="0" i="0" dirty="0" err="1">
+                <a:solidFill>
+                  <a:schemeClr val="tx2"/>
+                </a:solidFill>
+                <a:effectLst/>
+              </a:rPr>
+              <a:t>скорость</a:t>
+            </a:r>
+            <a:r>
+              <a:rPr lang="en-US" sz="1600" b="0" i="0" dirty="0">
+                <a:solidFill>
+                  <a:schemeClr val="tx2"/>
+                </a:solidFill>
+                <a:effectLst/>
+              </a:rPr>
+              <a:t> 400 м/с. </a:t>
+            </a:r>
+            <a:r>
+              <a:rPr lang="en-US" sz="1600" b="0" i="0" dirty="0" err="1">
+                <a:solidFill>
+                  <a:schemeClr val="tx2"/>
+                </a:solidFill>
+                <a:effectLst/>
+              </a:rPr>
+              <a:t>Определить</a:t>
+            </a:r>
+            <a:r>
+              <a:rPr lang="en-US" sz="1600" b="0" i="0" dirty="0">
+                <a:solidFill>
+                  <a:schemeClr val="tx2"/>
+                </a:solidFill>
+                <a:effectLst/>
+              </a:rPr>
+              <a:t> </a:t>
+            </a:r>
+            <a:r>
+              <a:rPr lang="en-US" sz="1600" b="0" i="0" dirty="0" err="1">
+                <a:solidFill>
+                  <a:schemeClr val="tx2"/>
+                </a:solidFill>
+                <a:effectLst/>
+              </a:rPr>
+              <a:t>траекторию</a:t>
+            </a:r>
+            <a:r>
+              <a:rPr lang="en-US" sz="1600" b="0" i="0" dirty="0">
+                <a:solidFill>
+                  <a:schemeClr val="tx2"/>
+                </a:solidFill>
+                <a:effectLst/>
+              </a:rPr>
+              <a:t> </a:t>
+            </a:r>
+            <a:r>
+              <a:rPr lang="en-US" sz="1600" b="0" i="0" dirty="0" err="1">
+                <a:solidFill>
+                  <a:schemeClr val="tx2"/>
+                </a:solidFill>
+                <a:effectLst/>
+              </a:rPr>
+              <a:t>полета</a:t>
+            </a:r>
+            <a:r>
+              <a:rPr lang="en-US" sz="1600" b="0" i="0" dirty="0">
+                <a:solidFill>
+                  <a:schemeClr val="tx2"/>
+                </a:solidFill>
+                <a:effectLst/>
+              </a:rPr>
+              <a:t> </a:t>
+            </a:r>
+            <a:r>
+              <a:rPr lang="en-US" sz="1600" b="0" i="0" dirty="0" err="1">
+                <a:solidFill>
+                  <a:schemeClr val="tx2"/>
+                </a:solidFill>
+                <a:effectLst/>
+              </a:rPr>
+              <a:t>снаряда</a:t>
+            </a:r>
+            <a:r>
+              <a:rPr lang="en-US" sz="1600" b="0" i="0" dirty="0">
+                <a:solidFill>
+                  <a:schemeClr val="tx2"/>
+                </a:solidFill>
+                <a:effectLst/>
+              </a:rPr>
+              <a:t> </a:t>
+            </a:r>
+            <a:r>
+              <a:rPr lang="en-US" sz="1600" b="0" i="0" dirty="0" err="1">
+                <a:solidFill>
+                  <a:schemeClr val="tx2"/>
+                </a:solidFill>
+                <a:effectLst/>
+              </a:rPr>
+              <a:t>при</a:t>
+            </a:r>
+            <a:r>
+              <a:rPr lang="en-US" sz="1600" b="0" i="0" dirty="0">
+                <a:solidFill>
+                  <a:schemeClr val="tx2"/>
+                </a:solidFill>
+                <a:effectLst/>
+              </a:rPr>
+              <a:t> </a:t>
+            </a:r>
+            <a:r>
+              <a:rPr lang="en-US" sz="1600" b="0" i="0" dirty="0" err="1">
+                <a:solidFill>
+                  <a:schemeClr val="tx2"/>
+                </a:solidFill>
+                <a:effectLst/>
+              </a:rPr>
+              <a:t>стрельбе</a:t>
+            </a:r>
+            <a:r>
+              <a:rPr lang="en-US" sz="1600" b="0" i="0" dirty="0">
+                <a:solidFill>
+                  <a:schemeClr val="tx2"/>
+                </a:solidFill>
+                <a:effectLst/>
+              </a:rPr>
+              <a:t> </a:t>
+            </a:r>
+            <a:r>
+              <a:rPr lang="en-US" sz="1600" b="0" i="0" dirty="0" err="1">
+                <a:solidFill>
+                  <a:schemeClr val="tx2"/>
+                </a:solidFill>
+                <a:effectLst/>
+              </a:rPr>
+              <a:t>под</a:t>
+            </a:r>
+            <a:r>
+              <a:rPr lang="en-US" sz="1600" b="0" i="0" dirty="0">
+                <a:solidFill>
+                  <a:schemeClr val="tx2"/>
+                </a:solidFill>
+                <a:effectLst/>
+              </a:rPr>
+              <a:t> </a:t>
+            </a:r>
+            <a:r>
+              <a:rPr lang="en-US" sz="1600" b="0" i="0" dirty="0" err="1">
+                <a:solidFill>
+                  <a:schemeClr val="tx2"/>
+                </a:solidFill>
+                <a:effectLst/>
+              </a:rPr>
+              <a:t>углом</a:t>
+            </a:r>
+            <a:r>
+              <a:rPr lang="en-US" sz="1600" b="0" i="0" dirty="0">
+                <a:solidFill>
+                  <a:schemeClr val="tx2"/>
+                </a:solidFill>
+                <a:effectLst/>
+              </a:rPr>
+              <a:t> в 35 </a:t>
+            </a:r>
+            <a:r>
+              <a:rPr lang="en-US" sz="1600" b="0" i="0" dirty="0" err="1">
+                <a:solidFill>
+                  <a:schemeClr val="tx2"/>
+                </a:solidFill>
+                <a:effectLst/>
+              </a:rPr>
+              <a:t>градусов</a:t>
+            </a:r>
+            <a:r>
+              <a:rPr lang="en-US" sz="1600" b="0" i="0" dirty="0">
+                <a:solidFill>
+                  <a:schemeClr val="tx2"/>
+                </a:solidFill>
+                <a:effectLst/>
+              </a:rPr>
+              <a:t> к </a:t>
+            </a:r>
+            <a:r>
+              <a:rPr lang="en-US" sz="1600" b="0" i="0" dirty="0" err="1">
+                <a:solidFill>
+                  <a:schemeClr val="tx2"/>
+                </a:solidFill>
+                <a:effectLst/>
+              </a:rPr>
+              <a:t>горизонту</a:t>
+            </a:r>
+            <a:r>
+              <a:rPr lang="en-US" sz="1600" b="0" i="0" dirty="0">
+                <a:solidFill>
+                  <a:schemeClr val="tx2"/>
+                </a:solidFill>
+                <a:effectLst/>
+              </a:rPr>
+              <a:t>. </a:t>
+            </a:r>
+            <a:r>
+              <a:rPr lang="en-US" sz="1600" b="0" i="0" dirty="0" err="1">
+                <a:solidFill>
+                  <a:schemeClr val="tx2"/>
+                </a:solidFill>
+                <a:effectLst/>
+              </a:rPr>
+              <a:t>Поле</a:t>
+            </a:r>
+            <a:r>
+              <a:rPr lang="en-US" sz="1600" b="0" i="0" dirty="0">
+                <a:solidFill>
+                  <a:schemeClr val="tx2"/>
+                </a:solidFill>
+                <a:effectLst/>
+              </a:rPr>
+              <a:t> </a:t>
+            </a:r>
+            <a:r>
+              <a:rPr lang="en-US" sz="1600" b="0" i="0" dirty="0" err="1">
+                <a:solidFill>
+                  <a:schemeClr val="tx2"/>
+                </a:solidFill>
+                <a:effectLst/>
+              </a:rPr>
+              <a:t>силы</a:t>
+            </a:r>
+            <a:r>
+              <a:rPr lang="en-US" sz="1600" b="0" i="0" dirty="0">
+                <a:solidFill>
+                  <a:schemeClr val="tx2"/>
+                </a:solidFill>
+                <a:effectLst/>
+              </a:rPr>
+              <a:t> </a:t>
+            </a:r>
+            <a:r>
+              <a:rPr lang="en-US" sz="1600" b="0" i="0" dirty="0" err="1">
+                <a:solidFill>
+                  <a:schemeClr val="tx2"/>
+                </a:solidFill>
+                <a:effectLst/>
+              </a:rPr>
+              <a:t>тяжести</a:t>
+            </a:r>
+            <a:r>
+              <a:rPr lang="en-US" sz="1600" b="0" i="0" dirty="0">
+                <a:solidFill>
+                  <a:schemeClr val="tx2"/>
+                </a:solidFill>
+                <a:effectLst/>
+              </a:rPr>
+              <a:t> </a:t>
+            </a:r>
+            <a:r>
+              <a:rPr lang="en-US" sz="1600" b="0" i="0" dirty="0" err="1">
+                <a:solidFill>
+                  <a:schemeClr val="tx2"/>
+                </a:solidFill>
+                <a:effectLst/>
+              </a:rPr>
+              <a:t>считать</a:t>
+            </a:r>
+            <a:r>
+              <a:rPr lang="en-US" sz="1600" b="0" i="0" dirty="0">
+                <a:solidFill>
+                  <a:schemeClr val="tx2"/>
+                </a:solidFill>
+                <a:effectLst/>
+              </a:rPr>
+              <a:t> </a:t>
+            </a:r>
+            <a:r>
+              <a:rPr lang="en-US" sz="1600" b="0" i="0" dirty="0" err="1">
+                <a:solidFill>
+                  <a:schemeClr val="tx2"/>
+                </a:solidFill>
+                <a:effectLst/>
+              </a:rPr>
+              <a:t>однородным</a:t>
+            </a:r>
+            <a:r>
+              <a:rPr lang="en-US" sz="1600" b="0" i="0" dirty="0">
+                <a:solidFill>
+                  <a:schemeClr val="tx2"/>
+                </a:solidFill>
+                <a:effectLst/>
+              </a:rPr>
+              <a:t>, </a:t>
+            </a:r>
+            <a:r>
+              <a:rPr lang="en-US" sz="1600" b="0" i="0" dirty="0" err="1">
+                <a:solidFill>
+                  <a:schemeClr val="tx2"/>
+                </a:solidFill>
+                <a:effectLst/>
+              </a:rPr>
+              <a:t>кривизной</a:t>
+            </a:r>
+            <a:r>
+              <a:rPr lang="en-US" sz="1600" b="0" i="0" dirty="0">
+                <a:solidFill>
+                  <a:schemeClr val="tx2"/>
+                </a:solidFill>
+                <a:effectLst/>
+              </a:rPr>
+              <a:t> </a:t>
+            </a:r>
+            <a:r>
+              <a:rPr lang="en-US" sz="1600" b="0" i="0" dirty="0" err="1">
+                <a:solidFill>
+                  <a:schemeClr val="tx2"/>
+                </a:solidFill>
+                <a:effectLst/>
+              </a:rPr>
+              <a:t>Земли</a:t>
+            </a:r>
+            <a:r>
+              <a:rPr lang="en-US" sz="1600" b="0" i="0" dirty="0">
+                <a:solidFill>
+                  <a:schemeClr val="tx2"/>
+                </a:solidFill>
+                <a:effectLst/>
+              </a:rPr>
+              <a:t> </a:t>
+            </a:r>
+            <a:r>
+              <a:rPr lang="en-US" sz="1600" b="0" i="0" dirty="0" err="1">
+                <a:solidFill>
+                  <a:schemeClr val="tx2"/>
+                </a:solidFill>
+                <a:effectLst/>
+              </a:rPr>
+              <a:t>пренебречь</a:t>
+            </a:r>
+            <a:r>
+              <a:rPr lang="en-US" sz="1600" b="0" i="0" dirty="0">
+                <a:solidFill>
+                  <a:schemeClr val="tx2"/>
+                </a:solidFill>
+                <a:effectLst/>
+              </a:rPr>
+              <a:t>.</a:t>
+            </a:r>
+            <a:endParaRPr lang="en-US" sz="1600" dirty="0">
+              <a:solidFill>
+                <a:schemeClr val="tx2"/>
+              </a:solidFill>
+            </a:endParaRPr>
+          </a:p>
+        </p:txBody>
+      </p:sp>
+      <p:sp>
+        <p:nvSpPr>
+          <p:cNvPr id="75" name="Freeform 6">
+            <a:extLst>
+              <a:ext uri="{FF2B5EF4-FFF2-40B4-BE49-F238E27FC236}">
+                <a16:creationId xmlns:a16="http://schemas.microsoft.com/office/drawing/2014/main" id="{CC1026F7-DECB-49B4-A565-518BBA445471}"/>
+              </a:ext>
+              <a:ext uri="{C183D7F6-B498-43B3-948B-1728B52AA6E4}">
+                <adec:decorative xmlns:adec="http://schemas.microsoft.com/office/drawing/2017/decorative" val="1"/>
+              </a:ext>
+            </a:extLst>
+          </p:cNvPr>
+          <p:cNvSpPr>
+            <a:spLocks noGrp="1" noRot="1" noChangeAspect="1" noMove="1" noResize="1" noEditPoints="1" noAdjustHandles="1" noChangeArrowheads="1" noChangeShapeType="1" noTextEdit="1"/>
+          </p:cNvSpPr>
+          <p:nvPr>
+            <p:extLst>
+              <p:ext uri="{386F3935-93C4-4BCD-93E2-E3B085C9AB24}">
+                <p16:designElem xmlns:p16="http://schemas.microsoft.com/office/powerpoint/2015/main" val="1"/>
+              </p:ext>
+            </p:extLst>
+          </p:nvPr>
+        </p:nvSpPr>
+        <p:spPr bwMode="auto">
+          <a:xfrm flipH="1" flipV="1">
+            <a:off x="7983434" y="640080"/>
+            <a:ext cx="2296028" cy="3674981"/>
+          </a:xfrm>
+          <a:custGeom>
+            <a:avLst/>
+            <a:gdLst/>
+            <a:ahLst/>
+            <a:cxnLst/>
+            <a:rect l="l" t="t" r="r" b="b"/>
+            <a:pathLst>
+              <a:path w="10002" h="10000">
+                <a:moveTo>
+                  <a:pt x="8763" y="0"/>
+                </a:moveTo>
+                <a:lnTo>
+                  <a:pt x="10002" y="0"/>
+                </a:lnTo>
+                <a:lnTo>
+                  <a:pt x="10002" y="10000"/>
+                </a:lnTo>
+                <a:lnTo>
+                  <a:pt x="2" y="10000"/>
+                </a:lnTo>
+                <a:cubicBezTo>
+                  <a:pt x="-2" y="9698"/>
+                  <a:pt x="4" y="9427"/>
+                  <a:pt x="0" y="9125"/>
+                </a:cubicBezTo>
+                <a:lnTo>
+                  <a:pt x="8763" y="9128"/>
+                </a:lnTo>
+                <a:lnTo>
+                  <a:pt x="8763" y="0"/>
+                </a:lnTo>
+                <a:close/>
+              </a:path>
+            </a:pathLst>
+          </a:custGeom>
+          <a:solidFill>
+            <a:schemeClr val="tx2"/>
+          </a:solidFill>
+          <a:ln w="0">
+            <a:noFill/>
+            <a:prstDash val="solid"/>
+            <a:round/>
+            <a:headEnd/>
+            <a:tailEnd/>
+          </a:ln>
+        </p:spPr>
       </p:sp>
     </p:spTree>
     <p:extLst>
       <p:ext uri="{BB962C8B-B14F-4D97-AF65-F5344CB8AC3E}">
-        <p14:creationId xmlns:p14="http://schemas.microsoft.com/office/powerpoint/2010/main" val="1351651579"/>
+        <p14:creationId xmlns:p14="http://schemas.microsoft.com/office/powerpoint/2010/main" val="966746577"/>
+      </p:ext>
+    </p:extLst>
+  </p:cSld>
+  <p:clrMapOvr>
+    <a:masterClrMapping/>
+  </p:clrMapOvr>
+</p:sld>
+</file>
+
+<file path=ppt/slides/slide4.xml><?xml version="1.0" encoding="utf-8"?>
+<p:sld xmlns:a="http://schemas.openxmlformats.org/drawingml/2006/main" xmlns:r="http://schemas.openxmlformats.org/officeDocument/2006/relationships" xmlns:p="http://schemas.openxmlformats.org/presentationml/2006/main">
+  <p:cSld>
+    <p:spTree>
+      <p:nvGrpSpPr>
+        <p:cNvPr id="1" name=""/>
+        <p:cNvGrpSpPr/>
+        <p:nvPr/>
+      </p:nvGrpSpPr>
+      <p:grpSpPr>
+        <a:xfrm>
+          <a:off x="0" y="0"/>
+          <a:ext cx="0" cy="0"/>
+          <a:chOff x="0" y="0"/>
+          <a:chExt cx="0" cy="0"/>
+        </a:xfrm>
+      </p:grpSpPr>
+      <p:sp>
+        <p:nvSpPr>
+          <p:cNvPr id="2" name="Заголовок 1">
+            <a:extLst>
+              <a:ext uri="{FF2B5EF4-FFF2-40B4-BE49-F238E27FC236}">
+                <a16:creationId xmlns:a16="http://schemas.microsoft.com/office/drawing/2014/main" id="{E8CB2132-9384-4E63-863B-D9B640F9697B}"/>
+              </a:ext>
+            </a:extLst>
+          </p:cNvPr>
+          <p:cNvSpPr>
+            <a:spLocks noGrp="1"/>
+          </p:cNvSpPr>
+          <p:nvPr>
+            <p:ph type="title"/>
+          </p:nvPr>
+        </p:nvSpPr>
+        <p:spPr/>
+        <p:txBody>
+          <a:bodyPr/>
+          <a:lstStyle/>
+          <a:p>
+            <a:endParaRPr lang="ru-RU"/>
+          </a:p>
+        </p:txBody>
+      </p:sp>
+      <p:sp>
+        <p:nvSpPr>
+          <p:cNvPr id="3" name="Объект 2">
+            <a:extLst>
+              <a:ext uri="{FF2B5EF4-FFF2-40B4-BE49-F238E27FC236}">
+                <a16:creationId xmlns:a16="http://schemas.microsoft.com/office/drawing/2014/main" id="{2443044A-2CB7-4E93-BF3B-7A0C8050C8E5}"/>
+              </a:ext>
+            </a:extLst>
+          </p:cNvPr>
+          <p:cNvSpPr>
+            <a:spLocks noGrp="1"/>
+          </p:cNvSpPr>
+          <p:nvPr>
+            <p:ph sz="half" idx="1"/>
+          </p:nvPr>
+        </p:nvSpPr>
+        <p:spPr/>
+        <p:txBody>
+          <a:bodyPr/>
+          <a:lstStyle/>
+          <a:p>
+            <a:endParaRPr lang="ru-RU"/>
+          </a:p>
+        </p:txBody>
+      </p:sp>
+      <p:sp>
+        <p:nvSpPr>
+          <p:cNvPr id="4" name="Объект 3">
+            <a:extLst>
+              <a:ext uri="{FF2B5EF4-FFF2-40B4-BE49-F238E27FC236}">
+                <a16:creationId xmlns:a16="http://schemas.microsoft.com/office/drawing/2014/main" id="{78A9B883-49E2-4906-9B8F-BDB98178C44E}"/>
+              </a:ext>
+            </a:extLst>
+          </p:cNvPr>
+          <p:cNvSpPr>
+            <a:spLocks noGrp="1"/>
+          </p:cNvSpPr>
+          <p:nvPr>
+            <p:ph sz="half" idx="2"/>
+          </p:nvPr>
+        </p:nvSpPr>
+        <p:spPr/>
+        <p:txBody>
+          <a:bodyPr/>
+          <a:lstStyle/>
+          <a:p>
+            <a:endParaRPr lang="ru-RU"/>
+          </a:p>
+        </p:txBody>
+      </p:sp>
+    </p:spTree>
+    <p:extLst>
+      <p:ext uri="{BB962C8B-B14F-4D97-AF65-F5344CB8AC3E}">
+        <p14:creationId xmlns:p14="http://schemas.microsoft.com/office/powerpoint/2010/main" val="1818758486"/>
       </p:ext>
     </p:extLst>
   </p:cSld>
@@ -3036,9 +5065,9 @@
 </file>
 
 <file path=ppt/theme/theme1.xml><?xml version="1.0" encoding="utf-8"?>
-<a:theme xmlns:a="http://schemas.openxmlformats.org/drawingml/2006/main" name="Тема Office">
+<a:theme xmlns:a="http://schemas.openxmlformats.org/drawingml/2006/main" name="Уголки">
   <a:themeElements>
-    <a:clrScheme name="Стандартная">
+    <a:clrScheme name="Уголки">
       <a:dk1>
         <a:sysClr val="windowText" lastClr="000000"/>
       </a:dk1>
@@ -3046,83 +5075,48 @@
         <a:sysClr val="window" lastClr="FFFFFF"/>
       </a:lt1>
       <a:dk2>
-        <a:srgbClr val="44546A"/>
+        <a:srgbClr val="191B0E"/>
       </a:dk2>
       <a:lt2>
-        <a:srgbClr val="E7E6E6"/>
+        <a:srgbClr val="EFEDE3"/>
       </a:lt2>
       <a:accent1>
-        <a:srgbClr val="4472C4"/>
+        <a:srgbClr val="8C8D86"/>
       </a:accent1>
       <a:accent2>
-        <a:srgbClr val="ED7D31"/>
+        <a:srgbClr val="E6C069"/>
       </a:accent2>
       <a:accent3>
-        <a:srgbClr val="A5A5A5"/>
+        <a:srgbClr val="897B61"/>
       </a:accent3>
       <a:accent4>
-        <a:srgbClr val="FFC000"/>
+        <a:srgbClr val="8DAB8E"/>
       </a:accent4>
       <a:accent5>
-        <a:srgbClr val="5B9BD5"/>
+        <a:srgbClr val="77A2BB"/>
       </a:accent5>
       <a:accent6>
-        <a:srgbClr val="70AD47"/>
+        <a:srgbClr val="E28394"/>
       </a:accent6>
       <a:hlink>
-        <a:srgbClr val="0563C1"/>
+        <a:srgbClr val="77A2BB"/>
       </a:hlink>
       <a:folHlink>
-        <a:srgbClr val="954F72"/>
+        <a:srgbClr val="957A99"/>
       </a:folHlink>
     </a:clrScheme>
-    <a:fontScheme name="Стандартная">
+    <a:fontScheme name="Уголки">
       <a:majorFont>
-        <a:latin typeface="Calibri Light" panose="020F0302020204030204"/>
+        <a:latin typeface="Franklin Gothic Book" panose="020B0503020102020204"/>
         <a:ea typeface=""/>
         <a:cs typeface=""/>
-        <a:font script="Jpan" typeface="ＭＳ Ｐゴシック"/>
-        <a:font script="Hang" typeface="맑은 고딕"/>
-        <a:font script="Hans" typeface="宋体"/>
-        <a:font script="Hant" typeface="新細明體"/>
-        <a:font script="Arab" typeface="Times New Roman"/>
-        <a:font script="Hebr" typeface="Times New Roman"/>
-        <a:font script="Thai" typeface="Angsana New"/>
-        <a:font script="Ethi" typeface="Nyala"/>
-        <a:font script="Beng" typeface="Vrinda"/>
-        <a:font script="Gujr" typeface="Shruti"/>
-        <a:font script="Khmr" typeface="MoolBoran"/>
-        <a:font script="Knda" typeface="Tunga"/>
-        <a:font script="Guru" typeface="Raavi"/>
-        <a:font script="Cans" typeface="Euphemia"/>
-        <a:font script="Cher" typeface="Plantagenet Cherokee"/>
-        <a:font script="Yiii" typeface="Microsoft Yi Baiti"/>
-        <a:font script="Tibt" typeface="Microsoft Himalaya"/>
-        <a:font script="Thaa" typeface="MV Boli"/>
-        <a:font script="Deva" typeface="Mangal"/>
-        <a:font script="Telu" typeface="Gautami"/>
-        <a:font script="Taml" typeface="Latha"/>
-        <a:font script="Syrc" typeface="Estrangelo Edessa"/>
-        <a:font script="Orya" typeface="Kalinga"/>
-        <a:font script="Mlym" typeface="Kartika"/>
-        <a:font script="Laoo" typeface="DokChampa"/>
-        <a:font script="Sinh" typeface="Iskoola Pota"/>
-        <a:font script="Mong" typeface="Mongolian Baiti"/>
-        <a:font script="Viet" typeface="Times New Roman"/>
-        <a:font script="Uigh" typeface="Microsoft Uighur"/>
-        <a:font script="Geor" typeface="Sylfaen"/>
-      </a:majorFont>
-      <a:minorFont>
-        <a:latin typeface="Calibri" panose="020F0502020204030204"/>
-        <a:ea typeface=""/>
-        <a:cs typeface=""/>
-        <a:font script="Jpan" typeface="ＭＳ Ｐゴシック"/>
-        <a:font script="Hang" typeface="맑은 고딕"/>
-        <a:font script="Hans" typeface="宋体"/>
-        <a:font script="Hant" typeface="新細明體"/>
-        <a:font script="Arab" typeface="Arial"/>
-        <a:font script="Hebr" typeface="Arial"/>
-        <a:font script="Thai" typeface="Cordia New"/>
+        <a:font script="Jpan" typeface="メイリオ"/>
+        <a:font script="Hang" typeface="돋움"/>
+        <a:font script="Hans" typeface="华文楷体"/>
+        <a:font script="Hant" typeface="微軟正黑體"/>
+        <a:font script="Arab" typeface="Tahoma"/>
+        <a:font script="Hebr" typeface="Aharoni"/>
+        <a:font script="Thai" typeface="LilyUPC"/>
         <a:font script="Ethi" typeface="Nyala"/>
         <a:font script="Beng" typeface="Vrinda"/>
         <a:font script="Gujr" typeface="Shruti"/>
@@ -3143,12 +5137,47 @@
         <a:font script="Laoo" typeface="DokChampa"/>
         <a:font script="Sinh" typeface="Iskoola Pota"/>
         <a:font script="Mong" typeface="Mongolian Baiti"/>
-        <a:font script="Viet" typeface="Arial"/>
+        <a:font script="Viet" typeface="Tahoma"/>
+        <a:font script="Uigh" typeface="Microsoft Uighur"/>
+        <a:font script="Geor" typeface="Sylfaen"/>
+      </a:majorFont>
+      <a:minorFont>
+        <a:latin typeface="Franklin Gothic Book" panose="020B0503020102020204"/>
+        <a:ea typeface=""/>
+        <a:cs typeface=""/>
+        <a:font script="Jpan" typeface="メイリオ"/>
+        <a:font script="Hang" typeface="돋움"/>
+        <a:font script="Hans" typeface="华文楷体"/>
+        <a:font script="Hant" typeface="微軟正黑體"/>
+        <a:font script="Arab" typeface="Tahoma"/>
+        <a:font script="Hebr" typeface="Aharoni"/>
+        <a:font script="Thai" typeface="LilyUPC"/>
+        <a:font script="Ethi" typeface="Nyala"/>
+        <a:font script="Beng" typeface="Vrinda"/>
+        <a:font script="Gujr" typeface="Shruti"/>
+        <a:font script="Khmr" typeface="DaunPenh"/>
+        <a:font script="Knda" typeface="Tunga"/>
+        <a:font script="Guru" typeface="Raavi"/>
+        <a:font script="Cans" typeface="Euphemia"/>
+        <a:font script="Cher" typeface="Plantagenet Cherokee"/>
+        <a:font script="Yiii" typeface="Microsoft Yi Baiti"/>
+        <a:font script="Tibt" typeface="Microsoft Himalaya"/>
+        <a:font script="Thaa" typeface="MV Boli"/>
+        <a:font script="Deva" typeface="Mangal"/>
+        <a:font script="Telu" typeface="Gautami"/>
+        <a:font script="Taml" typeface="Latha"/>
+        <a:font script="Syrc" typeface="Estrangelo Edessa"/>
+        <a:font script="Orya" typeface="Kalinga"/>
+        <a:font script="Mlym" typeface="Kartika"/>
+        <a:font script="Laoo" typeface="DokChampa"/>
+        <a:font script="Sinh" typeface="Iskoola Pota"/>
+        <a:font script="Mong" typeface="Mongolian Baiti"/>
+        <a:font script="Viet" typeface="Tahoma"/>
         <a:font script="Uigh" typeface="Microsoft Uighur"/>
         <a:font script="Geor" typeface="Sylfaen"/>
       </a:minorFont>
     </a:fontScheme>
-    <a:fmtScheme name="Стандартная">
+    <a:fmtScheme name="Уголки">
       <a:fillStyleLst>
         <a:solidFill>
           <a:schemeClr val="phClr"/>
@@ -3157,23 +5186,23 @@
           <a:gsLst>
             <a:gs pos="0">
               <a:schemeClr val="phClr">
+                <a:tint val="67000"/>
+                <a:satMod val="105000"/>
                 <a:lumMod val="110000"/>
-                <a:satMod val="105000"/>
-                <a:tint val="67000"/>
               </a:schemeClr>
             </a:gs>
             <a:gs pos="50000">
               <a:schemeClr val="phClr">
+                <a:tint val="73000"/>
+                <a:satMod val="103000"/>
                 <a:lumMod val="105000"/>
-                <a:satMod val="103000"/>
-                <a:tint val="73000"/>
               </a:schemeClr>
             </a:gs>
             <a:gs pos="100000">
               <a:schemeClr val="phClr">
+                <a:tint val="81000"/>
+                <a:satMod val="109000"/>
                 <a:lumMod val="105000"/>
-                <a:satMod val="109000"/>
-                <a:tint val="81000"/>
               </a:schemeClr>
             </a:gs>
           </a:gsLst>
@@ -3183,23 +5212,23 @@
           <a:gsLst>
             <a:gs pos="0">
               <a:schemeClr val="phClr">
+                <a:tint val="94000"/>
                 <a:satMod val="103000"/>
                 <a:lumMod val="102000"/>
-                <a:tint val="94000"/>
               </a:schemeClr>
             </a:gs>
             <a:gs pos="50000">
               <a:schemeClr val="phClr">
+                <a:shade val="100000"/>
                 <a:satMod val="110000"/>
                 <a:lumMod val="100000"/>
-                <a:shade val="100000"/>
               </a:schemeClr>
             </a:gs>
             <a:gs pos="100000">
               <a:schemeClr val="phClr">
+                <a:shade val="78000"/>
+                <a:satMod val="120000"/>
                 <a:lumMod val="99000"/>
-                <a:satMod val="120000"/>
-                <a:shade val="78000"/>
               </a:schemeClr>
             </a:gs>
           </a:gsLst>
@@ -3207,26 +5236,23 @@
         </a:gradFill>
       </a:fillStyleLst>
       <a:lnStyleLst>
-        <a:ln w="6350" cap="flat" cmpd="sng" algn="ctr">
+        <a:ln w="6350" cap="flat" cmpd="sng" algn="in">
           <a:solidFill>
             <a:schemeClr val="phClr"/>
           </a:solidFill>
           <a:prstDash val="solid"/>
-          <a:miter lim="800000"/>
         </a:ln>
-        <a:ln w="12700" cap="flat" cmpd="sng" algn="ctr">
+        <a:ln w="34925" cap="flat" cmpd="sng" algn="in">
           <a:solidFill>
             <a:schemeClr val="phClr"/>
           </a:solidFill>
           <a:prstDash val="solid"/>
-          <a:miter lim="800000"/>
         </a:ln>
-        <a:ln w="19050" cap="flat" cmpd="sng" algn="ctr">
+        <a:ln w="19050" cap="flat" cmpd="sng" algn="in">
           <a:solidFill>
             <a:schemeClr val="phClr"/>
           </a:solidFill>
           <a:prstDash val="solid"/>
-          <a:miter lim="800000"/>
         </a:ln>
       </a:lnStyleLst>
       <a:effectStyleLst>
@@ -3240,7 +5266,7 @@
           <a:effectLst>
             <a:outerShdw blurRad="57150" dist="19050" dir="5400000" algn="ctr" rotWithShape="0">
               <a:srgbClr val="000000">
-                <a:alpha val="63000"/>
+                <a:alpha val="35000"/>
               </a:srgbClr>
             </a:outerShdw>
           </a:effectLst>
@@ -3261,16 +5287,16 @@
             <a:gs pos="0">
               <a:schemeClr val="phClr">
                 <a:tint val="93000"/>
+                <a:shade val="98000"/>
                 <a:satMod val="150000"/>
-                <a:shade val="98000"/>
                 <a:lumMod val="102000"/>
               </a:schemeClr>
             </a:gs>
             <a:gs pos="50000">
               <a:schemeClr val="phClr">
                 <a:tint val="98000"/>
+                <a:shade val="90000"/>
                 <a:satMod val="130000"/>
-                <a:shade val="90000"/>
                 <a:lumMod val="103000"/>
               </a:schemeClr>
             </a:gs>
@@ -3290,7 +5316,7 @@
   <a:extraClrSchemeLst/>
   <a:extLst>
     <a:ext uri="{05A4C25C-085E-4340-85A3-A5531E510DB2}">
-      <thm15:themeFamily xmlns:thm15="http://schemas.microsoft.com/office/thememl/2012/main" name="Office Theme" id="{62F939B6-93AF-4DB8-9C6B-D6C7DFDC589F}" vid="{4A3C46E8-61CC-4603-A589-7422A47A8E4A}"/>
+      <thm15:themeFamily xmlns:thm15="http://schemas.microsoft.com/office/thememl/2012/main" name="Crop" id="{EC9488ED-E761-4D60-9AC4-764D1FE2C171}" vid="{CE19780C-D67D-4C13-9DE9-A52BC3BA51B4}"/>
     </a:ext>
   </a:extLst>
 </a:theme>

--- a/Presentation.pptx
+++ b/Presentation.pptx
@@ -9,6 +9,8 @@
     <p:sldId id="257" r:id="rId3"/>
     <p:sldId id="258" r:id="rId4"/>
     <p:sldId id="259" r:id="rId5"/>
+    <p:sldId id="260" r:id="rId6"/>
+    <p:sldId id="261" r:id="rId7"/>
   </p:sldIdLst>
   <p:sldSz cx="12192000" cy="6858000"/>
   <p:notesSz cx="6858000" cy="9144000"/>
@@ -107,6 +109,11 @@
       </a:defRPr>
     </a:lvl9pPr>
   </p:defaultTextStyle>
+  <p:extLst>
+    <p:ext uri="{EFAFB233-063F-42B5-8137-9DF3F51BA10A}">
+      <p15:sldGuideLst xmlns:p15="http://schemas.microsoft.com/office/powerpoint/2012/main"/>
+    </p:ext>
+  </p:extLst>
 </p:presentation>
 </file>
 
@@ -279,7 +286,7 @@
           <a:p>
             <a:fld id="{612C3213-C297-42A5-AE82-C1078B1DCE5C}" type="datetimeFigureOut">
               <a:rPr lang="ru-RU" smtClean="0"/>
-              <a:t>14.11.2021</a:t>
+              <a:t>17.11.2021</a:t>
             </a:fld>
             <a:endParaRPr lang="ru-RU"/>
           </a:p>
@@ -609,7 +616,7 @@
           <a:p>
             <a:fld id="{612C3213-C297-42A5-AE82-C1078B1DCE5C}" type="datetimeFigureOut">
               <a:rPr lang="ru-RU" smtClean="0"/>
-              <a:t>14.11.2021</a:t>
+              <a:t>17.11.2021</a:t>
             </a:fld>
             <a:endParaRPr lang="ru-RU"/>
           </a:p>
@@ -789,7 +796,7 @@
           <a:p>
             <a:fld id="{612C3213-C297-42A5-AE82-C1078B1DCE5C}" type="datetimeFigureOut">
               <a:rPr lang="ru-RU" smtClean="0"/>
-              <a:t>14.11.2021</a:t>
+              <a:t>17.11.2021</a:t>
             </a:fld>
             <a:endParaRPr lang="ru-RU"/>
           </a:p>
@@ -959,7 +966,7 @@
           <a:p>
             <a:fld id="{612C3213-C297-42A5-AE82-C1078B1DCE5C}" type="datetimeFigureOut">
               <a:rPr lang="ru-RU" smtClean="0"/>
-              <a:t>14.11.2021</a:t>
+              <a:t>17.11.2021</a:t>
             </a:fld>
             <a:endParaRPr lang="ru-RU"/>
           </a:p>
@@ -1236,7 +1243,7 @@
           <a:p>
             <a:fld id="{612C3213-C297-42A5-AE82-C1078B1DCE5C}" type="datetimeFigureOut">
               <a:rPr lang="ru-RU" smtClean="0"/>
-              <a:t>14.11.2021</a:t>
+              <a:t>17.11.2021</a:t>
             </a:fld>
             <a:endParaRPr lang="ru-RU"/>
           </a:p>
@@ -1630,7 +1637,7 @@
           <a:p>
             <a:fld id="{612C3213-C297-42A5-AE82-C1078B1DCE5C}" type="datetimeFigureOut">
               <a:rPr lang="ru-RU" smtClean="0"/>
-              <a:t>14.11.2021</a:t>
+              <a:t>17.11.2021</a:t>
             </a:fld>
             <a:endParaRPr lang="ru-RU"/>
           </a:p>
@@ -2107,7 +2114,7 @@
           <a:p>
             <a:fld id="{612C3213-C297-42A5-AE82-C1078B1DCE5C}" type="datetimeFigureOut">
               <a:rPr lang="ru-RU" smtClean="0"/>
-              <a:t>14.11.2021</a:t>
+              <a:t>17.11.2021</a:t>
             </a:fld>
             <a:endParaRPr lang="ru-RU"/>
           </a:p>
@@ -2225,7 +2232,7 @@
           <a:p>
             <a:fld id="{612C3213-C297-42A5-AE82-C1078B1DCE5C}" type="datetimeFigureOut">
               <a:rPr lang="ru-RU" smtClean="0"/>
-              <a:t>14.11.2021</a:t>
+              <a:t>17.11.2021</a:t>
             </a:fld>
             <a:endParaRPr lang="ru-RU"/>
           </a:p>
@@ -2320,7 +2327,7 @@
           <a:p>
             <a:fld id="{612C3213-C297-42A5-AE82-C1078B1DCE5C}" type="datetimeFigureOut">
               <a:rPr lang="ru-RU" smtClean="0"/>
-              <a:t>14.11.2021</a:t>
+              <a:t>17.11.2021</a:t>
             </a:fld>
             <a:endParaRPr lang="ru-RU"/>
           </a:p>
@@ -2666,7 +2673,7 @@
           <a:p>
             <a:fld id="{612C3213-C297-42A5-AE82-C1078B1DCE5C}" type="datetimeFigureOut">
               <a:rPr lang="ru-RU" smtClean="0"/>
-              <a:t>14.11.2021</a:t>
+              <a:t>17.11.2021</a:t>
             </a:fld>
             <a:endParaRPr lang="ru-RU"/>
           </a:p>
@@ -3054,7 +3061,7 @@
           <a:p>
             <a:fld id="{612C3213-C297-42A5-AE82-C1078B1DCE5C}" type="datetimeFigureOut">
               <a:rPr lang="ru-RU" smtClean="0"/>
-              <a:t>14.11.2021</a:t>
+              <a:t>17.11.2021</a:t>
             </a:fld>
             <a:endParaRPr lang="ru-RU"/>
           </a:p>
@@ -3332,7 +3339,7 @@
           <a:p>
             <a:fld id="{612C3213-C297-42A5-AE82-C1078B1DCE5C}" type="datetimeFigureOut">
               <a:rPr lang="ru-RU" smtClean="0"/>
-              <a:t>14.11.2021</a:t>
+              <a:t>17.11.2021</a:t>
             </a:fld>
             <a:endParaRPr lang="ru-RU"/>
           </a:p>
@@ -3860,7 +3867,12 @@
             <p:ph type="ctrTitle"/>
           </p:nvPr>
         </p:nvSpPr>
-        <p:spPr/>
+        <p:spPr>
+          <a:xfrm>
+            <a:off x="519961" y="2608586"/>
+            <a:ext cx="8361229" cy="2098226"/>
+          </a:xfrm>
+        </p:spPr>
         <p:txBody>
           <a:bodyPr>
             <a:normAutofit fontScale="90000"/>
@@ -3890,7 +3902,12 @@
             <p:ph type="subTitle" idx="1"/>
           </p:nvPr>
         </p:nvSpPr>
-        <p:spPr/>
+        <p:spPr>
+          <a:xfrm>
+            <a:off x="4159915" y="4587875"/>
+            <a:ext cx="6831673" cy="1086237"/>
+          </a:xfrm>
+        </p:spPr>
         <p:txBody>
           <a:bodyPr/>
           <a:lstStyle/>
@@ -4290,7 +4307,7 @@
         </p:nvSpPr>
         <p:spPr>
           <a:xfrm>
-            <a:off x="8471423" y="2286000"/>
+            <a:off x="8411590" y="2231590"/>
             <a:ext cx="3053039" cy="3931920"/>
           </a:xfrm>
           <a:prstGeom prst="rect">
@@ -4962,6 +4979,14 @@
 <file path=ppt/slides/slide4.xml><?xml version="1.0" encoding="utf-8"?>
 <p:sld xmlns:a="http://schemas.openxmlformats.org/drawingml/2006/main" xmlns:r="http://schemas.openxmlformats.org/officeDocument/2006/relationships" xmlns:p="http://schemas.openxmlformats.org/presentationml/2006/main">
   <p:cSld>
+    <p:bg>
+      <p:bgPr>
+        <a:solidFill>
+          <a:schemeClr val="bg2"/>
+        </a:solidFill>
+        <a:effectLst/>
+      </p:bgPr>
+    </p:bg>
     <p:spTree>
       <p:nvGrpSpPr>
         <p:cNvPr id="1" name=""/>
@@ -4978,6 +5003,61 @@
       </p:grpSpPr>
       <p:sp>
         <p:nvSpPr>
+          <p:cNvPr id="11" name="Rectangle 10">
+            <a:extLst>
+              <a:ext uri="{FF2B5EF4-FFF2-40B4-BE49-F238E27FC236}">
+                <a16:creationId xmlns:a16="http://schemas.microsoft.com/office/drawing/2014/main" id="{2793B903-AB42-42A0-AE97-93D366679CA2}"/>
+              </a:ext>
+              <a:ext uri="{C183D7F6-B498-43B3-948B-1728B52AA6E4}">
+                <adec:decorative xmlns:adec="http://schemas.microsoft.com/office/drawing/2017/decorative" val="1"/>
+              </a:ext>
+            </a:extLst>
+          </p:cNvPr>
+          <p:cNvSpPr>
+            <a:spLocks noGrp="1" noRot="1" noChangeAspect="1" noMove="1" noResize="1" noEditPoints="1" noAdjustHandles="1" noChangeArrowheads="1" noChangeShapeType="1" noTextEdit="1"/>
+          </p:cNvSpPr>
+          <p:nvPr>
+            <p:extLst>
+              <p:ext uri="{386F3935-93C4-4BCD-93E2-E3B085C9AB24}">
+                <p16:designElem xmlns:p16="http://schemas.microsoft.com/office/powerpoint/2015/main" val="1"/>
+              </p:ext>
+            </p:extLst>
+          </p:nvPr>
+        </p:nvSpPr>
+        <p:spPr>
+          <a:xfrm>
+            <a:off x="478095" y="376"/>
+            <a:ext cx="228600" cy="6858000"/>
+          </a:xfrm>
+          <a:prstGeom prst="rect">
+            <a:avLst/>
+          </a:prstGeom>
+          <a:solidFill>
+            <a:schemeClr val="tx2"/>
+          </a:solidFill>
+          <a:ln>
+            <a:noFill/>
+          </a:ln>
+        </p:spPr>
+        <p:style>
+          <a:lnRef idx="2">
+            <a:schemeClr val="accent1">
+              <a:shade val="50000"/>
+            </a:schemeClr>
+          </a:lnRef>
+          <a:fillRef idx="1">
+            <a:schemeClr val="accent1"/>
+          </a:fillRef>
+          <a:effectRef idx="0">
+            <a:schemeClr val="accent1"/>
+          </a:effectRef>
+          <a:fontRef idx="minor">
+            <a:schemeClr val="lt1"/>
+          </a:fontRef>
+        </p:style>
+      </p:sp>
+      <p:sp>
+        <p:nvSpPr>
           <p:cNvPr id="2" name="Заголовок 1">
             <a:extLst>
               <a:ext uri="{FF2B5EF4-FFF2-40B4-BE49-F238E27FC236}">
@@ -4992,40 +5072,151 @@
             <p:ph type="title"/>
           </p:nvPr>
         </p:nvSpPr>
-        <p:spPr/>
+        <p:spPr>
+          <a:xfrm>
+            <a:off x="7860667" y="685800"/>
+            <a:ext cx="3656419" cy="1485900"/>
+          </a:xfrm>
+        </p:spPr>
         <p:txBody>
-          <a:bodyPr/>
+          <a:bodyPr vert="horz" lIns="91440" tIns="45720" rIns="91440" bIns="45720" rtlCol="0" anchor="t">
+            <a:normAutofit/>
+          </a:bodyPr>
           <a:lstStyle/>
           <a:p>
-            <a:endParaRPr lang="ru-RU"/>
+            <a:r>
+              <a:rPr lang="en-US" sz="3100" dirty="0" err="1"/>
+              <a:t>Решение</a:t>
+            </a:r>
+            <a:r>
+              <a:rPr lang="en-US" sz="3100" dirty="0"/>
+              <a:t> </a:t>
+            </a:r>
+            <a:r>
+              <a:rPr lang="en-US" sz="3100" dirty="0" err="1"/>
+              <a:t>без</a:t>
+            </a:r>
+            <a:r>
+              <a:rPr lang="en-US" sz="3100" dirty="0"/>
+              <a:t> </a:t>
+            </a:r>
+            <a:r>
+              <a:rPr lang="en-US" sz="3100" dirty="0" err="1"/>
+              <a:t>учёта</a:t>
+            </a:r>
+            <a:r>
+              <a:rPr lang="en-US" sz="3100" dirty="0"/>
+              <a:t> </a:t>
+            </a:r>
+            <a:r>
+              <a:rPr lang="en-US" sz="3100" dirty="0" err="1"/>
+              <a:t>сопротивления</a:t>
+            </a:r>
+            <a:r>
+              <a:rPr lang="en-US" sz="3100" dirty="0"/>
+              <a:t> </a:t>
+            </a:r>
+            <a:r>
+              <a:rPr lang="en-US" sz="3100" dirty="0" err="1"/>
+              <a:t>воздуха</a:t>
+            </a:r>
+            <a:endParaRPr lang="en-US" sz="3100" dirty="0"/>
           </a:p>
         </p:txBody>
       </p:sp>
       <p:sp>
         <p:nvSpPr>
-          <p:cNvPr id="3" name="Объект 2">
+          <p:cNvPr id="13" name="Rectangle 12">
             <a:extLst>
               <a:ext uri="{FF2B5EF4-FFF2-40B4-BE49-F238E27FC236}">
-                <a16:creationId xmlns:a16="http://schemas.microsoft.com/office/drawing/2014/main" id="{2443044A-2CB7-4E93-BF3B-7A0C8050C8E5}"/>
+                <a16:creationId xmlns:a16="http://schemas.microsoft.com/office/drawing/2014/main" id="{BEC9E7FA-3295-45ED-8253-D23F9E44E1DA}"/>
+              </a:ext>
+              <a:ext uri="{C183D7F6-B498-43B3-948B-1728B52AA6E4}">
+                <adec:decorative xmlns:adec="http://schemas.microsoft.com/office/drawing/2017/decorative" val="1"/>
               </a:ext>
             </a:extLst>
           </p:cNvPr>
           <p:cNvSpPr>
-            <a:spLocks noGrp="1"/>
-          </p:cNvSpPr>
+            <a:spLocks noGrp="1" noRot="1" noChangeAspect="1" noMove="1" noResize="1" noEditPoints="1" noAdjustHandles="1" noChangeArrowheads="1" noChangeShapeType="1" noTextEdit="1"/>
+          </p:cNvSpPr>
+          <p:nvPr>
+            <p:extLst>
+              <p:ext uri="{386F3935-93C4-4BCD-93E2-E3B085C9AB24}">
+                <p16:designElem xmlns:p16="http://schemas.microsoft.com/office/powerpoint/2015/main" val="1"/>
+              </p:ext>
+            </p:extLst>
+          </p:nvPr>
+        </p:nvSpPr>
+        <p:spPr>
+          <a:xfrm>
+            <a:off x="478095" y="376"/>
+            <a:ext cx="228600" cy="6858000"/>
+          </a:xfrm>
+          <a:prstGeom prst="rect">
+            <a:avLst/>
+          </a:prstGeom>
+          <a:solidFill>
+            <a:schemeClr val="tx2"/>
+          </a:solidFill>
+          <a:ln>
+            <a:noFill/>
+          </a:ln>
+        </p:spPr>
+        <p:style>
+          <a:lnRef idx="2">
+            <a:schemeClr val="accent1">
+              <a:shade val="50000"/>
+            </a:schemeClr>
+          </a:lnRef>
+          <a:fillRef idx="1">
+            <a:schemeClr val="accent1"/>
+          </a:fillRef>
+          <a:effectRef idx="0">
+            <a:schemeClr val="accent1"/>
+          </a:effectRef>
+          <a:fontRef idx="minor">
+            <a:schemeClr val="lt1"/>
+          </a:fontRef>
+        </p:style>
+      </p:sp>
+      <p:pic>
+        <p:nvPicPr>
+          <p:cNvPr id="6" name="Объект 5">
+            <a:extLst>
+              <a:ext uri="{FF2B5EF4-FFF2-40B4-BE49-F238E27FC236}">
+                <a16:creationId xmlns:a16="http://schemas.microsoft.com/office/drawing/2014/main" id="{EB8211BB-1175-4DB6-8FD1-110658EDA5EF}"/>
+              </a:ext>
+            </a:extLst>
+          </p:cNvPr>
+          <p:cNvPicPr>
+            <a:picLocks noGrp="1" noChangeAspect="1"/>
+          </p:cNvPicPr>
           <p:nvPr>
             <p:ph sz="half" idx="1"/>
           </p:nvPr>
-        </p:nvSpPr>
-        <p:spPr/>
-        <p:txBody>
-          <a:bodyPr/>
-          <a:lstStyle/>
-          <a:p>
-            <a:endParaRPr lang="ru-RU"/>
-          </a:p>
-        </p:txBody>
-      </p:sp>
+        </p:nvPicPr>
+        <p:blipFill>
+          <a:blip r:embed="rId2">
+            <a:extLst>
+              <a:ext uri="{28A0092B-C50C-407E-A947-70E740481C1C}">
+                <a14:useLocalDpi xmlns:a14="http://schemas.microsoft.com/office/drawing/2010/main" val="0"/>
+              </a:ext>
+            </a:extLst>
+          </a:blip>
+          <a:stretch>
+            <a:fillRect/>
+          </a:stretch>
+        </p:blipFill>
+        <p:spPr>
+          <a:xfrm>
+            <a:off x="1023561" y="930983"/>
+            <a:ext cx="6517065" cy="4675993"/>
+          </a:xfrm>
+          <a:prstGeom prst="rect">
+            <a:avLst/>
+          </a:prstGeom>
+        </p:spPr>
+      </p:pic>
       <p:sp>
         <p:nvSpPr>
           <p:cNvPr id="4" name="Объект 3">
@@ -5042,19 +5233,2026 @@
             <p:ph sz="half" idx="2"/>
           </p:nvPr>
         </p:nvSpPr>
-        <p:spPr/>
+        <p:spPr>
+          <a:xfrm>
+            <a:off x="7860667" y="2286000"/>
+            <a:ext cx="3656419" cy="3501958"/>
+          </a:xfrm>
+        </p:spPr>
         <p:txBody>
-          <a:bodyPr/>
+          <a:bodyPr vert="horz" lIns="91440" tIns="45720" rIns="91440" bIns="45720" rtlCol="0">
+            <a:normAutofit/>
+          </a:bodyPr>
           <a:lstStyle/>
           <a:p>
-            <a:endParaRPr lang="ru-RU"/>
+            <a:r>
+              <a:rPr lang="en-US" dirty="0" err="1"/>
+              <a:t>Вводим</a:t>
+            </a:r>
+            <a:r>
+              <a:rPr lang="en-US" dirty="0"/>
+              <a:t> </a:t>
+            </a:r>
+            <a:r>
+              <a:rPr lang="en-US" dirty="0" err="1"/>
+              <a:t>систему</a:t>
+            </a:r>
+            <a:r>
+              <a:rPr lang="en-US" dirty="0"/>
+              <a:t> </a:t>
+            </a:r>
+            <a:r>
+              <a:rPr lang="en-US" dirty="0" err="1"/>
+              <a:t>координат</a:t>
+            </a:r>
+            <a:r>
+              <a:rPr lang="en-US" dirty="0"/>
+              <a:t> </a:t>
+            </a:r>
+            <a:r>
+              <a:rPr lang="en-US" dirty="0" err="1"/>
+              <a:t>XoY</a:t>
+            </a:r>
+            <a:endParaRPr lang="en-US" dirty="0"/>
+          </a:p>
+          <a:p>
+            <a:r>
+              <a:rPr lang="ru-RU" dirty="0"/>
+              <a:t>Находим начальные значения проекций скорости на оси</a:t>
+            </a:r>
+          </a:p>
+          <a:p>
+            <a:r>
+              <a:rPr lang="ru-RU" dirty="0"/>
+              <a:t>По оси </a:t>
+            </a:r>
+            <a:r>
+              <a:rPr lang="en-US" dirty="0"/>
+              <a:t>X </a:t>
+            </a:r>
+            <a:r>
+              <a:rPr lang="ru-RU" dirty="0"/>
+              <a:t>считаем траекторию по законам равномерного движения,</a:t>
+            </a:r>
+          </a:p>
+          <a:p>
+            <a:r>
+              <a:rPr lang="ru-RU" dirty="0"/>
+              <a:t>По оси </a:t>
+            </a:r>
+            <a:r>
+              <a:rPr lang="en-US" dirty="0"/>
+              <a:t>Y</a:t>
+            </a:r>
+            <a:r>
+              <a:rPr lang="ru-RU" dirty="0"/>
+              <a:t> – равноускоренного</a:t>
+            </a:r>
+          </a:p>
+          <a:p>
+            <a:endParaRPr lang="en-US" dirty="0"/>
           </a:p>
         </p:txBody>
       </p:sp>
+      <mc:AlternateContent xmlns:mc="http://schemas.openxmlformats.org/markup-compatibility/2006">
+        <mc:Choice xmlns:a14="http://schemas.microsoft.com/office/drawing/2010/main" Requires="a14">
+          <p:sp>
+            <p:nvSpPr>
+              <p:cNvPr id="7" name="TextBox 6">
+                <a:extLst>
+                  <a:ext uri="{FF2B5EF4-FFF2-40B4-BE49-F238E27FC236}">
+                    <a16:creationId xmlns:a16="http://schemas.microsoft.com/office/drawing/2014/main" id="{0341437B-E06E-45BB-BD85-08BF13FD9233}"/>
+                  </a:ext>
+                </a:extLst>
+              </p:cNvPr>
+              <p:cNvSpPr txBox="1"/>
+              <p:nvPr/>
+            </p:nvSpPr>
+            <p:spPr>
+              <a:xfrm>
+                <a:off x="1023561" y="5787958"/>
+                <a:ext cx="2950589" cy="784830"/>
+              </a:xfrm>
+              <a:prstGeom prst="rect">
+                <a:avLst/>
+              </a:prstGeom>
+              <a:noFill/>
+            </p:spPr>
+            <p:txBody>
+              <a:bodyPr wrap="square" rtlCol="0">
+                <a:spAutoFit/>
+              </a:bodyPr>
+              <a:lstStyle/>
+              <a:p>
+                <a:pPr indent="450215" algn="just">
+                  <a:lnSpc>
+                    <a:spcPct val="150000"/>
+                  </a:lnSpc>
+                </a:pPr>
+                <a14:m>
+                  <m:oMathPara xmlns:m="http://schemas.openxmlformats.org/officeDocument/2006/math">
+                    <m:oMathParaPr>
+                      <m:jc m:val="centerGroup"/>
+                    </m:oMathParaPr>
+                    <m:oMath xmlns:m="http://schemas.openxmlformats.org/officeDocument/2006/math">
+                      <m:r>
+                        <a:rPr lang="ru-RU" sz="1800" i="1" smtClean="0">
+                          <a:effectLst/>
+                          <a:latin typeface="Cambria Math" panose="02040503050406030204" pitchFamily="18" charset="0"/>
+                          <a:ea typeface="Times New Roman" panose="02020603050405020304" pitchFamily="18" charset="0"/>
+                          <a:cs typeface="Times New Roman" panose="02020603050405020304" pitchFamily="18" charset="0"/>
+                        </a:rPr>
+                        <m:t>𝑥</m:t>
+                      </m:r>
+                      <m:d>
+                        <m:dPr>
+                          <m:ctrlPr>
+                            <a:rPr lang="ru-RU" sz="1800" i="1">
+                              <a:effectLst/>
+                              <a:latin typeface="Cambria Math" panose="02040503050406030204" pitchFamily="18" charset="0"/>
+                              <a:ea typeface="Times New Roman" panose="02020603050405020304" pitchFamily="18" charset="0"/>
+                              <a:cs typeface="Times New Roman" panose="02020603050405020304" pitchFamily="18" charset="0"/>
+                            </a:rPr>
+                          </m:ctrlPr>
+                        </m:dPr>
+                        <m:e>
+                          <m:r>
+                            <a:rPr lang="ru-RU" sz="1800" i="1">
+                              <a:effectLst/>
+                              <a:latin typeface="Cambria Math" panose="02040503050406030204" pitchFamily="18" charset="0"/>
+                              <a:ea typeface="Times New Roman" panose="02020603050405020304" pitchFamily="18" charset="0"/>
+                              <a:cs typeface="Times New Roman" panose="02020603050405020304" pitchFamily="18" charset="0"/>
+                            </a:rPr>
+                            <m:t>𝑡</m:t>
+                          </m:r>
+                        </m:e>
+                      </m:d>
+                      <m:r>
+                        <a:rPr lang="ru-RU" sz="1800" i="1">
+                          <a:effectLst/>
+                          <a:latin typeface="Cambria Math" panose="02040503050406030204" pitchFamily="18" charset="0"/>
+                          <a:ea typeface="Times New Roman" panose="02020603050405020304" pitchFamily="18" charset="0"/>
+                          <a:cs typeface="Times New Roman" panose="02020603050405020304" pitchFamily="18" charset="0"/>
+                        </a:rPr>
+                        <m:t>=</m:t>
+                      </m:r>
+                      <m:sSub>
+                        <m:sSubPr>
+                          <m:ctrlPr>
+                            <a:rPr lang="ru-RU" sz="1800" i="1">
+                              <a:effectLst/>
+                              <a:latin typeface="Cambria Math" panose="02040503050406030204" pitchFamily="18" charset="0"/>
+                              <a:ea typeface="Times New Roman" panose="02020603050405020304" pitchFamily="18" charset="0"/>
+                              <a:cs typeface="Times New Roman" panose="02020603050405020304" pitchFamily="18" charset="0"/>
+                            </a:rPr>
+                          </m:ctrlPr>
+                        </m:sSubPr>
+                        <m:e>
+                          <m:r>
+                            <a:rPr lang="ru-RU" sz="1800" i="1">
+                              <a:effectLst/>
+                              <a:latin typeface="Cambria Math" panose="02040503050406030204" pitchFamily="18" charset="0"/>
+                              <a:ea typeface="Times New Roman" panose="02020603050405020304" pitchFamily="18" charset="0"/>
+                              <a:cs typeface="Times New Roman" panose="02020603050405020304" pitchFamily="18" charset="0"/>
+                            </a:rPr>
+                            <m:t>𝑥</m:t>
+                          </m:r>
+                        </m:e>
+                        <m:sub>
+                          <m:r>
+                            <a:rPr lang="ru-RU" sz="1800" i="1">
+                              <a:effectLst/>
+                              <a:latin typeface="Cambria Math" panose="02040503050406030204" pitchFamily="18" charset="0"/>
+                              <a:ea typeface="Times New Roman" panose="02020603050405020304" pitchFamily="18" charset="0"/>
+                              <a:cs typeface="Times New Roman" panose="02020603050405020304" pitchFamily="18" charset="0"/>
+                            </a:rPr>
+                            <m:t>0</m:t>
+                          </m:r>
+                        </m:sub>
+                      </m:sSub>
+                      <m:r>
+                        <a:rPr lang="ru-RU" sz="1800" i="1">
+                          <a:effectLst/>
+                          <a:latin typeface="Cambria Math" panose="02040503050406030204" pitchFamily="18" charset="0"/>
+                          <a:ea typeface="Times New Roman" panose="02020603050405020304" pitchFamily="18" charset="0"/>
+                          <a:cs typeface="Times New Roman" panose="02020603050405020304" pitchFamily="18" charset="0"/>
+                        </a:rPr>
+                        <m:t>+ </m:t>
+                      </m:r>
+                      <m:sSub>
+                        <m:sSubPr>
+                          <m:ctrlPr>
+                            <a:rPr lang="ru-RU" sz="1800" i="1">
+                              <a:effectLst/>
+                              <a:latin typeface="Cambria Math" panose="02040503050406030204" pitchFamily="18" charset="0"/>
+                              <a:ea typeface="Times New Roman" panose="02020603050405020304" pitchFamily="18" charset="0"/>
+                              <a:cs typeface="Times New Roman" panose="02020603050405020304" pitchFamily="18" charset="0"/>
+                            </a:rPr>
+                          </m:ctrlPr>
+                        </m:sSubPr>
+                        <m:e>
+                          <m:r>
+                            <a:rPr lang="ru-RU" sz="1800" i="1">
+                              <a:effectLst/>
+                              <a:latin typeface="Cambria Math" panose="02040503050406030204" pitchFamily="18" charset="0"/>
+                              <a:ea typeface="Times New Roman" panose="02020603050405020304" pitchFamily="18" charset="0"/>
+                              <a:cs typeface="Times New Roman" panose="02020603050405020304" pitchFamily="18" charset="0"/>
+                            </a:rPr>
+                            <m:t>𝑣</m:t>
+                          </m:r>
+                        </m:e>
+                        <m:sub>
+                          <m:r>
+                            <a:rPr lang="ru-RU" sz="1800" i="1">
+                              <a:effectLst/>
+                              <a:latin typeface="Cambria Math" panose="02040503050406030204" pitchFamily="18" charset="0"/>
+                              <a:ea typeface="Times New Roman" panose="02020603050405020304" pitchFamily="18" charset="0"/>
+                              <a:cs typeface="Times New Roman" panose="02020603050405020304" pitchFamily="18" charset="0"/>
+                            </a:rPr>
+                            <m:t>0</m:t>
+                          </m:r>
+                        </m:sub>
+                      </m:sSub>
+                      <m:func>
+                        <m:funcPr>
+                          <m:ctrlPr>
+                            <a:rPr lang="ru-RU" sz="1800" i="1">
+                              <a:effectLst/>
+                              <a:latin typeface="Cambria Math" panose="02040503050406030204" pitchFamily="18" charset="0"/>
+                              <a:ea typeface="Times New Roman" panose="02020603050405020304" pitchFamily="18" charset="0"/>
+                              <a:cs typeface="Times New Roman" panose="02020603050405020304" pitchFamily="18" charset="0"/>
+                            </a:rPr>
+                          </m:ctrlPr>
+                        </m:funcPr>
+                        <m:fName>
+                          <m:r>
+                            <m:rPr>
+                              <m:sty m:val="p"/>
+                            </m:rPr>
+                            <a:rPr lang="ru-RU" sz="1800">
+                              <a:effectLst/>
+                              <a:latin typeface="Cambria Math" panose="02040503050406030204" pitchFamily="18" charset="0"/>
+                              <a:ea typeface="Calibri" panose="020F0502020204030204" pitchFamily="34" charset="0"/>
+                              <a:cs typeface="Times New Roman" panose="02020603050405020304" pitchFamily="18" charset="0"/>
+                            </a:rPr>
+                            <m:t>cos</m:t>
+                          </m:r>
+                        </m:fName>
+                        <m:e>
+                          <m:r>
+                            <a:rPr lang="ru-RU" sz="1800" i="1">
+                              <a:effectLst/>
+                              <a:latin typeface="Cambria Math" panose="02040503050406030204" pitchFamily="18" charset="0"/>
+                              <a:ea typeface="Times New Roman" panose="02020603050405020304" pitchFamily="18" charset="0"/>
+                              <a:cs typeface="Times New Roman" panose="02020603050405020304" pitchFamily="18" charset="0"/>
+                            </a:rPr>
+                            <m:t>𝛼</m:t>
+                          </m:r>
+                        </m:e>
+                      </m:func>
+                      <m:r>
+                        <a:rPr lang="ru-RU" sz="1800" i="1">
+                          <a:effectLst/>
+                          <a:latin typeface="Cambria Math" panose="02040503050406030204" pitchFamily="18" charset="0"/>
+                          <a:ea typeface="Times New Roman" panose="02020603050405020304" pitchFamily="18" charset="0"/>
+                          <a:cs typeface="Times New Roman" panose="02020603050405020304" pitchFamily="18" charset="0"/>
+                        </a:rPr>
+                        <m:t>𝑡</m:t>
+                      </m:r>
+                    </m:oMath>
+                  </m:oMathPara>
+                </a14:m>
+                <a:endParaRPr lang="ru-RU" sz="1800" dirty="0">
+                  <a:effectLst/>
+                  <a:latin typeface="Times New Roman" panose="02020603050405020304" pitchFamily="18" charset="0"/>
+                  <a:ea typeface="Calibri" panose="020F0502020204030204" pitchFamily="34" charset="0"/>
+                  <a:cs typeface="Times New Roman" panose="02020603050405020304" pitchFamily="18" charset="0"/>
+                </a:endParaRPr>
+              </a:p>
+              <a:p>
+                <a:endParaRPr lang="ru-RU" dirty="0"/>
+              </a:p>
+            </p:txBody>
+          </p:sp>
+        </mc:Choice>
+        <mc:Fallback>
+          <p:sp>
+            <p:nvSpPr>
+              <p:cNvPr id="7" name="TextBox 6">
+                <a:extLst>
+                  <a:ext uri="{FF2B5EF4-FFF2-40B4-BE49-F238E27FC236}">
+                    <a16:creationId xmlns:a16="http://schemas.microsoft.com/office/drawing/2014/main" id="{0341437B-E06E-45BB-BD85-08BF13FD9233}"/>
+                  </a:ext>
+                </a:extLst>
+              </p:cNvPr>
+              <p:cNvSpPr txBox="1">
+                <a:spLocks noRot="1" noChangeAspect="1" noMove="1" noResize="1" noEditPoints="1" noAdjustHandles="1" noChangeArrowheads="1" noChangeShapeType="1" noTextEdit="1"/>
+              </p:cNvSpPr>
+              <p:nvPr/>
+            </p:nvSpPr>
+            <p:spPr>
+              <a:xfrm>
+                <a:off x="1023561" y="5787958"/>
+                <a:ext cx="2950589" cy="784830"/>
+              </a:xfrm>
+              <a:prstGeom prst="rect">
+                <a:avLst/>
+              </a:prstGeom>
+              <a:blipFill>
+                <a:blip r:embed="rId3"/>
+                <a:stretch>
+                  <a:fillRect/>
+                </a:stretch>
+              </a:blipFill>
+            </p:spPr>
+            <p:txBody>
+              <a:bodyPr/>
+              <a:lstStyle/>
+              <a:p>
+                <a:r>
+                  <a:rPr lang="ru-RU">
+                    <a:noFill/>
+                  </a:rPr>
+                  <a:t> </a:t>
+                </a:r>
+              </a:p>
+            </p:txBody>
+          </p:sp>
+        </mc:Fallback>
+      </mc:AlternateContent>
+      <mc:AlternateContent xmlns:mc="http://schemas.openxmlformats.org/markup-compatibility/2006">
+        <mc:Choice xmlns:a14="http://schemas.microsoft.com/office/drawing/2010/main" Requires="a14">
+          <p:sp>
+            <p:nvSpPr>
+              <p:cNvPr id="12" name="TextBox 11">
+                <a:extLst>
+                  <a:ext uri="{FF2B5EF4-FFF2-40B4-BE49-F238E27FC236}">
+                    <a16:creationId xmlns:a16="http://schemas.microsoft.com/office/drawing/2014/main" id="{FACF1E72-B80E-4DDD-ADF3-ABF42541AAAE}"/>
+                  </a:ext>
+                </a:extLst>
+              </p:cNvPr>
+              <p:cNvSpPr txBox="1"/>
+              <p:nvPr/>
+            </p:nvSpPr>
+            <p:spPr>
+              <a:xfrm>
+                <a:off x="3974149" y="5721276"/>
+                <a:ext cx="3886517" cy="646331"/>
+              </a:xfrm>
+              <a:prstGeom prst="rect">
+                <a:avLst/>
+              </a:prstGeom>
+              <a:noFill/>
+            </p:spPr>
+            <p:txBody>
+              <a:bodyPr wrap="square">
+                <a:spAutoFit/>
+              </a:bodyPr>
+              <a:lstStyle/>
+              <a:p>
+                <a:pPr/>
+                <a14:m>
+                  <m:oMathPara xmlns:m="http://schemas.openxmlformats.org/officeDocument/2006/math">
+                    <m:oMathParaPr>
+                      <m:jc m:val="centerGroup"/>
+                    </m:oMathParaPr>
+                    <m:oMath xmlns:m="http://schemas.openxmlformats.org/officeDocument/2006/math">
+                      <m:r>
+                        <a:rPr lang="ru-RU" i="1" smtClean="0">
+                          <a:latin typeface="Cambria Math" panose="02040503050406030204" pitchFamily="18" charset="0"/>
+                        </a:rPr>
+                        <m:t>𝑦</m:t>
+                      </m:r>
+                      <m:d>
+                        <m:dPr>
+                          <m:ctrlPr>
+                            <a:rPr lang="ru-RU" i="1">
+                              <a:solidFill>
+                                <a:srgbClr val="836967"/>
+                              </a:solidFill>
+                              <a:latin typeface="Cambria Math" panose="02040503050406030204" pitchFamily="18" charset="0"/>
+                            </a:rPr>
+                          </m:ctrlPr>
+                        </m:dPr>
+                        <m:e>
+                          <m:r>
+                            <a:rPr lang="ru-RU" i="1">
+                              <a:latin typeface="Cambria Math" panose="02040503050406030204" pitchFamily="18" charset="0"/>
+                            </a:rPr>
+                            <m:t>𝑡</m:t>
+                          </m:r>
+                        </m:e>
+                      </m:d>
+                      <m:r>
+                        <a:rPr lang="ru-RU" i="0">
+                          <a:latin typeface="Cambria Math" panose="02040503050406030204" pitchFamily="18" charset="0"/>
+                        </a:rPr>
+                        <m:t>= </m:t>
+                      </m:r>
+                      <m:sSub>
+                        <m:sSubPr>
+                          <m:ctrlPr>
+                            <a:rPr lang="ru-RU" i="1">
+                              <a:solidFill>
+                                <a:srgbClr val="836967"/>
+                              </a:solidFill>
+                              <a:latin typeface="Cambria Math" panose="02040503050406030204" pitchFamily="18" charset="0"/>
+                            </a:rPr>
+                          </m:ctrlPr>
+                        </m:sSubPr>
+                        <m:e>
+                          <m:r>
+                            <a:rPr lang="ru-RU" i="1">
+                              <a:latin typeface="Cambria Math" panose="02040503050406030204" pitchFamily="18" charset="0"/>
+                            </a:rPr>
+                            <m:t>𝑦</m:t>
+                          </m:r>
+                        </m:e>
+                        <m:sub>
+                          <m:r>
+                            <a:rPr lang="ru-RU" i="0">
+                              <a:latin typeface="Cambria Math" panose="02040503050406030204" pitchFamily="18" charset="0"/>
+                            </a:rPr>
+                            <m:t>0</m:t>
+                          </m:r>
+                        </m:sub>
+                      </m:sSub>
+                      <m:r>
+                        <a:rPr lang="ru-RU" i="0">
+                          <a:latin typeface="Cambria Math" panose="02040503050406030204" pitchFamily="18" charset="0"/>
+                        </a:rPr>
+                        <m:t>+ </m:t>
+                      </m:r>
+                      <m:sSub>
+                        <m:sSubPr>
+                          <m:ctrlPr>
+                            <a:rPr lang="ru-RU" i="1">
+                              <a:solidFill>
+                                <a:srgbClr val="836967"/>
+                              </a:solidFill>
+                              <a:latin typeface="Cambria Math" panose="02040503050406030204" pitchFamily="18" charset="0"/>
+                            </a:rPr>
+                          </m:ctrlPr>
+                        </m:sSubPr>
+                        <m:e>
+                          <m:r>
+                            <a:rPr lang="ru-RU" i="1">
+                              <a:latin typeface="Cambria Math" panose="02040503050406030204" pitchFamily="18" charset="0"/>
+                            </a:rPr>
+                            <m:t>𝑣</m:t>
+                          </m:r>
+                        </m:e>
+                        <m:sub>
+                          <m:r>
+                            <a:rPr lang="ru-RU" i="0">
+                              <a:latin typeface="Cambria Math" panose="02040503050406030204" pitchFamily="18" charset="0"/>
+                            </a:rPr>
+                            <m:t>0</m:t>
+                          </m:r>
+                        </m:sub>
+                      </m:sSub>
+                      <m:func>
+                        <m:funcPr>
+                          <m:ctrlPr>
+                            <a:rPr lang="ru-RU" i="1">
+                              <a:latin typeface="Cambria Math" panose="02040503050406030204" pitchFamily="18" charset="0"/>
+                            </a:rPr>
+                          </m:ctrlPr>
+                        </m:funcPr>
+                        <m:fName>
+                          <m:r>
+                            <m:rPr>
+                              <m:sty m:val="p"/>
+                            </m:rPr>
+                            <a:rPr lang="ru-RU" i="0">
+                              <a:latin typeface="Cambria Math" panose="02040503050406030204" pitchFamily="18" charset="0"/>
+                            </a:rPr>
+                            <m:t>sin</m:t>
+                          </m:r>
+                        </m:fName>
+                        <m:e>
+                          <m:r>
+                            <a:rPr lang="ru-RU" i="1">
+                              <a:latin typeface="Cambria Math" panose="02040503050406030204" pitchFamily="18" charset="0"/>
+                            </a:rPr>
+                            <m:t>𝛼</m:t>
+                          </m:r>
+                        </m:e>
+                      </m:func>
+                      <m:r>
+                        <a:rPr lang="ru-RU" i="1">
+                          <a:latin typeface="Cambria Math" panose="02040503050406030204" pitchFamily="18" charset="0"/>
+                        </a:rPr>
+                        <m:t>𝑡</m:t>
+                      </m:r>
+                      <m:r>
+                        <a:rPr lang="ru-RU" i="0">
+                          <a:latin typeface="Cambria Math" panose="02040503050406030204" pitchFamily="18" charset="0"/>
+                        </a:rPr>
+                        <m:t>−</m:t>
+                      </m:r>
+                      <m:f>
+                        <m:fPr>
+                          <m:ctrlPr>
+                            <a:rPr lang="ru-RU" i="1">
+                              <a:solidFill>
+                                <a:srgbClr val="836967"/>
+                              </a:solidFill>
+                              <a:latin typeface="Cambria Math" panose="02040503050406030204" pitchFamily="18" charset="0"/>
+                            </a:rPr>
+                          </m:ctrlPr>
+                        </m:fPr>
+                        <m:num>
+                          <m:r>
+                            <a:rPr lang="ru-RU" i="1">
+                              <a:latin typeface="Cambria Math" panose="02040503050406030204" pitchFamily="18" charset="0"/>
+                            </a:rPr>
+                            <m:t>𝑔</m:t>
+                          </m:r>
+                          <m:sSup>
+                            <m:sSupPr>
+                              <m:ctrlPr>
+                                <a:rPr lang="ru-RU" i="1">
+                                  <a:solidFill>
+                                    <a:srgbClr val="836967"/>
+                                  </a:solidFill>
+                                  <a:latin typeface="Cambria Math" panose="02040503050406030204" pitchFamily="18" charset="0"/>
+                                </a:rPr>
+                              </m:ctrlPr>
+                            </m:sSupPr>
+                            <m:e>
+                              <m:r>
+                                <a:rPr lang="ru-RU" i="1">
+                                  <a:latin typeface="Cambria Math" panose="02040503050406030204" pitchFamily="18" charset="0"/>
+                                </a:rPr>
+                                <m:t>𝑡</m:t>
+                              </m:r>
+                            </m:e>
+                            <m:sup>
+                              <m:r>
+                                <a:rPr lang="ru-RU" i="0">
+                                  <a:latin typeface="Cambria Math" panose="02040503050406030204" pitchFamily="18" charset="0"/>
+                                </a:rPr>
+                                <m:t>2</m:t>
+                              </m:r>
+                            </m:sup>
+                          </m:sSup>
+                        </m:num>
+                        <m:den>
+                          <m:r>
+                            <a:rPr lang="ru-RU" i="0">
+                              <a:latin typeface="Cambria Math" panose="02040503050406030204" pitchFamily="18" charset="0"/>
+                            </a:rPr>
+                            <m:t>2</m:t>
+                          </m:r>
+                        </m:den>
+                      </m:f>
+                    </m:oMath>
+                  </m:oMathPara>
+                </a14:m>
+                <a:endParaRPr lang="ru-RU" dirty="0"/>
+              </a:p>
+            </p:txBody>
+          </p:sp>
+        </mc:Choice>
+        <mc:Fallback>
+          <p:sp>
+            <p:nvSpPr>
+              <p:cNvPr id="12" name="TextBox 11">
+                <a:extLst>
+                  <a:ext uri="{FF2B5EF4-FFF2-40B4-BE49-F238E27FC236}">
+                    <a16:creationId xmlns:a16="http://schemas.microsoft.com/office/drawing/2014/main" id="{FACF1E72-B80E-4DDD-ADF3-ABF42541AAAE}"/>
+                  </a:ext>
+                </a:extLst>
+              </p:cNvPr>
+              <p:cNvSpPr txBox="1">
+                <a:spLocks noRot="1" noChangeAspect="1" noMove="1" noResize="1" noEditPoints="1" noAdjustHandles="1" noChangeArrowheads="1" noChangeShapeType="1" noTextEdit="1"/>
+              </p:cNvSpPr>
+              <p:nvPr/>
+            </p:nvSpPr>
+            <p:spPr>
+              <a:xfrm>
+                <a:off x="3974149" y="5721276"/>
+                <a:ext cx="3886517" cy="646331"/>
+              </a:xfrm>
+              <a:prstGeom prst="rect">
+                <a:avLst/>
+              </a:prstGeom>
+              <a:blipFill>
+                <a:blip r:embed="rId4"/>
+                <a:stretch>
+                  <a:fillRect/>
+                </a:stretch>
+              </a:blipFill>
+            </p:spPr>
+            <p:txBody>
+              <a:bodyPr/>
+              <a:lstStyle/>
+              <a:p>
+                <a:r>
+                  <a:rPr lang="ru-RU">
+                    <a:noFill/>
+                  </a:rPr>
+                  <a:t> </a:t>
+                </a:r>
+              </a:p>
+            </p:txBody>
+          </p:sp>
+        </mc:Fallback>
+      </mc:AlternateContent>
     </p:spTree>
     <p:extLst>
       <p:ext uri="{BB962C8B-B14F-4D97-AF65-F5344CB8AC3E}">
         <p14:creationId xmlns:p14="http://schemas.microsoft.com/office/powerpoint/2010/main" val="1818758486"/>
+      </p:ext>
+    </p:extLst>
+  </p:cSld>
+  <p:clrMapOvr>
+    <a:overrideClrMapping bg1="dk1" tx1="lt1" bg2="dk2" tx2="lt2" accent1="accent1" accent2="accent2" accent3="accent3" accent4="accent4" accent5="accent5" accent6="accent6" hlink="hlink" folHlink="folHlink"/>
+  </p:clrMapOvr>
+</p:sld>
+</file>
+
+<file path=ppt/slides/slide5.xml><?xml version="1.0" encoding="utf-8"?>
+<p:sld xmlns:a="http://schemas.openxmlformats.org/drawingml/2006/main" xmlns:r="http://schemas.openxmlformats.org/officeDocument/2006/relationships" xmlns:p="http://schemas.openxmlformats.org/presentationml/2006/main">
+  <p:cSld>
+    <p:bg>
+      <p:bgPr>
+        <a:solidFill>
+          <a:schemeClr val="bg2"/>
+        </a:solidFill>
+        <a:effectLst/>
+      </p:bgPr>
+    </p:bg>
+    <p:spTree>
+      <p:nvGrpSpPr>
+        <p:cNvPr id="1" name=""/>
+        <p:cNvGrpSpPr/>
+        <p:nvPr/>
+      </p:nvGrpSpPr>
+      <p:grpSpPr>
+        <a:xfrm>
+          <a:off x="0" y="0"/>
+          <a:ext cx="0" cy="0"/>
+          <a:chOff x="0" y="0"/>
+          <a:chExt cx="0" cy="0"/>
+        </a:xfrm>
+      </p:grpSpPr>
+      <p:sp>
+        <p:nvSpPr>
+          <p:cNvPr id="11" name="Rectangle 10">
+            <a:extLst>
+              <a:ext uri="{FF2B5EF4-FFF2-40B4-BE49-F238E27FC236}">
+                <a16:creationId xmlns:a16="http://schemas.microsoft.com/office/drawing/2014/main" id="{2793B903-AB42-42A0-AE97-93D366679CA2}"/>
+              </a:ext>
+              <a:ext uri="{C183D7F6-B498-43B3-948B-1728B52AA6E4}">
+                <adec:decorative xmlns:adec="http://schemas.microsoft.com/office/drawing/2017/decorative" val="1"/>
+              </a:ext>
+            </a:extLst>
+          </p:cNvPr>
+          <p:cNvSpPr>
+            <a:spLocks noGrp="1" noRot="1" noChangeAspect="1" noMove="1" noResize="1" noEditPoints="1" noAdjustHandles="1" noChangeArrowheads="1" noChangeShapeType="1" noTextEdit="1"/>
+          </p:cNvSpPr>
+          <p:nvPr>
+            <p:extLst>
+              <p:ext uri="{386F3935-93C4-4BCD-93E2-E3B085C9AB24}">
+                <p16:designElem xmlns:p16="http://schemas.microsoft.com/office/powerpoint/2015/main" val="1"/>
+              </p:ext>
+            </p:extLst>
+          </p:nvPr>
+        </p:nvSpPr>
+        <p:spPr>
+          <a:xfrm>
+            <a:off x="478095" y="376"/>
+            <a:ext cx="228600" cy="6858000"/>
+          </a:xfrm>
+          <a:prstGeom prst="rect">
+            <a:avLst/>
+          </a:prstGeom>
+          <a:solidFill>
+            <a:schemeClr val="tx2"/>
+          </a:solidFill>
+          <a:ln>
+            <a:noFill/>
+          </a:ln>
+        </p:spPr>
+        <p:style>
+          <a:lnRef idx="2">
+            <a:schemeClr val="accent1">
+              <a:shade val="50000"/>
+            </a:schemeClr>
+          </a:lnRef>
+          <a:fillRef idx="1">
+            <a:schemeClr val="accent1"/>
+          </a:fillRef>
+          <a:effectRef idx="0">
+            <a:schemeClr val="accent1"/>
+          </a:effectRef>
+          <a:fontRef idx="minor">
+            <a:schemeClr val="lt1"/>
+          </a:fontRef>
+        </p:style>
+      </p:sp>
+      <p:sp>
+        <p:nvSpPr>
+          <p:cNvPr id="2" name="Заголовок 1">
+            <a:extLst>
+              <a:ext uri="{FF2B5EF4-FFF2-40B4-BE49-F238E27FC236}">
+                <a16:creationId xmlns:a16="http://schemas.microsoft.com/office/drawing/2014/main" id="{F4DCB8E1-102A-440E-A305-5F006B65B9F5}"/>
+              </a:ext>
+            </a:extLst>
+          </p:cNvPr>
+          <p:cNvSpPr>
+            <a:spLocks noGrp="1"/>
+          </p:cNvSpPr>
+          <p:nvPr>
+            <p:ph type="title"/>
+          </p:nvPr>
+        </p:nvSpPr>
+        <p:spPr>
+          <a:xfrm>
+            <a:off x="7860667" y="685800"/>
+            <a:ext cx="3656419" cy="1485900"/>
+          </a:xfrm>
+        </p:spPr>
+        <p:txBody>
+          <a:bodyPr vert="horz" lIns="91440" tIns="45720" rIns="91440" bIns="45720" rtlCol="0" anchor="t">
+            <a:noAutofit/>
+          </a:bodyPr>
+          <a:lstStyle/>
+          <a:p>
+            <a:r>
+              <a:rPr lang="ru-RU" sz="3100" dirty="0"/>
+              <a:t>Решение задача с учетом сопротивления воздуха</a:t>
+            </a:r>
+            <a:br>
+              <a:rPr lang="ru-RU" sz="3100" dirty="0"/>
+            </a:br>
+            <a:endParaRPr lang="en-US" sz="3100" dirty="0"/>
+          </a:p>
+        </p:txBody>
+      </p:sp>
+      <p:sp>
+        <p:nvSpPr>
+          <p:cNvPr id="13" name="Rectangle 12">
+            <a:extLst>
+              <a:ext uri="{FF2B5EF4-FFF2-40B4-BE49-F238E27FC236}">
+                <a16:creationId xmlns:a16="http://schemas.microsoft.com/office/drawing/2014/main" id="{BEC9E7FA-3295-45ED-8253-D23F9E44E1DA}"/>
+              </a:ext>
+              <a:ext uri="{C183D7F6-B498-43B3-948B-1728B52AA6E4}">
+                <adec:decorative xmlns:adec="http://schemas.microsoft.com/office/drawing/2017/decorative" val="1"/>
+              </a:ext>
+            </a:extLst>
+          </p:cNvPr>
+          <p:cNvSpPr>
+            <a:spLocks noGrp="1" noRot="1" noChangeAspect="1" noMove="1" noResize="1" noEditPoints="1" noAdjustHandles="1" noChangeArrowheads="1" noChangeShapeType="1" noTextEdit="1"/>
+          </p:cNvSpPr>
+          <p:nvPr>
+            <p:extLst>
+              <p:ext uri="{386F3935-93C4-4BCD-93E2-E3B085C9AB24}">
+                <p16:designElem xmlns:p16="http://schemas.microsoft.com/office/powerpoint/2015/main" val="1"/>
+              </p:ext>
+            </p:extLst>
+          </p:nvPr>
+        </p:nvSpPr>
+        <p:spPr>
+          <a:xfrm>
+            <a:off x="478095" y="376"/>
+            <a:ext cx="228600" cy="6858000"/>
+          </a:xfrm>
+          <a:prstGeom prst="rect">
+            <a:avLst/>
+          </a:prstGeom>
+          <a:solidFill>
+            <a:schemeClr val="tx2"/>
+          </a:solidFill>
+          <a:ln>
+            <a:noFill/>
+          </a:ln>
+        </p:spPr>
+        <p:style>
+          <a:lnRef idx="2">
+            <a:schemeClr val="accent1">
+              <a:shade val="50000"/>
+            </a:schemeClr>
+          </a:lnRef>
+          <a:fillRef idx="1">
+            <a:schemeClr val="accent1"/>
+          </a:fillRef>
+          <a:effectRef idx="0">
+            <a:schemeClr val="accent1"/>
+          </a:effectRef>
+          <a:fontRef idx="minor">
+            <a:schemeClr val="lt1"/>
+          </a:fontRef>
+        </p:style>
+      </p:sp>
+      <p:pic>
+        <p:nvPicPr>
+          <p:cNvPr id="6" name="Объект 5" descr="Изображение выглядит как текст, антенна, линия&#10;&#10;Автоматически созданное описание">
+            <a:extLst>
+              <a:ext uri="{FF2B5EF4-FFF2-40B4-BE49-F238E27FC236}">
+                <a16:creationId xmlns:a16="http://schemas.microsoft.com/office/drawing/2014/main" id="{F1D665A8-2FF3-4818-855F-9AEA4CC91B56}"/>
+              </a:ext>
+            </a:extLst>
+          </p:cNvPr>
+          <p:cNvPicPr>
+            <a:picLocks noGrp="1" noChangeAspect="1"/>
+          </p:cNvPicPr>
+          <p:nvPr>
+            <p:ph sz="half" idx="1"/>
+          </p:nvPr>
+        </p:nvPicPr>
+        <p:blipFill>
+          <a:blip r:embed="rId2">
+            <a:extLst>
+              <a:ext uri="{28A0092B-C50C-407E-A947-70E740481C1C}">
+                <a14:useLocalDpi xmlns:a14="http://schemas.microsoft.com/office/drawing/2010/main" val="0"/>
+              </a:ext>
+            </a:extLst>
+          </a:blip>
+          <a:stretch>
+            <a:fillRect/>
+          </a:stretch>
+        </p:blipFill>
+        <p:spPr>
+          <a:xfrm>
+            <a:off x="867919" y="308411"/>
+            <a:ext cx="6517065" cy="4675997"/>
+          </a:xfrm>
+          <a:prstGeom prst="rect">
+            <a:avLst/>
+          </a:prstGeom>
+        </p:spPr>
+      </p:pic>
+      <p:sp>
+        <p:nvSpPr>
+          <p:cNvPr id="4" name="Объект 3">
+            <a:extLst>
+              <a:ext uri="{FF2B5EF4-FFF2-40B4-BE49-F238E27FC236}">
+                <a16:creationId xmlns:a16="http://schemas.microsoft.com/office/drawing/2014/main" id="{FC261849-5ACA-4F39-B671-288557C8A721}"/>
+              </a:ext>
+            </a:extLst>
+          </p:cNvPr>
+          <p:cNvSpPr>
+            <a:spLocks noGrp="1"/>
+          </p:cNvSpPr>
+          <p:nvPr>
+            <p:ph sz="half" idx="2"/>
+          </p:nvPr>
+        </p:nvSpPr>
+        <p:spPr>
+          <a:xfrm>
+            <a:off x="7860667" y="2393004"/>
+            <a:ext cx="3656419" cy="3474396"/>
+          </a:xfrm>
+        </p:spPr>
+        <p:txBody>
+          <a:bodyPr vert="horz" lIns="91440" tIns="45720" rIns="91440" bIns="45720" rtlCol="0">
+            <a:normAutofit fontScale="92500" lnSpcReduction="20000"/>
+          </a:bodyPr>
+          <a:lstStyle/>
+          <a:p>
+            <a:r>
+              <a:rPr lang="ru-RU" dirty="0"/>
+              <a:t>Вводим систему координат </a:t>
+            </a:r>
+            <a:r>
+              <a:rPr lang="en-US" dirty="0" err="1"/>
+              <a:t>XoY</a:t>
+            </a:r>
+            <a:endParaRPr lang="en-US" dirty="0"/>
+          </a:p>
+          <a:p>
+            <a:r>
+              <a:rPr lang="ru-RU" dirty="0"/>
+              <a:t>Узнаем, что сила сопротивления воздуха зависит от скорости</a:t>
+            </a:r>
+          </a:p>
+          <a:p>
+            <a:r>
+              <a:rPr lang="ru-RU" dirty="0"/>
+              <a:t>Понимаем, что придется решать </a:t>
+            </a:r>
+            <a:r>
+              <a:rPr lang="ru-RU" dirty="0" err="1"/>
+              <a:t>дифф</a:t>
+            </a:r>
+            <a:r>
+              <a:rPr lang="ru-RU" dirty="0"/>
+              <a:t>. Уравнения</a:t>
+            </a:r>
+          </a:p>
+          <a:p>
+            <a:r>
+              <a:rPr lang="ru-RU" dirty="0"/>
+              <a:t>Плачем</a:t>
+            </a:r>
+          </a:p>
+          <a:p>
+            <a:r>
+              <a:rPr lang="ru-RU" dirty="0"/>
+              <a:t>Составляем систему </a:t>
+            </a:r>
+            <a:r>
+              <a:rPr lang="ru-RU" dirty="0" err="1"/>
+              <a:t>дифф</a:t>
+            </a:r>
+            <a:r>
+              <a:rPr lang="ru-RU" dirty="0"/>
+              <a:t>. Уравнений и решаем относительно начальных данных </a:t>
+            </a:r>
+            <a:endParaRPr lang="en-US" dirty="0"/>
+          </a:p>
+        </p:txBody>
+      </p:sp>
+      <mc:AlternateContent xmlns:mc="http://schemas.openxmlformats.org/markup-compatibility/2006">
+        <mc:Choice xmlns:a14="http://schemas.microsoft.com/office/drawing/2010/main" Requires="a14">
+          <p:sp>
+            <p:nvSpPr>
+              <p:cNvPr id="7" name="TextBox 6">
+                <a:extLst>
+                  <a:ext uri="{FF2B5EF4-FFF2-40B4-BE49-F238E27FC236}">
+                    <a16:creationId xmlns:a16="http://schemas.microsoft.com/office/drawing/2014/main" id="{32519CB7-0CDA-4D21-A828-8ABD0BDCBBEC}"/>
+                  </a:ext>
+                </a:extLst>
+              </p:cNvPr>
+              <p:cNvSpPr txBox="1"/>
+              <p:nvPr/>
+            </p:nvSpPr>
+            <p:spPr>
+              <a:xfrm>
+                <a:off x="867919" y="5210013"/>
+                <a:ext cx="2341538" cy="930896"/>
+              </a:xfrm>
+              <a:prstGeom prst="rect">
+                <a:avLst/>
+              </a:prstGeom>
+              <a:noFill/>
+            </p:spPr>
+            <p:txBody>
+              <a:bodyPr wrap="none" rtlCol="0">
+                <a:spAutoFit/>
+              </a:bodyPr>
+              <a:lstStyle/>
+              <a:p>
+                <a14:m>
+                  <m:oMathPara xmlns:m="http://schemas.openxmlformats.org/officeDocument/2006/math">
+                    <m:oMathParaPr>
+                      <m:jc m:val="centerGroup"/>
+                    </m:oMathParaPr>
+                    <m:oMath xmlns:m="http://schemas.openxmlformats.org/officeDocument/2006/math">
+                      <m:acc>
+                        <m:accPr>
+                          <m:chr m:val="̈"/>
+                          <m:ctrlPr>
+                            <a:rPr lang="ru-RU" i="1"/>
+                          </m:ctrlPr>
+                        </m:accPr>
+                        <m:e>
+                          <m:r>
+                            <a:rPr lang="ru-RU" i="1"/>
+                            <m:t>𝑦</m:t>
+                          </m:r>
+                        </m:e>
+                      </m:acc>
+                      <m:r>
+                        <a:rPr lang="ru-RU" sz="1800" i="1">
+                          <a:effectLst/>
+                          <a:latin typeface="Cambria Math" panose="02040503050406030204" pitchFamily="18" charset="0"/>
+                          <a:ea typeface="Calibri" panose="020F0502020204030204" pitchFamily="34" charset="0"/>
+                          <a:cs typeface="Times New Roman" panose="02020603050405020304" pitchFamily="18" charset="0"/>
+                        </a:rPr>
+                        <m:t>=−</m:t>
+                      </m:r>
+                      <m:r>
+                        <a:rPr lang="ru-RU" sz="1800" i="1">
+                          <a:effectLst/>
+                          <a:latin typeface="Cambria Math" panose="02040503050406030204" pitchFamily="18" charset="0"/>
+                          <a:ea typeface="Calibri" panose="020F0502020204030204" pitchFamily="34" charset="0"/>
+                          <a:cs typeface="Times New Roman" panose="02020603050405020304" pitchFamily="18" charset="0"/>
+                        </a:rPr>
+                        <m:t>𝑔</m:t>
+                      </m:r>
+                      <m:r>
+                        <a:rPr lang="ru-RU" sz="1800" i="1">
+                          <a:effectLst/>
+                          <a:latin typeface="Cambria Math" panose="02040503050406030204" pitchFamily="18" charset="0"/>
+                          <a:ea typeface="Calibri" panose="020F0502020204030204" pitchFamily="34" charset="0"/>
+                          <a:cs typeface="Times New Roman" panose="02020603050405020304" pitchFamily="18" charset="0"/>
+                        </a:rPr>
+                        <m:t> − </m:t>
+                      </m:r>
+                      <m:sSub>
+                        <m:sSubPr>
+                          <m:ctrlPr>
+                            <a:rPr lang="ru-RU" sz="1800" i="1">
+                              <a:effectLst/>
+                              <a:latin typeface="Cambria Math" panose="02040503050406030204" pitchFamily="18" charset="0"/>
+                              <a:ea typeface="Calibri" panose="020F0502020204030204" pitchFamily="34" charset="0"/>
+                              <a:cs typeface="Times New Roman" panose="02020603050405020304" pitchFamily="18" charset="0"/>
+                            </a:rPr>
+                          </m:ctrlPr>
+                        </m:sSubPr>
+                        <m:e>
+                          <m:r>
+                            <a:rPr lang="ru-RU" sz="1800" i="1">
+                              <a:effectLst/>
+                              <a:latin typeface="Cambria Math" panose="02040503050406030204" pitchFamily="18" charset="0"/>
+                              <a:ea typeface="Calibri" panose="020F0502020204030204" pitchFamily="34" charset="0"/>
+                              <a:cs typeface="Times New Roman" panose="02020603050405020304" pitchFamily="18" charset="0"/>
+                            </a:rPr>
+                            <m:t>𝐶</m:t>
+                          </m:r>
+                        </m:e>
+                        <m:sub>
+                          <m:r>
+                            <a:rPr lang="ru-RU" sz="1800" i="1">
+                              <a:effectLst/>
+                              <a:latin typeface="Cambria Math" panose="02040503050406030204" pitchFamily="18" charset="0"/>
+                              <a:ea typeface="Calibri" panose="020F0502020204030204" pitchFamily="34" charset="0"/>
+                              <a:cs typeface="Times New Roman" panose="02020603050405020304" pitchFamily="18" charset="0"/>
+                            </a:rPr>
+                            <m:t>𝑓</m:t>
+                          </m:r>
+                        </m:sub>
+                      </m:sSub>
+                      <m:f>
+                        <m:fPr>
+                          <m:ctrlPr>
+                            <a:rPr lang="ru-RU" sz="1800" i="1">
+                              <a:effectLst/>
+                              <a:latin typeface="Cambria Math" panose="02040503050406030204" pitchFamily="18" charset="0"/>
+                              <a:ea typeface="Calibri" panose="020F0502020204030204" pitchFamily="34" charset="0"/>
+                              <a:cs typeface="Times New Roman" panose="02020603050405020304" pitchFamily="18" charset="0"/>
+                            </a:rPr>
+                          </m:ctrlPr>
+                        </m:fPr>
+                        <m:num>
+                          <m:r>
+                            <a:rPr lang="ru-RU" sz="1800" i="1">
+                              <a:effectLst/>
+                              <a:latin typeface="Cambria Math" panose="02040503050406030204" pitchFamily="18" charset="0"/>
+                              <a:ea typeface="Calibri" panose="020F0502020204030204" pitchFamily="34" charset="0"/>
+                              <a:cs typeface="Times New Roman" panose="02020603050405020304" pitchFamily="18" charset="0"/>
+                            </a:rPr>
+                            <m:t>𝜌</m:t>
+                          </m:r>
+                          <m:sSubSup>
+                            <m:sSubSupPr>
+                              <m:ctrlPr>
+                                <a:rPr lang="ru-RU" sz="1800" i="1">
+                                  <a:effectLst/>
+                                  <a:latin typeface="Cambria Math" panose="02040503050406030204" pitchFamily="18" charset="0"/>
+                                  <a:ea typeface="Calibri" panose="020F0502020204030204" pitchFamily="34" charset="0"/>
+                                  <a:cs typeface="Times New Roman" panose="02020603050405020304" pitchFamily="18" charset="0"/>
+                                </a:rPr>
+                              </m:ctrlPr>
+                            </m:sSubSupPr>
+                            <m:e>
+                              <m:r>
+                                <a:rPr lang="ru-RU" sz="1800" i="1">
+                                  <a:effectLst/>
+                                  <a:latin typeface="Cambria Math" panose="02040503050406030204" pitchFamily="18" charset="0"/>
+                                  <a:ea typeface="Calibri" panose="020F0502020204030204" pitchFamily="34" charset="0"/>
+                                  <a:cs typeface="Times New Roman" panose="02020603050405020304" pitchFamily="18" charset="0"/>
+                                </a:rPr>
+                                <m:t>𝑣</m:t>
+                              </m:r>
+                            </m:e>
+                            <m:sub>
+                              <m:r>
+                                <a:rPr lang="ru-RU" sz="1800" i="1">
+                                  <a:effectLst/>
+                                  <a:latin typeface="Cambria Math" panose="02040503050406030204" pitchFamily="18" charset="0"/>
+                                  <a:ea typeface="Calibri" panose="020F0502020204030204" pitchFamily="34" charset="0"/>
+                                  <a:cs typeface="Times New Roman" panose="02020603050405020304" pitchFamily="18" charset="0"/>
+                                </a:rPr>
+                                <m:t>𝑦</m:t>
+                              </m:r>
+                            </m:sub>
+                            <m:sup>
+                              <m:r>
+                                <a:rPr lang="ru-RU" sz="1800" i="1">
+                                  <a:effectLst/>
+                                  <a:latin typeface="Cambria Math" panose="02040503050406030204" pitchFamily="18" charset="0"/>
+                                  <a:ea typeface="Calibri" panose="020F0502020204030204" pitchFamily="34" charset="0"/>
+                                  <a:cs typeface="Times New Roman" panose="02020603050405020304" pitchFamily="18" charset="0"/>
+                                </a:rPr>
+                                <m:t>2</m:t>
+                              </m:r>
+                            </m:sup>
+                          </m:sSubSup>
+                        </m:num>
+                        <m:den>
+                          <m:r>
+                            <a:rPr lang="ru-RU" sz="1800" i="1">
+                              <a:effectLst/>
+                              <a:latin typeface="Cambria Math" panose="02040503050406030204" pitchFamily="18" charset="0"/>
+                              <a:ea typeface="Calibri" panose="020F0502020204030204" pitchFamily="34" charset="0"/>
+                              <a:cs typeface="Times New Roman" panose="02020603050405020304" pitchFamily="18" charset="0"/>
+                            </a:rPr>
+                            <m:t>2</m:t>
+                          </m:r>
+                        </m:den>
+                      </m:f>
+                      <m:r>
+                        <a:rPr lang="ru-RU" sz="1800" i="1">
+                          <a:effectLst/>
+                          <a:latin typeface="Cambria Math" panose="02040503050406030204" pitchFamily="18" charset="0"/>
+                          <a:ea typeface="Calibri" panose="020F0502020204030204" pitchFamily="34" charset="0"/>
+                          <a:cs typeface="Times New Roman" panose="02020603050405020304" pitchFamily="18" charset="0"/>
+                        </a:rPr>
+                        <m:t>𝑆</m:t>
+                      </m:r>
+                    </m:oMath>
+                  </m:oMathPara>
+                </a14:m>
+                <a:endParaRPr lang="ru-RU" sz="1800" dirty="0">
+                  <a:effectLst/>
+                  <a:latin typeface="Times New Roman" panose="02020603050405020304" pitchFamily="18" charset="0"/>
+                  <a:ea typeface="Calibri" panose="020F0502020204030204" pitchFamily="34" charset="0"/>
+                  <a:cs typeface="Times New Roman" panose="02020603050405020304" pitchFamily="18" charset="0"/>
+                </a:endParaRPr>
+              </a:p>
+              <a:p>
+                <a:endParaRPr lang="ru-RU" dirty="0"/>
+              </a:p>
+            </p:txBody>
+          </p:sp>
+        </mc:Choice>
+        <mc:Fallback>
+          <p:sp>
+            <p:nvSpPr>
+              <p:cNvPr id="7" name="TextBox 6">
+                <a:extLst>
+                  <a:ext uri="{FF2B5EF4-FFF2-40B4-BE49-F238E27FC236}">
+                    <a16:creationId xmlns:a16="http://schemas.microsoft.com/office/drawing/2014/main" id="{32519CB7-0CDA-4D21-A828-8ABD0BDCBBEC}"/>
+                  </a:ext>
+                </a:extLst>
+              </p:cNvPr>
+              <p:cNvSpPr txBox="1">
+                <a:spLocks noRot="1" noChangeAspect="1" noMove="1" noResize="1" noEditPoints="1" noAdjustHandles="1" noChangeArrowheads="1" noChangeShapeType="1" noTextEdit="1"/>
+              </p:cNvSpPr>
+              <p:nvPr/>
+            </p:nvSpPr>
+            <p:spPr>
+              <a:xfrm>
+                <a:off x="867919" y="5210013"/>
+                <a:ext cx="2341538" cy="930896"/>
+              </a:xfrm>
+              <a:prstGeom prst="rect">
+                <a:avLst/>
+              </a:prstGeom>
+              <a:blipFill>
+                <a:blip r:embed="rId3"/>
+                <a:stretch>
+                  <a:fillRect/>
+                </a:stretch>
+              </a:blipFill>
+            </p:spPr>
+            <p:txBody>
+              <a:bodyPr/>
+              <a:lstStyle/>
+              <a:p>
+                <a:r>
+                  <a:rPr lang="ru-RU">
+                    <a:noFill/>
+                  </a:rPr>
+                  <a:t> </a:t>
+                </a:r>
+              </a:p>
+            </p:txBody>
+          </p:sp>
+        </mc:Fallback>
+      </mc:AlternateContent>
+      <mc:AlternateContent xmlns:mc="http://schemas.openxmlformats.org/markup-compatibility/2006">
+        <mc:Choice xmlns:a14="http://schemas.microsoft.com/office/drawing/2010/main" Requires="a14">
+          <p:sp>
+            <p:nvSpPr>
+              <p:cNvPr id="12" name="TextBox 11">
+                <a:extLst>
+                  <a:ext uri="{FF2B5EF4-FFF2-40B4-BE49-F238E27FC236}">
+                    <a16:creationId xmlns:a16="http://schemas.microsoft.com/office/drawing/2014/main" id="{D680507C-2496-45AE-BB16-86C8A0013387}"/>
+                  </a:ext>
+                </a:extLst>
+              </p:cNvPr>
+              <p:cNvSpPr txBox="1"/>
+              <p:nvPr/>
+            </p:nvSpPr>
+            <p:spPr>
+              <a:xfrm>
+                <a:off x="867919" y="6043348"/>
+                <a:ext cx="2341538" cy="646331"/>
+              </a:xfrm>
+              <a:prstGeom prst="rect">
+                <a:avLst/>
+              </a:prstGeom>
+              <a:noFill/>
+            </p:spPr>
+            <p:txBody>
+              <a:bodyPr wrap="square">
+                <a:spAutoFit/>
+              </a:bodyPr>
+              <a:lstStyle/>
+              <a:p>
+                <a:pPr/>
+                <a14:m>
+                  <m:oMathPara xmlns:m="http://schemas.openxmlformats.org/officeDocument/2006/math">
+                    <m:oMathParaPr>
+                      <m:jc m:val="centerGroup"/>
+                    </m:oMathParaPr>
+                    <m:oMath xmlns:m="http://schemas.openxmlformats.org/officeDocument/2006/math">
+                      <m:acc>
+                        <m:accPr>
+                          <m:chr m:val="̈"/>
+                          <m:ctrlPr>
+                            <a:rPr lang="ru-RU" i="1"/>
+                          </m:ctrlPr>
+                        </m:accPr>
+                        <m:e>
+                          <m:r>
+                            <a:rPr lang="ru-RU" i="1"/>
+                            <m:t>𝑥</m:t>
+                          </m:r>
+                        </m:e>
+                      </m:acc>
+                      <m:r>
+                        <a:rPr lang="ru-RU" i="0">
+                          <a:latin typeface="Cambria Math" panose="02040503050406030204" pitchFamily="18" charset="0"/>
+                        </a:rPr>
+                        <m:t>= − </m:t>
+                      </m:r>
+                      <m:sSub>
+                        <m:sSubPr>
+                          <m:ctrlPr>
+                            <a:rPr lang="ru-RU" i="1">
+                              <a:solidFill>
+                                <a:srgbClr val="836967"/>
+                              </a:solidFill>
+                              <a:latin typeface="Cambria Math" panose="02040503050406030204" pitchFamily="18" charset="0"/>
+                            </a:rPr>
+                          </m:ctrlPr>
+                        </m:sSubPr>
+                        <m:e>
+                          <m:r>
+                            <a:rPr lang="ru-RU" i="1">
+                              <a:latin typeface="Cambria Math" panose="02040503050406030204" pitchFamily="18" charset="0"/>
+                            </a:rPr>
+                            <m:t>𝐶</m:t>
+                          </m:r>
+                        </m:e>
+                        <m:sub>
+                          <m:r>
+                            <a:rPr lang="ru-RU" i="1">
+                              <a:latin typeface="Cambria Math" panose="02040503050406030204" pitchFamily="18" charset="0"/>
+                            </a:rPr>
+                            <m:t>𝑓</m:t>
+                          </m:r>
+                        </m:sub>
+                      </m:sSub>
+                      <m:f>
+                        <m:fPr>
+                          <m:ctrlPr>
+                            <a:rPr lang="ru-RU" i="1">
+                              <a:solidFill>
+                                <a:srgbClr val="836967"/>
+                              </a:solidFill>
+                              <a:latin typeface="Cambria Math" panose="02040503050406030204" pitchFamily="18" charset="0"/>
+                            </a:rPr>
+                          </m:ctrlPr>
+                        </m:fPr>
+                        <m:num>
+                          <m:r>
+                            <a:rPr lang="ru-RU" i="1">
+                              <a:latin typeface="Cambria Math" panose="02040503050406030204" pitchFamily="18" charset="0"/>
+                            </a:rPr>
+                            <m:t>𝜌</m:t>
+                          </m:r>
+                          <m:sSubSup>
+                            <m:sSubSupPr>
+                              <m:ctrlPr>
+                                <a:rPr lang="ru-RU" i="1">
+                                  <a:solidFill>
+                                    <a:srgbClr val="836967"/>
+                                  </a:solidFill>
+                                  <a:latin typeface="Cambria Math" panose="02040503050406030204" pitchFamily="18" charset="0"/>
+                                </a:rPr>
+                              </m:ctrlPr>
+                            </m:sSubSupPr>
+                            <m:e>
+                              <m:r>
+                                <a:rPr lang="ru-RU" i="1">
+                                  <a:latin typeface="Cambria Math" panose="02040503050406030204" pitchFamily="18" charset="0"/>
+                                </a:rPr>
+                                <m:t>𝑣</m:t>
+                              </m:r>
+                            </m:e>
+                            <m:sub>
+                              <m:r>
+                                <a:rPr lang="ru-RU" i="1">
+                                  <a:latin typeface="Cambria Math" panose="02040503050406030204" pitchFamily="18" charset="0"/>
+                                </a:rPr>
+                                <m:t>𝑥</m:t>
+                              </m:r>
+                            </m:sub>
+                            <m:sup>
+                              <m:r>
+                                <a:rPr lang="ru-RU" i="0">
+                                  <a:latin typeface="Cambria Math" panose="02040503050406030204" pitchFamily="18" charset="0"/>
+                                </a:rPr>
+                                <m:t>2</m:t>
+                              </m:r>
+                            </m:sup>
+                          </m:sSubSup>
+                        </m:num>
+                        <m:den>
+                          <m:r>
+                            <a:rPr lang="ru-RU" i="0">
+                              <a:latin typeface="Cambria Math" panose="02040503050406030204" pitchFamily="18" charset="0"/>
+                            </a:rPr>
+                            <m:t>2</m:t>
+                          </m:r>
+                        </m:den>
+                      </m:f>
+                      <m:r>
+                        <a:rPr lang="ru-RU" i="1">
+                          <a:latin typeface="Cambria Math" panose="02040503050406030204" pitchFamily="18" charset="0"/>
+                        </a:rPr>
+                        <m:t>𝑆</m:t>
+                      </m:r>
+                    </m:oMath>
+                  </m:oMathPara>
+                </a14:m>
+                <a:endParaRPr lang="ru-RU" dirty="0"/>
+              </a:p>
+            </p:txBody>
+          </p:sp>
+        </mc:Choice>
+        <mc:Fallback>
+          <p:sp>
+            <p:nvSpPr>
+              <p:cNvPr id="12" name="TextBox 11">
+                <a:extLst>
+                  <a:ext uri="{FF2B5EF4-FFF2-40B4-BE49-F238E27FC236}">
+                    <a16:creationId xmlns:a16="http://schemas.microsoft.com/office/drawing/2014/main" id="{D680507C-2496-45AE-BB16-86C8A0013387}"/>
+                  </a:ext>
+                </a:extLst>
+              </p:cNvPr>
+              <p:cNvSpPr txBox="1">
+                <a:spLocks noRot="1" noChangeAspect="1" noMove="1" noResize="1" noEditPoints="1" noAdjustHandles="1" noChangeArrowheads="1" noChangeShapeType="1" noTextEdit="1"/>
+              </p:cNvSpPr>
+              <p:nvPr/>
+            </p:nvSpPr>
+            <p:spPr>
+              <a:xfrm>
+                <a:off x="867919" y="6043348"/>
+                <a:ext cx="2341538" cy="646331"/>
+              </a:xfrm>
+              <a:prstGeom prst="rect">
+                <a:avLst/>
+              </a:prstGeom>
+              <a:blipFill>
+                <a:blip r:embed="rId4"/>
+                <a:stretch>
+                  <a:fillRect/>
+                </a:stretch>
+              </a:blipFill>
+            </p:spPr>
+            <p:txBody>
+              <a:bodyPr/>
+              <a:lstStyle/>
+              <a:p>
+                <a:r>
+                  <a:rPr lang="ru-RU">
+                    <a:noFill/>
+                  </a:rPr>
+                  <a:t> </a:t>
+                </a:r>
+              </a:p>
+            </p:txBody>
+          </p:sp>
+        </mc:Fallback>
+      </mc:AlternateContent>
+      <mc:AlternateContent xmlns:mc="http://schemas.openxmlformats.org/markup-compatibility/2006">
+        <mc:Choice xmlns:a14="http://schemas.microsoft.com/office/drawing/2010/main" Requires="a14">
+          <p:sp>
+            <p:nvSpPr>
+              <p:cNvPr id="14" name="TextBox 13">
+                <a:extLst>
+                  <a:ext uri="{FF2B5EF4-FFF2-40B4-BE49-F238E27FC236}">
+                    <a16:creationId xmlns:a16="http://schemas.microsoft.com/office/drawing/2014/main" id="{B03130F2-DE65-453D-97BC-4DEBA070766A}"/>
+                  </a:ext>
+                </a:extLst>
+              </p:cNvPr>
+              <p:cNvSpPr txBox="1"/>
+              <p:nvPr/>
+            </p:nvSpPr>
+            <p:spPr>
+              <a:xfrm>
+                <a:off x="3263418" y="5927931"/>
+                <a:ext cx="1514429" cy="507831"/>
+              </a:xfrm>
+              <a:prstGeom prst="rect">
+                <a:avLst/>
+              </a:prstGeom>
+              <a:noFill/>
+            </p:spPr>
+            <p:txBody>
+              <a:bodyPr wrap="square">
+                <a:spAutoFit/>
+              </a:bodyPr>
+              <a:lstStyle/>
+              <a:p>
+                <a:pPr indent="450215" algn="just">
+                  <a:lnSpc>
+                    <a:spcPct val="150000"/>
+                  </a:lnSpc>
+                </a:pPr>
+                <a14:m>
+                  <m:oMathPara xmlns:m="http://schemas.openxmlformats.org/officeDocument/2006/math">
+                    <m:oMathParaPr>
+                      <m:jc m:val="centerGroup"/>
+                    </m:oMathParaPr>
+                    <m:oMath xmlns:m="http://schemas.openxmlformats.org/officeDocument/2006/math">
+                      <m:acc>
+                        <m:accPr>
+                          <m:chr m:val="̇"/>
+                          <m:ctrlPr>
+                            <a:rPr lang="ru-RU" sz="1800" i="1" smtClean="0">
+                              <a:effectLst/>
+                              <a:latin typeface="Cambria Math" panose="02040503050406030204" pitchFamily="18" charset="0"/>
+                              <a:ea typeface="Calibri" panose="020F0502020204030204" pitchFamily="34" charset="0"/>
+                              <a:cs typeface="Times New Roman" panose="02020603050405020304" pitchFamily="18" charset="0"/>
+                            </a:rPr>
+                          </m:ctrlPr>
+                        </m:accPr>
+                        <m:e>
+                          <m:r>
+                            <a:rPr lang="en-US" sz="1800" i="1">
+                              <a:effectLst/>
+                              <a:latin typeface="Cambria Math" panose="02040503050406030204" pitchFamily="18" charset="0"/>
+                              <a:ea typeface="Calibri" panose="020F0502020204030204" pitchFamily="34" charset="0"/>
+                              <a:cs typeface="Times New Roman" panose="02020603050405020304" pitchFamily="18" charset="0"/>
+                            </a:rPr>
+                            <m:t>𝑥</m:t>
+                          </m:r>
+                        </m:e>
+                      </m:acc>
+                      <m:r>
+                        <a:rPr lang="ru-RU" sz="1800" i="1">
+                          <a:effectLst/>
+                          <a:latin typeface="Cambria Math" panose="02040503050406030204" pitchFamily="18" charset="0"/>
+                          <a:ea typeface="Calibri" panose="020F0502020204030204" pitchFamily="34" charset="0"/>
+                          <a:cs typeface="Times New Roman" panose="02020603050405020304" pitchFamily="18" charset="0"/>
+                        </a:rPr>
+                        <m:t> = </m:t>
+                      </m:r>
+                      <m:sSub>
+                        <m:sSubPr>
+                          <m:ctrlPr>
+                            <a:rPr lang="ru-RU" sz="1800" i="1">
+                              <a:effectLst/>
+                              <a:latin typeface="Cambria Math" panose="02040503050406030204" pitchFamily="18" charset="0"/>
+                              <a:ea typeface="Calibri" panose="020F0502020204030204" pitchFamily="34" charset="0"/>
+                              <a:cs typeface="Times New Roman" panose="02020603050405020304" pitchFamily="18" charset="0"/>
+                            </a:rPr>
+                          </m:ctrlPr>
+                        </m:sSubPr>
+                        <m:e>
+                          <m:r>
+                            <a:rPr lang="ru-RU" sz="1800" i="1">
+                              <a:effectLst/>
+                              <a:latin typeface="Cambria Math" panose="02040503050406030204" pitchFamily="18" charset="0"/>
+                              <a:ea typeface="Calibri" panose="020F0502020204030204" pitchFamily="34" charset="0"/>
+                              <a:cs typeface="Times New Roman" panose="02020603050405020304" pitchFamily="18" charset="0"/>
+                            </a:rPr>
+                            <m:t>𝑣</m:t>
+                          </m:r>
+                        </m:e>
+                        <m:sub>
+                          <m:r>
+                            <a:rPr lang="ru-RU" sz="1800" i="1">
+                              <a:effectLst/>
+                              <a:latin typeface="Cambria Math" panose="02040503050406030204" pitchFamily="18" charset="0"/>
+                              <a:ea typeface="Calibri" panose="020F0502020204030204" pitchFamily="34" charset="0"/>
+                              <a:cs typeface="Times New Roman" panose="02020603050405020304" pitchFamily="18" charset="0"/>
+                            </a:rPr>
+                            <m:t>𝑥</m:t>
+                          </m:r>
+                        </m:sub>
+                      </m:sSub>
+                    </m:oMath>
+                  </m:oMathPara>
+                </a14:m>
+                <a:endParaRPr lang="ru-RU" sz="1800" dirty="0">
+                  <a:effectLst/>
+                  <a:latin typeface="Times New Roman" panose="02020603050405020304" pitchFamily="18" charset="0"/>
+                  <a:ea typeface="Calibri" panose="020F0502020204030204" pitchFamily="34" charset="0"/>
+                  <a:cs typeface="Times New Roman" panose="02020603050405020304" pitchFamily="18" charset="0"/>
+                </a:endParaRPr>
+              </a:p>
+            </p:txBody>
+          </p:sp>
+        </mc:Choice>
+        <mc:Fallback>
+          <p:sp>
+            <p:nvSpPr>
+              <p:cNvPr id="14" name="TextBox 13">
+                <a:extLst>
+                  <a:ext uri="{FF2B5EF4-FFF2-40B4-BE49-F238E27FC236}">
+                    <a16:creationId xmlns:a16="http://schemas.microsoft.com/office/drawing/2014/main" id="{B03130F2-DE65-453D-97BC-4DEBA070766A}"/>
+                  </a:ext>
+                </a:extLst>
+              </p:cNvPr>
+              <p:cNvSpPr txBox="1">
+                <a:spLocks noRot="1" noChangeAspect="1" noMove="1" noResize="1" noEditPoints="1" noAdjustHandles="1" noChangeArrowheads="1" noChangeShapeType="1" noTextEdit="1"/>
+              </p:cNvSpPr>
+              <p:nvPr/>
+            </p:nvSpPr>
+            <p:spPr>
+              <a:xfrm>
+                <a:off x="3263418" y="5927931"/>
+                <a:ext cx="1514429" cy="507831"/>
+              </a:xfrm>
+              <a:prstGeom prst="rect">
+                <a:avLst/>
+              </a:prstGeom>
+              <a:blipFill>
+                <a:blip r:embed="rId5"/>
+                <a:stretch>
+                  <a:fillRect/>
+                </a:stretch>
+              </a:blipFill>
+            </p:spPr>
+            <p:txBody>
+              <a:bodyPr/>
+              <a:lstStyle/>
+              <a:p>
+                <a:r>
+                  <a:rPr lang="ru-RU">
+                    <a:noFill/>
+                  </a:rPr>
+                  <a:t> </a:t>
+                </a:r>
+              </a:p>
+            </p:txBody>
+          </p:sp>
+        </mc:Fallback>
+      </mc:AlternateContent>
+      <mc:AlternateContent xmlns:mc="http://schemas.openxmlformats.org/markup-compatibility/2006">
+        <mc:Choice xmlns:a14="http://schemas.microsoft.com/office/drawing/2010/main" Requires="a14">
+          <p:sp>
+            <p:nvSpPr>
+              <p:cNvPr id="15" name="TextBox 14">
+                <a:extLst>
+                  <a:ext uri="{FF2B5EF4-FFF2-40B4-BE49-F238E27FC236}">
+                    <a16:creationId xmlns:a16="http://schemas.microsoft.com/office/drawing/2014/main" id="{61A8706E-E389-4244-BC16-411C56257F46}"/>
+                  </a:ext>
+                </a:extLst>
+              </p:cNvPr>
+              <p:cNvSpPr txBox="1"/>
+              <p:nvPr/>
+            </p:nvSpPr>
+            <p:spPr>
+              <a:xfrm>
+                <a:off x="3370681" y="5387497"/>
+                <a:ext cx="1631666" cy="391261"/>
+              </a:xfrm>
+              <a:prstGeom prst="rect">
+                <a:avLst/>
+              </a:prstGeom>
+              <a:noFill/>
+            </p:spPr>
+            <p:txBody>
+              <a:bodyPr wrap="square">
+                <a:spAutoFit/>
+              </a:bodyPr>
+              <a:lstStyle/>
+              <a:p>
+                <a:pPr/>
+                <a14:m>
+                  <m:oMathPara xmlns:m="http://schemas.openxmlformats.org/officeDocument/2006/math">
+                    <m:oMathParaPr>
+                      <m:jc m:val="centerGroup"/>
+                    </m:oMathParaPr>
+                    <m:oMath xmlns:m="http://schemas.openxmlformats.org/officeDocument/2006/math">
+                      <m:acc>
+                        <m:accPr>
+                          <m:chr m:val="̇"/>
+                          <m:ctrlPr>
+                            <a:rPr lang="ru-RU" sz="1800" i="1" smtClean="0">
+                              <a:effectLst/>
+                              <a:latin typeface="Cambria Math" panose="02040503050406030204" pitchFamily="18" charset="0"/>
+                              <a:ea typeface="Calibri" panose="020F0502020204030204" pitchFamily="34" charset="0"/>
+                              <a:cs typeface="Times New Roman" panose="02020603050405020304" pitchFamily="18" charset="0"/>
+                            </a:rPr>
+                          </m:ctrlPr>
+                        </m:accPr>
+                        <m:e>
+                          <m:r>
+                            <a:rPr lang="ru-RU" sz="1800" i="1">
+                              <a:effectLst/>
+                              <a:latin typeface="Cambria Math" panose="02040503050406030204" pitchFamily="18" charset="0"/>
+                              <a:ea typeface="Calibri" panose="020F0502020204030204" pitchFamily="34" charset="0"/>
+                              <a:cs typeface="Times New Roman" panose="02020603050405020304" pitchFamily="18" charset="0"/>
+                            </a:rPr>
+                            <m:t>𝑦</m:t>
+                          </m:r>
+                        </m:e>
+                      </m:acc>
+                      <m:r>
+                        <a:rPr lang="ru-RU" sz="1800" i="1">
+                          <a:effectLst/>
+                          <a:latin typeface="Cambria Math" panose="02040503050406030204" pitchFamily="18" charset="0"/>
+                          <a:ea typeface="Calibri" panose="020F0502020204030204" pitchFamily="34" charset="0"/>
+                          <a:cs typeface="Times New Roman" panose="02020603050405020304" pitchFamily="18" charset="0"/>
+                        </a:rPr>
+                        <m:t> = </m:t>
+                      </m:r>
+                      <m:sSub>
+                        <m:sSubPr>
+                          <m:ctrlPr>
+                            <a:rPr lang="ru-RU" sz="1800" i="1">
+                              <a:effectLst/>
+                              <a:latin typeface="Cambria Math" panose="02040503050406030204" pitchFamily="18" charset="0"/>
+                              <a:ea typeface="Calibri" panose="020F0502020204030204" pitchFamily="34" charset="0"/>
+                              <a:cs typeface="Times New Roman" panose="02020603050405020304" pitchFamily="18" charset="0"/>
+                            </a:rPr>
+                          </m:ctrlPr>
+                        </m:sSubPr>
+                        <m:e>
+                          <m:r>
+                            <a:rPr lang="ru-RU" sz="1800" i="1">
+                              <a:effectLst/>
+                              <a:latin typeface="Cambria Math" panose="02040503050406030204" pitchFamily="18" charset="0"/>
+                              <a:ea typeface="Calibri" panose="020F0502020204030204" pitchFamily="34" charset="0"/>
+                              <a:cs typeface="Times New Roman" panose="02020603050405020304" pitchFamily="18" charset="0"/>
+                            </a:rPr>
+                            <m:t>𝑣</m:t>
+                          </m:r>
+                        </m:e>
+                        <m:sub>
+                          <m:r>
+                            <a:rPr lang="ru-RU" sz="1800" i="1">
+                              <a:effectLst/>
+                              <a:latin typeface="Cambria Math" panose="02040503050406030204" pitchFamily="18" charset="0"/>
+                              <a:ea typeface="Calibri" panose="020F0502020204030204" pitchFamily="34" charset="0"/>
+                              <a:cs typeface="Times New Roman" panose="02020603050405020304" pitchFamily="18" charset="0"/>
+                            </a:rPr>
+                            <m:t>𝑦</m:t>
+                          </m:r>
+                        </m:sub>
+                      </m:sSub>
+                    </m:oMath>
+                  </m:oMathPara>
+                </a14:m>
+                <a:endParaRPr lang="ru-RU" dirty="0"/>
+              </a:p>
+            </p:txBody>
+          </p:sp>
+        </mc:Choice>
+        <mc:Fallback>
+          <p:sp>
+            <p:nvSpPr>
+              <p:cNvPr id="15" name="TextBox 14">
+                <a:extLst>
+                  <a:ext uri="{FF2B5EF4-FFF2-40B4-BE49-F238E27FC236}">
+                    <a16:creationId xmlns:a16="http://schemas.microsoft.com/office/drawing/2014/main" id="{61A8706E-E389-4244-BC16-411C56257F46}"/>
+                  </a:ext>
+                </a:extLst>
+              </p:cNvPr>
+              <p:cNvSpPr txBox="1">
+                <a:spLocks noRot="1" noChangeAspect="1" noMove="1" noResize="1" noEditPoints="1" noAdjustHandles="1" noChangeArrowheads="1" noChangeShapeType="1" noTextEdit="1"/>
+              </p:cNvSpPr>
+              <p:nvPr/>
+            </p:nvSpPr>
+            <p:spPr>
+              <a:xfrm>
+                <a:off x="3370681" y="5387497"/>
+                <a:ext cx="1631666" cy="391261"/>
+              </a:xfrm>
+              <a:prstGeom prst="rect">
+                <a:avLst/>
+              </a:prstGeom>
+              <a:blipFill>
+                <a:blip r:embed="rId6"/>
+                <a:stretch>
+                  <a:fillRect b="-3125"/>
+                </a:stretch>
+              </a:blipFill>
+            </p:spPr>
+            <p:txBody>
+              <a:bodyPr/>
+              <a:lstStyle/>
+              <a:p>
+                <a:r>
+                  <a:rPr lang="ru-RU">
+                    <a:noFill/>
+                  </a:rPr>
+                  <a:t> </a:t>
+                </a:r>
+              </a:p>
+            </p:txBody>
+          </p:sp>
+        </mc:Fallback>
+      </mc:AlternateContent>
+      <mc:AlternateContent xmlns:mc="http://schemas.openxmlformats.org/markup-compatibility/2006">
+        <mc:Choice xmlns:a14="http://schemas.microsoft.com/office/drawing/2010/main" Requires="a14">
+          <p:sp>
+            <p:nvSpPr>
+              <p:cNvPr id="17" name="TextBox 16">
+                <a:extLst>
+                  <a:ext uri="{FF2B5EF4-FFF2-40B4-BE49-F238E27FC236}">
+                    <a16:creationId xmlns:a16="http://schemas.microsoft.com/office/drawing/2014/main" id="{7DEC5AF4-CF59-4592-BF40-0E2EDF016E2D}"/>
+                  </a:ext>
+                </a:extLst>
+              </p:cNvPr>
+              <p:cNvSpPr txBox="1"/>
+              <p:nvPr/>
+            </p:nvSpPr>
+            <p:spPr>
+              <a:xfrm>
+                <a:off x="5002347" y="5604765"/>
+                <a:ext cx="2341538" cy="646331"/>
+              </a:xfrm>
+              <a:prstGeom prst="rect">
+                <a:avLst/>
+              </a:prstGeom>
+              <a:noFill/>
+            </p:spPr>
+            <p:txBody>
+              <a:bodyPr wrap="square">
+                <a:spAutoFit/>
+              </a:bodyPr>
+              <a:lstStyle/>
+              <a:p>
+                <a:pPr/>
+                <a14:m>
+                  <m:oMathPara xmlns:m="http://schemas.openxmlformats.org/officeDocument/2006/math">
+                    <m:oMathParaPr>
+                      <m:jc m:val="centerGroup"/>
+                    </m:oMathParaPr>
+                    <m:oMath xmlns:m="http://schemas.openxmlformats.org/officeDocument/2006/math">
+                      <m:acc>
+                        <m:accPr>
+                          <m:chr m:val="⃗"/>
+                          <m:ctrlPr>
+                            <a:rPr lang="ru-RU" i="1" smtClean="0">
+                              <a:solidFill>
+                                <a:srgbClr val="836967"/>
+                              </a:solidFill>
+                              <a:latin typeface="Cambria Math" panose="02040503050406030204" pitchFamily="18" charset="0"/>
+                            </a:rPr>
+                          </m:ctrlPr>
+                        </m:accPr>
+                        <m:e>
+                          <m:r>
+                            <a:rPr lang="ru-RU" i="1">
+                              <a:latin typeface="Cambria Math" panose="02040503050406030204" pitchFamily="18" charset="0"/>
+                            </a:rPr>
+                            <m:t>𝑅</m:t>
+                          </m:r>
+                        </m:e>
+                      </m:acc>
+                      <m:r>
+                        <a:rPr lang="ru-RU" i="0">
+                          <a:latin typeface="Cambria Math" panose="02040503050406030204" pitchFamily="18" charset="0"/>
+                        </a:rPr>
+                        <m:t>= − </m:t>
+                      </m:r>
+                      <m:sSub>
+                        <m:sSubPr>
+                          <m:ctrlPr>
+                            <a:rPr lang="ru-RU" i="1">
+                              <a:solidFill>
+                                <a:srgbClr val="836967"/>
+                              </a:solidFill>
+                              <a:latin typeface="Cambria Math" panose="02040503050406030204" pitchFamily="18" charset="0"/>
+                            </a:rPr>
+                          </m:ctrlPr>
+                        </m:sSubPr>
+                        <m:e>
+                          <m:r>
+                            <a:rPr lang="ru-RU" i="1">
+                              <a:latin typeface="Cambria Math" panose="02040503050406030204" pitchFamily="18" charset="0"/>
+                            </a:rPr>
+                            <m:t>𝐶</m:t>
+                          </m:r>
+                        </m:e>
+                        <m:sub>
+                          <m:r>
+                            <a:rPr lang="ru-RU" i="1">
+                              <a:latin typeface="Cambria Math" panose="02040503050406030204" pitchFamily="18" charset="0"/>
+                            </a:rPr>
+                            <m:t>𝑓</m:t>
+                          </m:r>
+                        </m:sub>
+                      </m:sSub>
+                      <m:f>
+                        <m:fPr>
+                          <m:ctrlPr>
+                            <a:rPr lang="ru-RU" i="1">
+                              <a:solidFill>
+                                <a:srgbClr val="836967"/>
+                              </a:solidFill>
+                              <a:latin typeface="Cambria Math" panose="02040503050406030204" pitchFamily="18" charset="0"/>
+                            </a:rPr>
+                          </m:ctrlPr>
+                        </m:fPr>
+                        <m:num>
+                          <m:r>
+                            <a:rPr lang="ru-RU" i="1">
+                              <a:latin typeface="Cambria Math" panose="02040503050406030204" pitchFamily="18" charset="0"/>
+                            </a:rPr>
+                            <m:t>𝜌</m:t>
+                          </m:r>
+                          <m:sSup>
+                            <m:sSupPr>
+                              <m:ctrlPr>
+                                <a:rPr lang="ru-RU" i="1">
+                                  <a:solidFill>
+                                    <a:srgbClr val="836967"/>
+                                  </a:solidFill>
+                                  <a:latin typeface="Cambria Math" panose="02040503050406030204" pitchFamily="18" charset="0"/>
+                                </a:rPr>
+                              </m:ctrlPr>
+                            </m:sSupPr>
+                            <m:e>
+                              <m:acc>
+                                <m:accPr>
+                                  <m:chr m:val="⃗"/>
+                                  <m:ctrlPr>
+                                    <a:rPr lang="ru-RU" i="1">
+                                      <a:solidFill>
+                                        <a:srgbClr val="836967"/>
+                                      </a:solidFill>
+                                      <a:latin typeface="Cambria Math" panose="02040503050406030204" pitchFamily="18" charset="0"/>
+                                    </a:rPr>
+                                  </m:ctrlPr>
+                                </m:accPr>
+                                <m:e>
+                                  <m:r>
+                                    <a:rPr lang="ru-RU" i="1">
+                                      <a:latin typeface="Cambria Math" panose="02040503050406030204" pitchFamily="18" charset="0"/>
+                                    </a:rPr>
+                                    <m:t>𝑣</m:t>
+                                  </m:r>
+                                </m:e>
+                              </m:acc>
+                            </m:e>
+                            <m:sup>
+                              <m:r>
+                                <a:rPr lang="ru-RU" i="0">
+                                  <a:latin typeface="Cambria Math" panose="02040503050406030204" pitchFamily="18" charset="0"/>
+                                </a:rPr>
+                                <m:t>2</m:t>
+                              </m:r>
+                            </m:sup>
+                          </m:sSup>
+                        </m:num>
+                        <m:den>
+                          <m:r>
+                            <a:rPr lang="ru-RU" i="0">
+                              <a:latin typeface="Cambria Math" panose="02040503050406030204" pitchFamily="18" charset="0"/>
+                            </a:rPr>
+                            <m:t>2</m:t>
+                          </m:r>
+                        </m:den>
+                      </m:f>
+                      <m:r>
+                        <a:rPr lang="ru-RU" i="1">
+                          <a:latin typeface="Cambria Math" panose="02040503050406030204" pitchFamily="18" charset="0"/>
+                        </a:rPr>
+                        <m:t>𝑆</m:t>
+                      </m:r>
+                    </m:oMath>
+                  </m:oMathPara>
+                </a14:m>
+                <a:endParaRPr lang="ru-RU" dirty="0"/>
+              </a:p>
+            </p:txBody>
+          </p:sp>
+        </mc:Choice>
+        <mc:Fallback>
+          <p:sp>
+            <p:nvSpPr>
+              <p:cNvPr id="17" name="TextBox 16">
+                <a:extLst>
+                  <a:ext uri="{FF2B5EF4-FFF2-40B4-BE49-F238E27FC236}">
+                    <a16:creationId xmlns:a16="http://schemas.microsoft.com/office/drawing/2014/main" id="{7DEC5AF4-CF59-4592-BF40-0E2EDF016E2D}"/>
+                  </a:ext>
+                </a:extLst>
+              </p:cNvPr>
+              <p:cNvSpPr txBox="1">
+                <a:spLocks noRot="1" noChangeAspect="1" noMove="1" noResize="1" noEditPoints="1" noAdjustHandles="1" noChangeArrowheads="1" noChangeShapeType="1" noTextEdit="1"/>
+              </p:cNvSpPr>
+              <p:nvPr/>
+            </p:nvSpPr>
+            <p:spPr>
+              <a:xfrm>
+                <a:off x="5002347" y="5604765"/>
+                <a:ext cx="2341538" cy="646331"/>
+              </a:xfrm>
+              <a:prstGeom prst="rect">
+                <a:avLst/>
+              </a:prstGeom>
+              <a:blipFill>
+                <a:blip r:embed="rId7"/>
+                <a:stretch>
+                  <a:fillRect/>
+                </a:stretch>
+              </a:blipFill>
+            </p:spPr>
+            <p:txBody>
+              <a:bodyPr/>
+              <a:lstStyle/>
+              <a:p>
+                <a:r>
+                  <a:rPr lang="ru-RU">
+                    <a:noFill/>
+                  </a:rPr>
+                  <a:t> </a:t>
+                </a:r>
+              </a:p>
+            </p:txBody>
+          </p:sp>
+        </mc:Fallback>
+      </mc:AlternateContent>
+    </p:spTree>
+    <p:extLst>
+      <p:ext uri="{BB962C8B-B14F-4D97-AF65-F5344CB8AC3E}">
+        <p14:creationId xmlns:p14="http://schemas.microsoft.com/office/powerpoint/2010/main" val="1348874673"/>
+      </p:ext>
+    </p:extLst>
+  </p:cSld>
+  <p:clrMapOvr>
+    <a:overrideClrMapping bg1="dk1" tx1="lt1" bg2="dk2" tx2="lt2" accent1="accent1" accent2="accent2" accent3="accent3" accent4="accent4" accent5="accent5" accent6="accent6" hlink="hlink" folHlink="folHlink"/>
+  </p:clrMapOvr>
+</p:sld>
+</file>
+
+<file path=ppt/slides/slide6.xml><?xml version="1.0" encoding="utf-8"?>
+<p:sld xmlns:a="http://schemas.openxmlformats.org/drawingml/2006/main" xmlns:r="http://schemas.openxmlformats.org/officeDocument/2006/relationships" xmlns:p="http://schemas.openxmlformats.org/presentationml/2006/main">
+  <p:cSld>
+    <p:spTree>
+      <p:nvGrpSpPr>
+        <p:cNvPr id="1" name=""/>
+        <p:cNvGrpSpPr/>
+        <p:nvPr/>
+      </p:nvGrpSpPr>
+      <p:grpSpPr>
+        <a:xfrm>
+          <a:off x="0" y="0"/>
+          <a:ext cx="0" cy="0"/>
+          <a:chOff x="0" y="0"/>
+          <a:chExt cx="0" cy="0"/>
+        </a:xfrm>
+      </p:grpSpPr>
+      <p:sp>
+        <p:nvSpPr>
+          <p:cNvPr id="2" name="TextBox 1">
+            <a:extLst>
+              <a:ext uri="{FF2B5EF4-FFF2-40B4-BE49-F238E27FC236}">
+                <a16:creationId xmlns:a16="http://schemas.microsoft.com/office/drawing/2014/main" id="{3754800C-3E48-4C8E-BCC2-B5CAFFC2A641}"/>
+              </a:ext>
+            </a:extLst>
+          </p:cNvPr>
+          <p:cNvSpPr txBox="1"/>
+          <p:nvPr/>
+        </p:nvSpPr>
+        <p:spPr>
+          <a:xfrm>
+            <a:off x="3010562" y="2043811"/>
+            <a:ext cx="6840450" cy="2123658"/>
+          </a:xfrm>
+          <a:prstGeom prst="rect">
+            <a:avLst/>
+          </a:prstGeom>
+          <a:noFill/>
+        </p:spPr>
+        <p:txBody>
+          <a:bodyPr wrap="square" rtlCol="0">
+            <a:spAutoFit/>
+          </a:bodyPr>
+          <a:lstStyle/>
+          <a:p>
+            <a:pPr algn="ctr"/>
+            <a:r>
+              <a:rPr lang="ru-RU" sz="4400" b="1" dirty="0">
+                <a:latin typeface="Cavolini" panose="020B0502040204020203" pitchFamily="66" charset="0"/>
+                <a:ea typeface="UD Digi Kyokasho N-R" panose="020B0400000000000000" pitchFamily="18" charset="-128"/>
+                <a:cs typeface="Cavolini" panose="020B0502040204020203" pitchFamily="66" charset="0"/>
+              </a:rPr>
+              <a:t>Перейдем к демонстрации приложения</a:t>
+            </a:r>
+          </a:p>
+        </p:txBody>
+      </p:sp>
+    </p:spTree>
+    <p:extLst>
+      <p:ext uri="{BB962C8B-B14F-4D97-AF65-F5344CB8AC3E}">
+        <p14:creationId xmlns:p14="http://schemas.microsoft.com/office/powerpoint/2010/main" val="688953058"/>
       </p:ext>
     </p:extLst>
   </p:cSld>
